--- a/notes/04_rdf/04rdfSyntax2.pptx
+++ b/notes/04_rdf/04rdfSyntax2.pptx
@@ -5,10 +5,10 @@
     <p:sldMasterId id="2147483649" r:id="rId1"/>
   </p:sldMasterIdLst>
   <p:notesMasterIdLst>
-    <p:notesMasterId r:id="rId62"/>
+    <p:notesMasterId r:id="rId61"/>
   </p:notesMasterIdLst>
   <p:handoutMasterIdLst>
-    <p:handoutMasterId r:id="rId63"/>
+    <p:handoutMasterId r:id="rId62"/>
   </p:handoutMasterIdLst>
   <p:sldIdLst>
     <p:sldId id="256" r:id="rId2"/>
@@ -47,30 +47,29 @@
     <p:sldId id="531" r:id="rId35"/>
     <p:sldId id="575" r:id="rId36"/>
     <p:sldId id="580" r:id="rId37"/>
-    <p:sldId id="532" r:id="rId38"/>
-    <p:sldId id="571" r:id="rId39"/>
-    <p:sldId id="563" r:id="rId40"/>
-    <p:sldId id="564" r:id="rId41"/>
-    <p:sldId id="565" r:id="rId42"/>
-    <p:sldId id="576" r:id="rId43"/>
-    <p:sldId id="566" r:id="rId44"/>
-    <p:sldId id="567" r:id="rId45"/>
-    <p:sldId id="568" r:id="rId46"/>
-    <p:sldId id="577" r:id="rId47"/>
-    <p:sldId id="581" r:id="rId48"/>
-    <p:sldId id="569" r:id="rId49"/>
-    <p:sldId id="578" r:id="rId50"/>
-    <p:sldId id="579" r:id="rId51"/>
-    <p:sldId id="542" r:id="rId52"/>
-    <p:sldId id="536" r:id="rId53"/>
-    <p:sldId id="537" r:id="rId54"/>
-    <p:sldId id="538" r:id="rId55"/>
-    <p:sldId id="539" r:id="rId56"/>
-    <p:sldId id="540" r:id="rId57"/>
-    <p:sldId id="582" r:id="rId58"/>
-    <p:sldId id="541" r:id="rId59"/>
-    <p:sldId id="560" r:id="rId60"/>
-    <p:sldId id="559" r:id="rId61"/>
+    <p:sldId id="571" r:id="rId38"/>
+    <p:sldId id="563" r:id="rId39"/>
+    <p:sldId id="564" r:id="rId40"/>
+    <p:sldId id="565" r:id="rId41"/>
+    <p:sldId id="576" r:id="rId42"/>
+    <p:sldId id="566" r:id="rId43"/>
+    <p:sldId id="567" r:id="rId44"/>
+    <p:sldId id="568" r:id="rId45"/>
+    <p:sldId id="577" r:id="rId46"/>
+    <p:sldId id="581" r:id="rId47"/>
+    <p:sldId id="569" r:id="rId48"/>
+    <p:sldId id="578" r:id="rId49"/>
+    <p:sldId id="579" r:id="rId50"/>
+    <p:sldId id="542" r:id="rId51"/>
+    <p:sldId id="536" r:id="rId52"/>
+    <p:sldId id="537" r:id="rId53"/>
+    <p:sldId id="538" r:id="rId54"/>
+    <p:sldId id="539" r:id="rId55"/>
+    <p:sldId id="540" r:id="rId56"/>
+    <p:sldId id="582" r:id="rId57"/>
+    <p:sldId id="541" r:id="rId58"/>
+    <p:sldId id="560" r:id="rId59"/>
+    <p:sldId id="559" r:id="rId60"/>
   </p:sldIdLst>
   <p:sldSz cx="9144000" cy="6858000" type="screen4x3"/>
   <p:notesSz cx="9601200" cy="7315200"/>
@@ -617,10 +616,10 @@
           </a:ln>
           <a:extLst>
             <a:ext uri="{FAA26D3D-D897-4be2-8F04-BA451C77F1D7}">
-              <ma14:placeholderFlag xmlns:ma14="http://schemas.microsoft.com/office/mac/drawingml/2011/main" xmlns="" val="1"/>
+              <ma14:placeholderFlag xmlns="" xmlns:ma14="http://schemas.microsoft.com/office/mac/drawingml/2011/main" val="1"/>
             </a:ext>
             <a:ext uri="{909E8E84-426E-40dd-AFC4-6F175D3DCCD1}">
-              <a14:hiddenFill xmlns:a14="http://schemas.microsoft.com/office/drawing/2010/main" xmlns="">
+              <a14:hiddenFill xmlns="" xmlns:a14="http://schemas.microsoft.com/office/drawing/2010/main">
                 <a:solidFill>
                   <a:srgbClr val="FFFFFF"/>
                 </a:solidFill>
@@ -968,14 +967,14 @@
           <a:ln/>
           <a:extLst>
             <a:ext uri="{909E8E84-426E-40dd-AFC4-6F175D3DCCD1}">
-              <a14:hiddenFill xmlns:a14="http://schemas.microsoft.com/office/drawing/2010/main" xmlns="">
+              <a14:hiddenFill xmlns="" xmlns:a14="http://schemas.microsoft.com/office/drawing/2010/main">
                 <a:solidFill>
                   <a:srgbClr val="FFFFFF"/>
                 </a:solidFill>
               </a14:hiddenFill>
             </a:ext>
             <a:ext uri="{91240B29-F687-4f45-9708-019B960494DF}">
-              <a14:hiddenLine xmlns:a14="http://schemas.microsoft.com/office/drawing/2010/main" xmlns="" w="9525">
+              <a14:hiddenLine xmlns="" xmlns:a14="http://schemas.microsoft.com/office/drawing/2010/main" w="9525">
                 <a:solidFill>
                   <a:srgbClr val="000000"/>
                 </a:solidFill>
@@ -1140,17 +1139,17 @@
           <a:ln/>
           <a:extLst>
             <a:ext uri="{FAA26D3D-D897-4be2-8F04-BA451C77F1D7}">
-              <ma14:placeholderFlag xmlns:ma14="http://schemas.microsoft.com/office/mac/drawingml/2011/main" xmlns="" val="1"/>
+              <ma14:placeholderFlag xmlns="" xmlns:ma14="http://schemas.microsoft.com/office/mac/drawingml/2011/main" val="1"/>
             </a:ext>
             <a:ext uri="{909E8E84-426E-40dd-AFC4-6F175D3DCCD1}">
-              <a14:hiddenFill xmlns:a14="http://schemas.microsoft.com/office/drawing/2010/main" xmlns="">
+              <a14:hiddenFill xmlns="" xmlns:a14="http://schemas.microsoft.com/office/drawing/2010/main">
                 <a:solidFill>
                   <a:srgbClr val="FFFFFF"/>
                 </a:solidFill>
               </a14:hiddenFill>
             </a:ext>
             <a:ext uri="{91240B29-F687-4f45-9708-019B960494DF}">
-              <a14:hiddenLine xmlns:a14="http://schemas.microsoft.com/office/drawing/2010/main" xmlns="" w="9525">
+              <a14:hiddenLine xmlns="" xmlns:a14="http://schemas.microsoft.com/office/drawing/2010/main" w="9525">
                 <a:solidFill>
                   <a:srgbClr val="000000"/>
                 </a:solidFill>
@@ -1214,14 +1213,14 @@
           <a:ln/>
           <a:extLst>
             <a:ext uri="{909E8E84-426E-40dd-AFC4-6F175D3DCCD1}">
-              <a14:hiddenFill xmlns:a14="http://schemas.microsoft.com/office/drawing/2010/main" xmlns="">
+              <a14:hiddenFill xmlns="" xmlns:a14="http://schemas.microsoft.com/office/drawing/2010/main">
                 <a:solidFill>
                   <a:srgbClr val="FFFFFF"/>
                 </a:solidFill>
               </a14:hiddenFill>
             </a:ext>
             <a:ext uri="{91240B29-F687-4f45-9708-019B960494DF}">
-              <a14:hiddenLine xmlns:a14="http://schemas.microsoft.com/office/drawing/2010/main" xmlns="" w="9525">
+              <a14:hiddenLine xmlns="" xmlns:a14="http://schemas.microsoft.com/office/drawing/2010/main" w="9525">
                 <a:solidFill>
                   <a:srgbClr val="000000"/>
                 </a:solidFill>
@@ -1386,17 +1385,17 @@
           <a:ln/>
           <a:extLst>
             <a:ext uri="{FAA26D3D-D897-4be2-8F04-BA451C77F1D7}">
-              <ma14:placeholderFlag xmlns:ma14="http://schemas.microsoft.com/office/mac/drawingml/2011/main" xmlns="" val="1"/>
+              <ma14:placeholderFlag xmlns="" xmlns:ma14="http://schemas.microsoft.com/office/mac/drawingml/2011/main" val="1"/>
             </a:ext>
             <a:ext uri="{909E8E84-426E-40dd-AFC4-6F175D3DCCD1}">
-              <a14:hiddenFill xmlns:a14="http://schemas.microsoft.com/office/drawing/2010/main" xmlns="">
+              <a14:hiddenFill xmlns="" xmlns:a14="http://schemas.microsoft.com/office/drawing/2010/main">
                 <a:solidFill>
                   <a:srgbClr val="FFFFFF"/>
                 </a:solidFill>
               </a14:hiddenFill>
             </a:ext>
             <a:ext uri="{91240B29-F687-4f45-9708-019B960494DF}">
-              <a14:hiddenLine xmlns:a14="http://schemas.microsoft.com/office/drawing/2010/main" xmlns="" w="9525">
+              <a14:hiddenLine xmlns="" xmlns:a14="http://schemas.microsoft.com/office/drawing/2010/main" w="9525">
                 <a:solidFill>
                   <a:srgbClr val="000000"/>
                 </a:solidFill>
@@ -1460,14 +1459,14 @@
           <a:ln/>
           <a:extLst>
             <a:ext uri="{909E8E84-426E-40dd-AFC4-6F175D3DCCD1}">
-              <a14:hiddenFill xmlns:a14="http://schemas.microsoft.com/office/drawing/2010/main" xmlns="">
+              <a14:hiddenFill xmlns="" xmlns:a14="http://schemas.microsoft.com/office/drawing/2010/main">
                 <a:solidFill>
                   <a:srgbClr val="FFFFFF"/>
                 </a:solidFill>
               </a14:hiddenFill>
             </a:ext>
             <a:ext uri="{91240B29-F687-4f45-9708-019B960494DF}">
-              <a14:hiddenLine xmlns:a14="http://schemas.microsoft.com/office/drawing/2010/main" xmlns="" w="9525">
+              <a14:hiddenLine xmlns="" xmlns:a14="http://schemas.microsoft.com/office/drawing/2010/main" w="9525">
                 <a:solidFill>
                   <a:srgbClr val="000000"/>
                 </a:solidFill>
@@ -1632,17 +1631,17 @@
           <a:ln/>
           <a:extLst>
             <a:ext uri="{FAA26D3D-D897-4be2-8F04-BA451C77F1D7}">
-              <ma14:placeholderFlag xmlns:ma14="http://schemas.microsoft.com/office/mac/drawingml/2011/main" xmlns="" val="1"/>
+              <ma14:placeholderFlag xmlns="" xmlns:ma14="http://schemas.microsoft.com/office/mac/drawingml/2011/main" val="1"/>
             </a:ext>
             <a:ext uri="{909E8E84-426E-40dd-AFC4-6F175D3DCCD1}">
-              <a14:hiddenFill xmlns:a14="http://schemas.microsoft.com/office/drawing/2010/main" xmlns="">
+              <a14:hiddenFill xmlns="" xmlns:a14="http://schemas.microsoft.com/office/drawing/2010/main">
                 <a:solidFill>
                   <a:srgbClr val="FFFFFF"/>
                 </a:solidFill>
               </a14:hiddenFill>
             </a:ext>
             <a:ext uri="{91240B29-F687-4f45-9708-019B960494DF}">
-              <a14:hiddenLine xmlns:a14="http://schemas.microsoft.com/office/drawing/2010/main" xmlns="" w="9525">
+              <a14:hiddenLine xmlns="" xmlns:a14="http://schemas.microsoft.com/office/drawing/2010/main" w="9525">
                 <a:solidFill>
                   <a:srgbClr val="000000"/>
                 </a:solidFill>
@@ -1706,14 +1705,14 @@
           <a:ln/>
           <a:extLst>
             <a:ext uri="{909E8E84-426E-40dd-AFC4-6F175D3DCCD1}">
-              <a14:hiddenFill xmlns:a14="http://schemas.microsoft.com/office/drawing/2010/main" xmlns="">
+              <a14:hiddenFill xmlns="" xmlns:a14="http://schemas.microsoft.com/office/drawing/2010/main">
                 <a:solidFill>
                   <a:srgbClr val="FFFFFF"/>
                 </a:solidFill>
               </a14:hiddenFill>
             </a:ext>
             <a:ext uri="{91240B29-F687-4f45-9708-019B960494DF}">
-              <a14:hiddenLine xmlns:a14="http://schemas.microsoft.com/office/drawing/2010/main" xmlns="" w="9525">
+              <a14:hiddenLine xmlns="" xmlns:a14="http://schemas.microsoft.com/office/drawing/2010/main" w="9525">
                 <a:solidFill>
                   <a:srgbClr val="000000"/>
                 </a:solidFill>
@@ -1878,17 +1877,17 @@
           <a:ln/>
           <a:extLst>
             <a:ext uri="{FAA26D3D-D897-4be2-8F04-BA451C77F1D7}">
-              <ma14:placeholderFlag xmlns:ma14="http://schemas.microsoft.com/office/mac/drawingml/2011/main" xmlns="" val="1"/>
+              <ma14:placeholderFlag xmlns="" xmlns:ma14="http://schemas.microsoft.com/office/mac/drawingml/2011/main" val="1"/>
             </a:ext>
             <a:ext uri="{909E8E84-426E-40dd-AFC4-6F175D3DCCD1}">
-              <a14:hiddenFill xmlns:a14="http://schemas.microsoft.com/office/drawing/2010/main" xmlns="">
+              <a14:hiddenFill xmlns="" xmlns:a14="http://schemas.microsoft.com/office/drawing/2010/main">
                 <a:solidFill>
                   <a:srgbClr val="FFFFFF"/>
                 </a:solidFill>
               </a14:hiddenFill>
             </a:ext>
             <a:ext uri="{91240B29-F687-4f45-9708-019B960494DF}">
-              <a14:hiddenLine xmlns:a14="http://schemas.microsoft.com/office/drawing/2010/main" xmlns="" w="9525">
+              <a14:hiddenLine xmlns="" xmlns:a14="http://schemas.microsoft.com/office/drawing/2010/main" w="9525">
                 <a:solidFill>
                   <a:srgbClr val="000000"/>
                 </a:solidFill>
@@ -1952,14 +1951,14 @@
           <a:ln/>
           <a:extLst>
             <a:ext uri="{909E8E84-426E-40dd-AFC4-6F175D3DCCD1}">
-              <a14:hiddenFill xmlns:a14="http://schemas.microsoft.com/office/drawing/2010/main" xmlns="">
+              <a14:hiddenFill xmlns="" xmlns:a14="http://schemas.microsoft.com/office/drawing/2010/main">
                 <a:solidFill>
                   <a:srgbClr val="FFFFFF"/>
                 </a:solidFill>
               </a14:hiddenFill>
             </a:ext>
             <a:ext uri="{91240B29-F687-4f45-9708-019B960494DF}">
-              <a14:hiddenLine xmlns:a14="http://schemas.microsoft.com/office/drawing/2010/main" xmlns="" w="9525">
+              <a14:hiddenLine xmlns="" xmlns:a14="http://schemas.microsoft.com/office/drawing/2010/main" w="9525">
                 <a:solidFill>
                   <a:srgbClr val="000000"/>
                 </a:solidFill>
@@ -2124,17 +2123,17 @@
           <a:ln/>
           <a:extLst>
             <a:ext uri="{FAA26D3D-D897-4be2-8F04-BA451C77F1D7}">
-              <ma14:placeholderFlag xmlns:ma14="http://schemas.microsoft.com/office/mac/drawingml/2011/main" xmlns="" val="1"/>
+              <ma14:placeholderFlag xmlns="" xmlns:ma14="http://schemas.microsoft.com/office/mac/drawingml/2011/main" val="1"/>
             </a:ext>
             <a:ext uri="{909E8E84-426E-40dd-AFC4-6F175D3DCCD1}">
-              <a14:hiddenFill xmlns:a14="http://schemas.microsoft.com/office/drawing/2010/main" xmlns="">
+              <a14:hiddenFill xmlns="" xmlns:a14="http://schemas.microsoft.com/office/drawing/2010/main">
                 <a:solidFill>
                   <a:srgbClr val="FFFFFF"/>
                 </a:solidFill>
               </a14:hiddenFill>
             </a:ext>
             <a:ext uri="{91240B29-F687-4f45-9708-019B960494DF}">
-              <a14:hiddenLine xmlns:a14="http://schemas.microsoft.com/office/drawing/2010/main" xmlns="" w="9525">
+              <a14:hiddenLine xmlns="" xmlns:a14="http://schemas.microsoft.com/office/drawing/2010/main" w="9525">
                 <a:solidFill>
                   <a:srgbClr val="000000"/>
                 </a:solidFill>
@@ -2198,14 +2197,14 @@
           <a:ln/>
           <a:extLst>
             <a:ext uri="{909E8E84-426E-40dd-AFC4-6F175D3DCCD1}">
-              <a14:hiddenFill xmlns:a14="http://schemas.microsoft.com/office/drawing/2010/main" xmlns="">
+              <a14:hiddenFill xmlns="" xmlns:a14="http://schemas.microsoft.com/office/drawing/2010/main">
                 <a:solidFill>
                   <a:srgbClr val="FFFFFF"/>
                 </a:solidFill>
               </a14:hiddenFill>
             </a:ext>
             <a:ext uri="{91240B29-F687-4f45-9708-019B960494DF}">
-              <a14:hiddenLine xmlns:a14="http://schemas.microsoft.com/office/drawing/2010/main" xmlns="" w="9525">
+              <a14:hiddenLine xmlns="" xmlns:a14="http://schemas.microsoft.com/office/drawing/2010/main" w="9525">
                 <a:solidFill>
                   <a:srgbClr val="000000"/>
                 </a:solidFill>
@@ -2370,17 +2369,17 @@
           <a:ln/>
           <a:extLst>
             <a:ext uri="{FAA26D3D-D897-4be2-8F04-BA451C77F1D7}">
-              <ma14:placeholderFlag xmlns:ma14="http://schemas.microsoft.com/office/mac/drawingml/2011/main" xmlns="" val="1"/>
+              <ma14:placeholderFlag xmlns="" xmlns:ma14="http://schemas.microsoft.com/office/mac/drawingml/2011/main" val="1"/>
             </a:ext>
             <a:ext uri="{909E8E84-426E-40dd-AFC4-6F175D3DCCD1}">
-              <a14:hiddenFill xmlns:a14="http://schemas.microsoft.com/office/drawing/2010/main" xmlns="">
+              <a14:hiddenFill xmlns="" xmlns:a14="http://schemas.microsoft.com/office/drawing/2010/main">
                 <a:solidFill>
                   <a:srgbClr val="FFFFFF"/>
                 </a:solidFill>
               </a14:hiddenFill>
             </a:ext>
             <a:ext uri="{91240B29-F687-4f45-9708-019B960494DF}">
-              <a14:hiddenLine xmlns:a14="http://schemas.microsoft.com/office/drawing/2010/main" xmlns="" w="9525">
+              <a14:hiddenLine xmlns="" xmlns:a14="http://schemas.microsoft.com/office/drawing/2010/main" w="9525">
                 <a:solidFill>
                   <a:srgbClr val="000000"/>
                 </a:solidFill>
@@ -2444,14 +2443,14 @@
           <a:ln/>
           <a:extLst>
             <a:ext uri="{909E8E84-426E-40dd-AFC4-6F175D3DCCD1}">
-              <a14:hiddenFill xmlns:a14="http://schemas.microsoft.com/office/drawing/2010/main" xmlns="">
+              <a14:hiddenFill xmlns="" xmlns:a14="http://schemas.microsoft.com/office/drawing/2010/main">
                 <a:solidFill>
                   <a:srgbClr val="FFFFFF"/>
                 </a:solidFill>
               </a14:hiddenFill>
             </a:ext>
             <a:ext uri="{91240B29-F687-4f45-9708-019B960494DF}">
-              <a14:hiddenLine xmlns:a14="http://schemas.microsoft.com/office/drawing/2010/main" xmlns="" w="9525">
+              <a14:hiddenLine xmlns="" xmlns:a14="http://schemas.microsoft.com/office/drawing/2010/main" w="9525">
                 <a:solidFill>
                   <a:srgbClr val="000000"/>
                 </a:solidFill>
@@ -2616,17 +2615,17 @@
           <a:ln/>
           <a:extLst>
             <a:ext uri="{FAA26D3D-D897-4be2-8F04-BA451C77F1D7}">
-              <ma14:placeholderFlag xmlns:ma14="http://schemas.microsoft.com/office/mac/drawingml/2011/main" xmlns="" val="1"/>
+              <ma14:placeholderFlag xmlns="" xmlns:ma14="http://schemas.microsoft.com/office/mac/drawingml/2011/main" val="1"/>
             </a:ext>
             <a:ext uri="{909E8E84-426E-40dd-AFC4-6F175D3DCCD1}">
-              <a14:hiddenFill xmlns:a14="http://schemas.microsoft.com/office/drawing/2010/main" xmlns="">
+              <a14:hiddenFill xmlns="" xmlns:a14="http://schemas.microsoft.com/office/drawing/2010/main">
                 <a:solidFill>
                   <a:srgbClr val="FFFFFF"/>
                 </a:solidFill>
               </a14:hiddenFill>
             </a:ext>
             <a:ext uri="{91240B29-F687-4f45-9708-019B960494DF}">
-              <a14:hiddenLine xmlns:a14="http://schemas.microsoft.com/office/drawing/2010/main" xmlns="" w="9525">
+              <a14:hiddenLine xmlns="" xmlns:a14="http://schemas.microsoft.com/office/drawing/2010/main" w="9525">
                 <a:solidFill>
                   <a:srgbClr val="000000"/>
                 </a:solidFill>
@@ -2690,14 +2689,14 @@
           <a:ln/>
           <a:extLst>
             <a:ext uri="{909E8E84-426E-40dd-AFC4-6F175D3DCCD1}">
-              <a14:hiddenFill xmlns:a14="http://schemas.microsoft.com/office/drawing/2010/main" xmlns="">
+              <a14:hiddenFill xmlns="" xmlns:a14="http://schemas.microsoft.com/office/drawing/2010/main">
                 <a:solidFill>
                   <a:srgbClr val="FFFFFF"/>
                 </a:solidFill>
               </a14:hiddenFill>
             </a:ext>
             <a:ext uri="{91240B29-F687-4f45-9708-019B960494DF}">
-              <a14:hiddenLine xmlns:a14="http://schemas.microsoft.com/office/drawing/2010/main" xmlns="" w="9525">
+              <a14:hiddenLine xmlns="" xmlns:a14="http://schemas.microsoft.com/office/drawing/2010/main" w="9525">
                 <a:solidFill>
                   <a:srgbClr val="000000"/>
                 </a:solidFill>
@@ -2862,17 +2861,17 @@
           <a:ln/>
           <a:extLst>
             <a:ext uri="{FAA26D3D-D897-4be2-8F04-BA451C77F1D7}">
-              <ma14:placeholderFlag xmlns:ma14="http://schemas.microsoft.com/office/mac/drawingml/2011/main" xmlns="" val="1"/>
+              <ma14:placeholderFlag xmlns="" xmlns:ma14="http://schemas.microsoft.com/office/mac/drawingml/2011/main" val="1"/>
             </a:ext>
             <a:ext uri="{909E8E84-426E-40dd-AFC4-6F175D3DCCD1}">
-              <a14:hiddenFill xmlns:a14="http://schemas.microsoft.com/office/drawing/2010/main" xmlns="">
+              <a14:hiddenFill xmlns="" xmlns:a14="http://schemas.microsoft.com/office/drawing/2010/main">
                 <a:solidFill>
                   <a:srgbClr val="FFFFFF"/>
                 </a:solidFill>
               </a14:hiddenFill>
             </a:ext>
             <a:ext uri="{91240B29-F687-4f45-9708-019B960494DF}">
-              <a14:hiddenLine xmlns:a14="http://schemas.microsoft.com/office/drawing/2010/main" xmlns="" w="9525">
+              <a14:hiddenLine xmlns="" xmlns:a14="http://schemas.microsoft.com/office/drawing/2010/main" w="9525">
                 <a:solidFill>
                   <a:srgbClr val="000000"/>
                 </a:solidFill>
@@ -2950,17 +2949,17 @@
           <a:ln/>
           <a:extLst>
             <a:ext uri="{FAA26D3D-D897-4be2-8F04-BA451C77F1D7}">
-              <ma14:placeholderFlag xmlns:ma14="http://schemas.microsoft.com/office/mac/drawingml/2011/main" xmlns="" val="1"/>
+              <ma14:placeholderFlag xmlns="" xmlns:ma14="http://schemas.microsoft.com/office/mac/drawingml/2011/main" val="1"/>
             </a:ext>
             <a:ext uri="{909E8E84-426E-40dd-AFC4-6F175D3DCCD1}">
-              <a14:hiddenFill xmlns:a14="http://schemas.microsoft.com/office/drawing/2010/main" xmlns="">
+              <a14:hiddenFill xmlns="" xmlns:a14="http://schemas.microsoft.com/office/drawing/2010/main">
                 <a:solidFill>
                   <a:srgbClr val="FFFFFF"/>
                 </a:solidFill>
               </a14:hiddenFill>
             </a:ext>
             <a:ext uri="{91240B29-F687-4f45-9708-019B960494DF}">
-              <a14:hiddenLine xmlns:a14="http://schemas.microsoft.com/office/drawing/2010/main" xmlns="" w="9525">
+              <a14:hiddenLine xmlns="" xmlns:a14="http://schemas.microsoft.com/office/drawing/2010/main" w="9525">
                 <a:solidFill>
                   <a:srgbClr val="000000"/>
                 </a:solidFill>
@@ -2998,14 +2997,14 @@
           <a:ln/>
           <a:extLst>
             <a:ext uri="{909E8E84-426E-40dd-AFC4-6F175D3DCCD1}">
-              <a14:hiddenFill xmlns:a14="http://schemas.microsoft.com/office/drawing/2010/main" xmlns="">
+              <a14:hiddenFill xmlns="" xmlns:a14="http://schemas.microsoft.com/office/drawing/2010/main">
                 <a:solidFill>
                   <a:srgbClr val="FFFFFF"/>
                 </a:solidFill>
               </a14:hiddenFill>
             </a:ext>
             <a:ext uri="{91240B29-F687-4f45-9708-019B960494DF}">
-              <a14:hiddenLine xmlns:a14="http://schemas.microsoft.com/office/drawing/2010/main" xmlns="" w="9525">
+              <a14:hiddenLine xmlns="" xmlns:a14="http://schemas.microsoft.com/office/drawing/2010/main" w="9525">
                 <a:solidFill>
                   <a:srgbClr val="000000"/>
                 </a:solidFill>
@@ -3181,14 +3180,14 @@
           <a:ln/>
           <a:extLst>
             <a:ext uri="{909E8E84-426E-40dd-AFC4-6F175D3DCCD1}">
-              <a14:hiddenFill xmlns:a14="http://schemas.microsoft.com/office/drawing/2010/main" xmlns="">
+              <a14:hiddenFill xmlns="" xmlns:a14="http://schemas.microsoft.com/office/drawing/2010/main">
                 <a:solidFill>
                   <a:srgbClr val="FFFFFF"/>
                 </a:solidFill>
               </a14:hiddenFill>
             </a:ext>
             <a:ext uri="{91240B29-F687-4f45-9708-019B960494DF}">
-              <a14:hiddenLine xmlns:a14="http://schemas.microsoft.com/office/drawing/2010/main" xmlns="" w="9525">
+              <a14:hiddenLine xmlns="" xmlns:a14="http://schemas.microsoft.com/office/drawing/2010/main" w="9525">
                 <a:solidFill>
                   <a:srgbClr val="000000"/>
                 </a:solidFill>
@@ -3316,7 +3315,7 @@
                 <a:latin typeface="Calibri" charset="0"/>
               </a:rPr>
               <a:pPr eaLnBrk="1" hangingPunct="1"/>
-              <a:t>60</a:t>
+              <a:t>59</a:t>
             </a:fld>
             <a:endParaRPr lang="el-GR" sz="1300">
               <a:latin typeface="Calibri" charset="0"/>
@@ -3353,17 +3352,17 @@
           <a:ln/>
           <a:extLst>
             <a:ext uri="{FAA26D3D-D897-4be2-8F04-BA451C77F1D7}">
-              <ma14:placeholderFlag xmlns:ma14="http://schemas.microsoft.com/office/mac/drawingml/2011/main" xmlns="" val="1"/>
+              <ma14:placeholderFlag xmlns="" xmlns:ma14="http://schemas.microsoft.com/office/mac/drawingml/2011/main" val="1"/>
             </a:ext>
             <a:ext uri="{909E8E84-426E-40dd-AFC4-6F175D3DCCD1}">
-              <a14:hiddenFill xmlns:a14="http://schemas.microsoft.com/office/drawing/2010/main" xmlns="">
+              <a14:hiddenFill xmlns="" xmlns:a14="http://schemas.microsoft.com/office/drawing/2010/main">
                 <a:solidFill>
                   <a:srgbClr val="FFFFFF"/>
                 </a:solidFill>
               </a14:hiddenFill>
             </a:ext>
             <a:ext uri="{91240B29-F687-4f45-9708-019B960494DF}">
-              <a14:hiddenLine xmlns:a14="http://schemas.microsoft.com/office/drawing/2010/main" xmlns="" w="9525">
+              <a14:hiddenLine xmlns="" xmlns:a14="http://schemas.microsoft.com/office/drawing/2010/main" w="9525">
                 <a:solidFill>
                   <a:srgbClr val="000000"/>
                 </a:solidFill>
@@ -3427,14 +3426,14 @@
           <a:ln/>
           <a:extLst>
             <a:ext uri="{909E8E84-426E-40dd-AFC4-6F175D3DCCD1}">
-              <a14:hiddenFill xmlns:a14="http://schemas.microsoft.com/office/drawing/2010/main" xmlns="">
+              <a14:hiddenFill xmlns="" xmlns:a14="http://schemas.microsoft.com/office/drawing/2010/main">
                 <a:solidFill>
                   <a:srgbClr val="FFFFFF"/>
                 </a:solidFill>
               </a14:hiddenFill>
             </a:ext>
             <a:ext uri="{91240B29-F687-4f45-9708-019B960494DF}">
-              <a14:hiddenLine xmlns:a14="http://schemas.microsoft.com/office/drawing/2010/main" xmlns="" w="9525">
+              <a14:hiddenLine xmlns="" xmlns:a14="http://schemas.microsoft.com/office/drawing/2010/main" w="9525">
                 <a:solidFill>
                   <a:srgbClr val="000000"/>
                 </a:solidFill>
@@ -3599,17 +3598,17 @@
           <a:ln/>
           <a:extLst>
             <a:ext uri="{FAA26D3D-D897-4be2-8F04-BA451C77F1D7}">
-              <ma14:placeholderFlag xmlns:ma14="http://schemas.microsoft.com/office/mac/drawingml/2011/main" xmlns="" val="1"/>
+              <ma14:placeholderFlag xmlns="" xmlns:ma14="http://schemas.microsoft.com/office/mac/drawingml/2011/main" val="1"/>
             </a:ext>
             <a:ext uri="{909E8E84-426E-40dd-AFC4-6F175D3DCCD1}">
-              <a14:hiddenFill xmlns:a14="http://schemas.microsoft.com/office/drawing/2010/main" xmlns="">
+              <a14:hiddenFill xmlns="" xmlns:a14="http://schemas.microsoft.com/office/drawing/2010/main">
                 <a:solidFill>
                   <a:srgbClr val="FFFFFF"/>
                 </a:solidFill>
               </a14:hiddenFill>
             </a:ext>
             <a:ext uri="{91240B29-F687-4f45-9708-019B960494DF}">
-              <a14:hiddenLine xmlns:a14="http://schemas.microsoft.com/office/drawing/2010/main" xmlns="" w="9525">
+              <a14:hiddenLine xmlns="" xmlns:a14="http://schemas.microsoft.com/office/drawing/2010/main" w="9525">
                 <a:solidFill>
                   <a:srgbClr val="000000"/>
                 </a:solidFill>
@@ -3673,14 +3672,14 @@
           <a:ln/>
           <a:extLst>
             <a:ext uri="{909E8E84-426E-40dd-AFC4-6F175D3DCCD1}">
-              <a14:hiddenFill xmlns:a14="http://schemas.microsoft.com/office/drawing/2010/main" xmlns="">
+              <a14:hiddenFill xmlns="" xmlns:a14="http://schemas.microsoft.com/office/drawing/2010/main">
                 <a:solidFill>
                   <a:srgbClr val="FFFFFF"/>
                 </a:solidFill>
               </a14:hiddenFill>
             </a:ext>
             <a:ext uri="{91240B29-F687-4f45-9708-019B960494DF}">
-              <a14:hiddenLine xmlns:a14="http://schemas.microsoft.com/office/drawing/2010/main" xmlns="" w="9525">
+              <a14:hiddenLine xmlns="" xmlns:a14="http://schemas.microsoft.com/office/drawing/2010/main" w="9525">
                 <a:solidFill>
                   <a:srgbClr val="000000"/>
                 </a:solidFill>
@@ -3845,17 +3844,17 @@
           <a:ln/>
           <a:extLst>
             <a:ext uri="{FAA26D3D-D897-4be2-8F04-BA451C77F1D7}">
-              <ma14:placeholderFlag xmlns:ma14="http://schemas.microsoft.com/office/mac/drawingml/2011/main" xmlns="" val="1"/>
+              <ma14:placeholderFlag xmlns="" xmlns:ma14="http://schemas.microsoft.com/office/mac/drawingml/2011/main" val="1"/>
             </a:ext>
             <a:ext uri="{909E8E84-426E-40dd-AFC4-6F175D3DCCD1}">
-              <a14:hiddenFill xmlns:a14="http://schemas.microsoft.com/office/drawing/2010/main" xmlns="">
+              <a14:hiddenFill xmlns="" xmlns:a14="http://schemas.microsoft.com/office/drawing/2010/main">
                 <a:solidFill>
                   <a:srgbClr val="FFFFFF"/>
                 </a:solidFill>
               </a14:hiddenFill>
             </a:ext>
             <a:ext uri="{91240B29-F687-4f45-9708-019B960494DF}">
-              <a14:hiddenLine xmlns:a14="http://schemas.microsoft.com/office/drawing/2010/main" xmlns="" w="9525">
+              <a14:hiddenLine xmlns="" xmlns:a14="http://schemas.microsoft.com/office/drawing/2010/main" w="9525">
                 <a:solidFill>
                   <a:srgbClr val="000000"/>
                 </a:solidFill>
@@ -3919,14 +3918,14 @@
           <a:ln/>
           <a:extLst>
             <a:ext uri="{909E8E84-426E-40dd-AFC4-6F175D3DCCD1}">
-              <a14:hiddenFill xmlns:a14="http://schemas.microsoft.com/office/drawing/2010/main" xmlns="">
+              <a14:hiddenFill xmlns="" xmlns:a14="http://schemas.microsoft.com/office/drawing/2010/main">
                 <a:solidFill>
                   <a:srgbClr val="FFFFFF"/>
                 </a:solidFill>
               </a14:hiddenFill>
             </a:ext>
             <a:ext uri="{91240B29-F687-4f45-9708-019B960494DF}">
-              <a14:hiddenLine xmlns:a14="http://schemas.microsoft.com/office/drawing/2010/main" xmlns="" w="9525">
+              <a14:hiddenLine xmlns="" xmlns:a14="http://schemas.microsoft.com/office/drawing/2010/main" w="9525">
                 <a:solidFill>
                   <a:srgbClr val="000000"/>
                 </a:solidFill>
@@ -4091,17 +4090,17 @@
           <a:ln/>
           <a:extLst>
             <a:ext uri="{FAA26D3D-D897-4be2-8F04-BA451C77F1D7}">
-              <ma14:placeholderFlag xmlns:ma14="http://schemas.microsoft.com/office/mac/drawingml/2011/main" xmlns="" val="1"/>
+              <ma14:placeholderFlag xmlns="" xmlns:ma14="http://schemas.microsoft.com/office/mac/drawingml/2011/main" val="1"/>
             </a:ext>
             <a:ext uri="{909E8E84-426E-40dd-AFC4-6F175D3DCCD1}">
-              <a14:hiddenFill xmlns:a14="http://schemas.microsoft.com/office/drawing/2010/main" xmlns="">
+              <a14:hiddenFill xmlns="" xmlns:a14="http://schemas.microsoft.com/office/drawing/2010/main">
                 <a:solidFill>
                   <a:srgbClr val="FFFFFF"/>
                 </a:solidFill>
               </a14:hiddenFill>
             </a:ext>
             <a:ext uri="{91240B29-F687-4f45-9708-019B960494DF}">
-              <a14:hiddenLine xmlns:a14="http://schemas.microsoft.com/office/drawing/2010/main" xmlns="" w="9525">
+              <a14:hiddenLine xmlns="" xmlns:a14="http://schemas.microsoft.com/office/drawing/2010/main" w="9525">
                 <a:solidFill>
                   <a:srgbClr val="000000"/>
                 </a:solidFill>
@@ -4165,14 +4164,14 @@
           <a:ln/>
           <a:extLst>
             <a:ext uri="{909E8E84-426E-40dd-AFC4-6F175D3DCCD1}">
-              <a14:hiddenFill xmlns:a14="http://schemas.microsoft.com/office/drawing/2010/main" xmlns="">
+              <a14:hiddenFill xmlns="" xmlns:a14="http://schemas.microsoft.com/office/drawing/2010/main">
                 <a:solidFill>
                   <a:srgbClr val="FFFFFF"/>
                 </a:solidFill>
               </a14:hiddenFill>
             </a:ext>
             <a:ext uri="{91240B29-F687-4f45-9708-019B960494DF}">
-              <a14:hiddenLine xmlns:a14="http://schemas.microsoft.com/office/drawing/2010/main" xmlns="" w="9525">
+              <a14:hiddenLine xmlns="" xmlns:a14="http://schemas.microsoft.com/office/drawing/2010/main" w="9525">
                 <a:solidFill>
                   <a:srgbClr val="000000"/>
                 </a:solidFill>
@@ -4337,17 +4336,17 @@
           <a:ln/>
           <a:extLst>
             <a:ext uri="{FAA26D3D-D897-4be2-8F04-BA451C77F1D7}">
-              <ma14:placeholderFlag xmlns:ma14="http://schemas.microsoft.com/office/mac/drawingml/2011/main" xmlns="" val="1"/>
+              <ma14:placeholderFlag xmlns="" xmlns:ma14="http://schemas.microsoft.com/office/mac/drawingml/2011/main" val="1"/>
             </a:ext>
             <a:ext uri="{909E8E84-426E-40dd-AFC4-6F175D3DCCD1}">
-              <a14:hiddenFill xmlns:a14="http://schemas.microsoft.com/office/drawing/2010/main" xmlns="">
+              <a14:hiddenFill xmlns="" xmlns:a14="http://schemas.microsoft.com/office/drawing/2010/main">
                 <a:solidFill>
                   <a:srgbClr val="FFFFFF"/>
                 </a:solidFill>
               </a14:hiddenFill>
             </a:ext>
             <a:ext uri="{91240B29-F687-4f45-9708-019B960494DF}">
-              <a14:hiddenLine xmlns:a14="http://schemas.microsoft.com/office/drawing/2010/main" xmlns="" w="9525">
+              <a14:hiddenLine xmlns="" xmlns:a14="http://schemas.microsoft.com/office/drawing/2010/main" w="9525">
                 <a:solidFill>
                   <a:srgbClr val="000000"/>
                 </a:solidFill>
@@ -4411,14 +4410,14 @@
           <a:ln/>
           <a:extLst>
             <a:ext uri="{909E8E84-426E-40dd-AFC4-6F175D3DCCD1}">
-              <a14:hiddenFill xmlns:a14="http://schemas.microsoft.com/office/drawing/2010/main" xmlns="">
+              <a14:hiddenFill xmlns="" xmlns:a14="http://schemas.microsoft.com/office/drawing/2010/main">
                 <a:solidFill>
                   <a:srgbClr val="FFFFFF"/>
                 </a:solidFill>
               </a14:hiddenFill>
             </a:ext>
             <a:ext uri="{91240B29-F687-4f45-9708-019B960494DF}">
-              <a14:hiddenLine xmlns:a14="http://schemas.microsoft.com/office/drawing/2010/main" xmlns="" w="9525">
+              <a14:hiddenLine xmlns="" xmlns:a14="http://schemas.microsoft.com/office/drawing/2010/main" w="9525">
                 <a:solidFill>
                   <a:srgbClr val="000000"/>
                 </a:solidFill>
@@ -4583,17 +4582,17 @@
           <a:ln/>
           <a:extLst>
             <a:ext uri="{FAA26D3D-D897-4be2-8F04-BA451C77F1D7}">
-              <ma14:placeholderFlag xmlns:ma14="http://schemas.microsoft.com/office/mac/drawingml/2011/main" xmlns="" val="1"/>
+              <ma14:placeholderFlag xmlns="" xmlns:ma14="http://schemas.microsoft.com/office/mac/drawingml/2011/main" val="1"/>
             </a:ext>
             <a:ext uri="{909E8E84-426E-40dd-AFC4-6F175D3DCCD1}">
-              <a14:hiddenFill xmlns:a14="http://schemas.microsoft.com/office/drawing/2010/main" xmlns="">
+              <a14:hiddenFill xmlns="" xmlns:a14="http://schemas.microsoft.com/office/drawing/2010/main">
                 <a:solidFill>
                   <a:srgbClr val="FFFFFF"/>
                 </a:solidFill>
               </a14:hiddenFill>
             </a:ext>
             <a:ext uri="{91240B29-F687-4f45-9708-019B960494DF}">
-              <a14:hiddenLine xmlns:a14="http://schemas.microsoft.com/office/drawing/2010/main" xmlns="" w="9525">
+              <a14:hiddenLine xmlns="" xmlns:a14="http://schemas.microsoft.com/office/drawing/2010/main" w="9525">
                 <a:solidFill>
                   <a:srgbClr val="000000"/>
                 </a:solidFill>
@@ -4657,14 +4656,14 @@
           <a:ln/>
           <a:extLst>
             <a:ext uri="{909E8E84-426E-40dd-AFC4-6F175D3DCCD1}">
-              <a14:hiddenFill xmlns:a14="http://schemas.microsoft.com/office/drawing/2010/main" xmlns="">
+              <a14:hiddenFill xmlns="" xmlns:a14="http://schemas.microsoft.com/office/drawing/2010/main">
                 <a:solidFill>
                   <a:srgbClr val="FFFFFF"/>
                 </a:solidFill>
               </a14:hiddenFill>
             </a:ext>
             <a:ext uri="{91240B29-F687-4f45-9708-019B960494DF}">
-              <a14:hiddenLine xmlns:a14="http://schemas.microsoft.com/office/drawing/2010/main" xmlns="" w="9525">
+              <a14:hiddenLine xmlns="" xmlns:a14="http://schemas.microsoft.com/office/drawing/2010/main" w="9525">
                 <a:solidFill>
                   <a:srgbClr val="000000"/>
                 </a:solidFill>
@@ -4829,17 +4828,17 @@
           <a:ln/>
           <a:extLst>
             <a:ext uri="{FAA26D3D-D897-4be2-8F04-BA451C77F1D7}">
-              <ma14:placeholderFlag xmlns:ma14="http://schemas.microsoft.com/office/mac/drawingml/2011/main" xmlns="" val="1"/>
+              <ma14:placeholderFlag xmlns="" xmlns:ma14="http://schemas.microsoft.com/office/mac/drawingml/2011/main" val="1"/>
             </a:ext>
             <a:ext uri="{909E8E84-426E-40dd-AFC4-6F175D3DCCD1}">
-              <a14:hiddenFill xmlns:a14="http://schemas.microsoft.com/office/drawing/2010/main" xmlns="">
+              <a14:hiddenFill xmlns="" xmlns:a14="http://schemas.microsoft.com/office/drawing/2010/main">
                 <a:solidFill>
                   <a:srgbClr val="FFFFFF"/>
                 </a:solidFill>
               </a14:hiddenFill>
             </a:ext>
             <a:ext uri="{91240B29-F687-4f45-9708-019B960494DF}">
-              <a14:hiddenLine xmlns:a14="http://schemas.microsoft.com/office/drawing/2010/main" xmlns="" w="9525">
+              <a14:hiddenLine xmlns="" xmlns:a14="http://schemas.microsoft.com/office/drawing/2010/main" w="9525">
                 <a:solidFill>
                   <a:srgbClr val="000000"/>
                 </a:solidFill>
@@ -4903,14 +4902,14 @@
           <a:ln/>
           <a:extLst>
             <a:ext uri="{909E8E84-426E-40dd-AFC4-6F175D3DCCD1}">
-              <a14:hiddenFill xmlns:a14="http://schemas.microsoft.com/office/drawing/2010/main" xmlns="">
+              <a14:hiddenFill xmlns="" xmlns:a14="http://schemas.microsoft.com/office/drawing/2010/main">
                 <a:solidFill>
                   <a:srgbClr val="FFFFFF"/>
                 </a:solidFill>
               </a14:hiddenFill>
             </a:ext>
             <a:ext uri="{91240B29-F687-4f45-9708-019B960494DF}">
-              <a14:hiddenLine xmlns:a14="http://schemas.microsoft.com/office/drawing/2010/main" xmlns="" w="9525">
+              <a14:hiddenLine xmlns="" xmlns:a14="http://schemas.microsoft.com/office/drawing/2010/main" w="9525">
                 <a:solidFill>
                   <a:srgbClr val="000000"/>
                 </a:solidFill>
@@ -5075,17 +5074,17 @@
           <a:ln/>
           <a:extLst>
             <a:ext uri="{FAA26D3D-D897-4be2-8F04-BA451C77F1D7}">
-              <ma14:placeholderFlag xmlns:ma14="http://schemas.microsoft.com/office/mac/drawingml/2011/main" xmlns="" val="1"/>
+              <ma14:placeholderFlag xmlns="" xmlns:ma14="http://schemas.microsoft.com/office/mac/drawingml/2011/main" val="1"/>
             </a:ext>
             <a:ext uri="{909E8E84-426E-40dd-AFC4-6F175D3DCCD1}">
-              <a14:hiddenFill xmlns:a14="http://schemas.microsoft.com/office/drawing/2010/main" xmlns="">
+              <a14:hiddenFill xmlns="" xmlns:a14="http://schemas.microsoft.com/office/drawing/2010/main">
                 <a:solidFill>
                   <a:srgbClr val="FFFFFF"/>
                 </a:solidFill>
               </a14:hiddenFill>
             </a:ext>
             <a:ext uri="{91240B29-F687-4f45-9708-019B960494DF}">
-              <a14:hiddenLine xmlns:a14="http://schemas.microsoft.com/office/drawing/2010/main" xmlns="" w="9525">
+              <a14:hiddenLine xmlns="" xmlns:a14="http://schemas.microsoft.com/office/drawing/2010/main" w="9525">
                 <a:solidFill>
                   <a:srgbClr val="000000"/>
                 </a:solidFill>
@@ -5149,14 +5148,14 @@
           <a:ln/>
           <a:extLst>
             <a:ext uri="{909E8E84-426E-40dd-AFC4-6F175D3DCCD1}">
-              <a14:hiddenFill xmlns:a14="http://schemas.microsoft.com/office/drawing/2010/main" xmlns="">
+              <a14:hiddenFill xmlns="" xmlns:a14="http://schemas.microsoft.com/office/drawing/2010/main">
                 <a:solidFill>
                   <a:srgbClr val="FFFFFF"/>
                 </a:solidFill>
               </a14:hiddenFill>
             </a:ext>
             <a:ext uri="{91240B29-F687-4f45-9708-019B960494DF}">
-              <a14:hiddenLine xmlns:a14="http://schemas.microsoft.com/office/drawing/2010/main" xmlns="" w="9525">
+              <a14:hiddenLine xmlns="" xmlns:a14="http://schemas.microsoft.com/office/drawing/2010/main" w="9525">
                 <a:solidFill>
                   <a:srgbClr val="000000"/>
                 </a:solidFill>
@@ -5321,17 +5320,17 @@
           <a:ln/>
           <a:extLst>
             <a:ext uri="{FAA26D3D-D897-4be2-8F04-BA451C77F1D7}">
-              <ma14:placeholderFlag xmlns:ma14="http://schemas.microsoft.com/office/mac/drawingml/2011/main" xmlns="" val="1"/>
+              <ma14:placeholderFlag xmlns="" xmlns:ma14="http://schemas.microsoft.com/office/mac/drawingml/2011/main" val="1"/>
             </a:ext>
             <a:ext uri="{909E8E84-426E-40dd-AFC4-6F175D3DCCD1}">
-              <a14:hiddenFill xmlns:a14="http://schemas.microsoft.com/office/drawing/2010/main" xmlns="">
+              <a14:hiddenFill xmlns="" xmlns:a14="http://schemas.microsoft.com/office/drawing/2010/main">
                 <a:solidFill>
                   <a:srgbClr val="FFFFFF"/>
                 </a:solidFill>
               </a14:hiddenFill>
             </a:ext>
             <a:ext uri="{91240B29-F687-4f45-9708-019B960494DF}">
-              <a14:hiddenLine xmlns:a14="http://schemas.microsoft.com/office/drawing/2010/main" xmlns="" w="9525">
+              <a14:hiddenLine xmlns="" xmlns:a14="http://schemas.microsoft.com/office/drawing/2010/main" w="9525">
                 <a:solidFill>
                   <a:srgbClr val="000000"/>
                 </a:solidFill>
@@ -7020,10 +7019,10 @@
           </a:ln>
           <a:extLst>
             <a:ext uri="{FAA26D3D-D897-4be2-8F04-BA451C77F1D7}">
-              <ma14:placeholderFlag xmlns:ma14="http://schemas.microsoft.com/office/mac/drawingml/2011/main" xmlns="" val="1"/>
+              <ma14:placeholderFlag xmlns="" xmlns:ma14="http://schemas.microsoft.com/office/mac/drawingml/2011/main" val="1"/>
             </a:ext>
             <a:ext uri="{91240B29-F687-4f45-9708-019B960494DF}">
-              <a14:hiddenLine xmlns:a14="http://schemas.microsoft.com/office/drawing/2010/main" xmlns="" w="9525">
+              <a14:hiddenLine xmlns="" xmlns:a14="http://schemas.microsoft.com/office/drawing/2010/main" w="9525">
                 <a:solidFill>
                   <a:srgbClr val="000000"/>
                 </a:solidFill>
@@ -7074,17 +7073,17 @@
           </a:ln>
           <a:extLst>
             <a:ext uri="{FAA26D3D-D897-4be2-8F04-BA451C77F1D7}">
-              <ma14:placeholderFlag xmlns:ma14="http://schemas.microsoft.com/office/mac/drawingml/2011/main" xmlns="" val="1"/>
+              <ma14:placeholderFlag xmlns="" xmlns:ma14="http://schemas.microsoft.com/office/mac/drawingml/2011/main" val="1"/>
             </a:ext>
             <a:ext uri="{909E8E84-426E-40dd-AFC4-6F175D3DCCD1}">
-              <a14:hiddenFill xmlns:a14="http://schemas.microsoft.com/office/drawing/2010/main" xmlns="">
+              <a14:hiddenFill xmlns="" xmlns:a14="http://schemas.microsoft.com/office/drawing/2010/main">
                 <a:solidFill>
                   <a:srgbClr val="FFFFFF"/>
                 </a:solidFill>
               </a14:hiddenFill>
             </a:ext>
             <a:ext uri="{91240B29-F687-4f45-9708-019B960494DF}">
-              <a14:hiddenLine xmlns:a14="http://schemas.microsoft.com/office/drawing/2010/main" xmlns="" w="9525">
+              <a14:hiddenLine xmlns="" xmlns:a14="http://schemas.microsoft.com/office/drawing/2010/main" w="9525">
                 <a:solidFill>
                   <a:srgbClr val="000000"/>
                 </a:solidFill>
@@ -7645,7 +7644,7 @@
           <a:noFill/>
           <a:extLst>
             <a:ext uri="{909E8E84-426E-40dd-AFC4-6F175D3DCCD1}">
-              <a14:hiddenFill xmlns:a14="http://schemas.microsoft.com/office/drawing/2010/main" xmlns="">
+              <a14:hiddenFill xmlns="" xmlns:a14="http://schemas.microsoft.com/office/drawing/2010/main">
                 <a:solidFill>
                   <a:srgbClr val="E1F4FF"/>
                 </a:solidFill>
@@ -7738,14 +7737,14 @@
           </a:ln>
           <a:extLst>
             <a:ext uri="{909E8E84-426E-40dd-AFC4-6F175D3DCCD1}">
-              <a14:hiddenFill xmlns:a14="http://schemas.microsoft.com/office/drawing/2010/main" xmlns="">
+              <a14:hiddenFill xmlns="" xmlns:a14="http://schemas.microsoft.com/office/drawing/2010/main">
                 <a:solidFill>
                   <a:srgbClr val="FFFFFF"/>
                 </a:solidFill>
               </a14:hiddenFill>
             </a:ext>
             <a:ext uri="{91240B29-F687-4f45-9708-019B960494DF}">
-              <a14:hiddenLine xmlns:a14="http://schemas.microsoft.com/office/drawing/2010/main" xmlns="" w="9525">
+              <a14:hiddenLine xmlns="" xmlns:a14="http://schemas.microsoft.com/office/drawing/2010/main" w="9525">
                 <a:solidFill>
                   <a:srgbClr val="000000"/>
                 </a:solidFill>
@@ -7803,14 +7802,14 @@
           <a:noFill/>
           <a:extLst>
             <a:ext uri="{909E8E84-426E-40dd-AFC4-6F175D3DCCD1}">
-              <a14:hiddenFill xmlns:a14="http://schemas.microsoft.com/office/drawing/2010/main" xmlns="">
+              <a14:hiddenFill xmlns="" xmlns:a14="http://schemas.microsoft.com/office/drawing/2010/main">
                 <a:solidFill>
                   <a:srgbClr val="FFFFFF"/>
                 </a:solidFill>
               </a14:hiddenFill>
             </a:ext>
             <a:ext uri="{91240B29-F687-4f45-9708-019B960494DF}">
-              <a14:hiddenLine xmlns:a14="http://schemas.microsoft.com/office/drawing/2010/main" xmlns="" w="9525">
+              <a14:hiddenLine xmlns="" xmlns:a14="http://schemas.microsoft.com/office/drawing/2010/main" w="9525">
                 <a:solidFill>
                   <a:srgbClr val="000000"/>
                 </a:solidFill>
@@ -8755,7 +8754,12 @@
             <p:ph type="body" idx="1"/>
           </p:nvPr>
         </p:nvSpPr>
-        <p:spPr/>
+        <p:spPr>
+          <a:xfrm>
+            <a:off x="395288" y="1124744"/>
+            <a:ext cx="8353425" cy="4967288"/>
+          </a:xfrm>
+        </p:spPr>
         <p:txBody>
           <a:bodyPr/>
           <a:lstStyle/>
@@ -8851,8 +8855,28 @@
                 <a:ea typeface="ＭＳ Ｐゴシック" charset="0"/>
                 <a:cs typeface="ＭＳ Ｐゴシック" charset="0"/>
               </a:rPr>
-              <a:t>:john :mother _32 .  :_32 :age “50” .</a:t>
-            </a:r>
+              <a:t>:john :mother _:32 .  _:32 :age “50” .</a:t>
+            </a:r>
+          </a:p>
+          <a:p>
+            <a:pPr marL="381000" indent="-381000" eaLnBrk="1" hangingPunct="1"/>
+            <a:r>
+              <a:rPr lang="en-US" sz="3200" b="1" dirty="0">
+                <a:latin typeface="Calibri" charset="0"/>
+                <a:ea typeface="ＭＳ Ｐゴシック" charset="0"/>
+                <a:cs typeface="ＭＳ Ｐゴシック" charset="0"/>
+              </a:rPr>
+              <a:t>FOL:  </a:t>
+            </a:r>
+            <a:r>
+              <a:rPr lang="en-US" dirty="0"/>
+              <a:t>∃x mother(x, John) ∧ age(x, 32)</a:t>
+            </a:r>
+            <a:endParaRPr lang="en-US" sz="3200" b="1" dirty="0">
+              <a:latin typeface="Calibri" charset="0"/>
+              <a:ea typeface="ＭＳ Ｐゴシック" charset="0"/>
+              <a:cs typeface="ＭＳ Ｐゴシック" charset="0"/>
+            </a:endParaRPr>
           </a:p>
           <a:p>
             <a:pPr marL="381000" indent="-381000" eaLnBrk="1" hangingPunct="1"/>
@@ -9127,14 +9151,14 @@
           </a:ln>
           <a:extLst>
             <a:ext uri="{909E8E84-426E-40dd-AFC4-6F175D3DCCD1}">
-              <a14:hiddenFill xmlns:a14="http://schemas.microsoft.com/office/drawing/2010/main" xmlns="">
+              <a14:hiddenFill xmlns="" xmlns:a14="http://schemas.microsoft.com/office/drawing/2010/main">
                 <a:solidFill>
                   <a:srgbClr val="FFFFFF"/>
                 </a:solidFill>
               </a14:hiddenFill>
             </a:ext>
             <a:ext uri="{91240B29-F687-4f45-9708-019B960494DF}">
-              <a14:hiddenLine xmlns:a14="http://schemas.microsoft.com/office/drawing/2010/main" xmlns="" w="9525">
+              <a14:hiddenLine xmlns="" xmlns:a14="http://schemas.microsoft.com/office/drawing/2010/main" w="9525">
                 <a:solidFill>
                   <a:srgbClr val="000000"/>
                 </a:solidFill>
@@ -9290,14 +9314,14 @@
           </a:ln>
           <a:extLst>
             <a:ext uri="{909E8E84-426E-40dd-AFC4-6F175D3DCCD1}">
-              <a14:hiddenFill xmlns:a14="http://schemas.microsoft.com/office/drawing/2010/main" xmlns="">
+              <a14:hiddenFill xmlns="" xmlns:a14="http://schemas.microsoft.com/office/drawing/2010/main">
                 <a:solidFill>
                   <a:srgbClr val="FFFFFF"/>
                 </a:solidFill>
               </a14:hiddenFill>
             </a:ext>
             <a:ext uri="{91240B29-F687-4f45-9708-019B960494DF}">
-              <a14:hiddenLine xmlns:a14="http://schemas.microsoft.com/office/drawing/2010/main" xmlns="" w="9525">
+              <a14:hiddenLine xmlns="" xmlns:a14="http://schemas.microsoft.com/office/drawing/2010/main" w="9525">
                 <a:solidFill>
                   <a:srgbClr val="000000"/>
                 </a:solidFill>
@@ -11984,14 +12008,14 @@
           </a:ln>
           <a:extLst>
             <a:ext uri="{909E8E84-426E-40dd-AFC4-6F175D3DCCD1}">
-              <a14:hiddenFill xmlns:a14="http://schemas.microsoft.com/office/drawing/2010/main" xmlns="">
+              <a14:hiddenFill xmlns="" xmlns:a14="http://schemas.microsoft.com/office/drawing/2010/main">
                 <a:solidFill>
                   <a:srgbClr val="FFFFFF"/>
                 </a:solidFill>
               </a14:hiddenFill>
             </a:ext>
             <a:ext uri="{91240B29-F687-4f45-9708-019B960494DF}">
-              <a14:hiddenLine xmlns:a14="http://schemas.microsoft.com/office/drawing/2010/main" xmlns="" w="9525">
+              <a14:hiddenLine xmlns="" xmlns:a14="http://schemas.microsoft.com/office/drawing/2010/main" w="9525">
                 <a:solidFill>
                   <a:srgbClr val="000000"/>
                 </a:solidFill>
@@ -12499,14 +12523,14 @@
           </a:ln>
           <a:extLst>
             <a:ext uri="{909E8E84-426E-40dd-AFC4-6F175D3DCCD1}">
-              <a14:hiddenFill xmlns:a14="http://schemas.microsoft.com/office/drawing/2010/main" xmlns="">
+              <a14:hiddenFill xmlns="" xmlns:a14="http://schemas.microsoft.com/office/drawing/2010/main">
                 <a:solidFill>
                   <a:srgbClr val="FFFFFF"/>
                 </a:solidFill>
               </a14:hiddenFill>
             </a:ext>
             <a:ext uri="{91240B29-F687-4f45-9708-019B960494DF}">
-              <a14:hiddenLine xmlns:a14="http://schemas.microsoft.com/office/drawing/2010/main" xmlns="" w="9525">
+              <a14:hiddenLine xmlns="" xmlns:a14="http://schemas.microsoft.com/office/drawing/2010/main" w="9525">
                 <a:solidFill>
                   <a:srgbClr val="000000"/>
                 </a:solidFill>
@@ -13134,14 +13158,14 @@
           </a:ln>
           <a:extLst>
             <a:ext uri="{909E8E84-426E-40dd-AFC4-6F175D3DCCD1}">
-              <a14:hiddenFill xmlns:a14="http://schemas.microsoft.com/office/drawing/2010/main" xmlns="">
+              <a14:hiddenFill xmlns="" xmlns:a14="http://schemas.microsoft.com/office/drawing/2010/main">
                 <a:solidFill>
                   <a:srgbClr val="FFFFFF"/>
                 </a:solidFill>
               </a14:hiddenFill>
             </a:ext>
             <a:ext uri="{91240B29-F687-4f45-9708-019B960494DF}">
-              <a14:hiddenLine xmlns:a14="http://schemas.microsoft.com/office/drawing/2010/main" xmlns="" w="9525">
+              <a14:hiddenLine xmlns="" xmlns:a14="http://schemas.microsoft.com/office/drawing/2010/main" w="9525">
                 <a:solidFill>
                   <a:srgbClr val="000000"/>
                 </a:solidFill>
@@ -13674,14 +13698,14 @@
           </a:ln>
           <a:extLst>
             <a:ext uri="{909E8E84-426E-40dd-AFC4-6F175D3DCCD1}">
-              <a14:hiddenFill xmlns:a14="http://schemas.microsoft.com/office/drawing/2010/main" xmlns="">
+              <a14:hiddenFill xmlns="" xmlns:a14="http://schemas.microsoft.com/office/drawing/2010/main">
                 <a:solidFill>
                   <a:srgbClr val="FFFFFF"/>
                 </a:solidFill>
               </a14:hiddenFill>
             </a:ext>
             <a:ext uri="{91240B29-F687-4f45-9708-019B960494DF}">
-              <a14:hiddenLine xmlns:a14="http://schemas.microsoft.com/office/drawing/2010/main" xmlns="" w="9525">
+              <a14:hiddenLine xmlns="" xmlns:a14="http://schemas.microsoft.com/office/drawing/2010/main" w="9525">
                 <a:solidFill>
                   <a:srgbClr val="000000"/>
                 </a:solidFill>
@@ -14910,14 +14934,14 @@
           </a:ln>
           <a:extLst>
             <a:ext uri="{909E8E84-426E-40dd-AFC4-6F175D3DCCD1}">
-              <a14:hiddenFill xmlns:a14="http://schemas.microsoft.com/office/drawing/2010/main" xmlns="">
+              <a14:hiddenFill xmlns="" xmlns:a14="http://schemas.microsoft.com/office/drawing/2010/main">
                 <a:solidFill>
                   <a:srgbClr val="FFFFFF"/>
                 </a:solidFill>
               </a14:hiddenFill>
             </a:ext>
             <a:ext uri="{91240B29-F687-4f45-9708-019B960494DF}">
-              <a14:hiddenLine xmlns:a14="http://schemas.microsoft.com/office/drawing/2010/main" xmlns="" w="9525">
+              <a14:hiddenLine xmlns="" xmlns:a14="http://schemas.microsoft.com/office/drawing/2010/main" w="9525">
                 <a:solidFill>
                   <a:srgbClr val="000000"/>
                 </a:solidFill>
@@ -15108,14 +15132,14 @@
           </a:ln>
           <a:extLst>
             <a:ext uri="{909E8E84-426E-40dd-AFC4-6F175D3DCCD1}">
-              <a14:hiddenFill xmlns:a14="http://schemas.microsoft.com/office/drawing/2010/main" xmlns="">
+              <a14:hiddenFill xmlns="" xmlns:a14="http://schemas.microsoft.com/office/drawing/2010/main">
                 <a:solidFill>
                   <a:srgbClr val="FFFFFF"/>
                 </a:solidFill>
               </a14:hiddenFill>
             </a:ext>
             <a:ext uri="{91240B29-F687-4f45-9708-019B960494DF}">
-              <a14:hiddenLine xmlns:a14="http://schemas.microsoft.com/office/drawing/2010/main" xmlns="" w="9525">
+              <a14:hiddenLine xmlns="" xmlns:a14="http://schemas.microsoft.com/office/drawing/2010/main" w="9525">
                 <a:solidFill>
                   <a:srgbClr val="000000"/>
                 </a:solidFill>
@@ -16645,209 +16669,6 @@
 </file>
 
 <file path=ppt/slides/slide37.xml><?xml version="1.0" encoding="utf-8"?>
-<p:sld xmlns:a="http://schemas.openxmlformats.org/drawingml/2006/main" xmlns:r="http://schemas.openxmlformats.org/officeDocument/2006/relationships" xmlns:p="http://schemas.openxmlformats.org/presentationml/2006/main">
-  <p:cSld>
-    <p:spTree>
-      <p:nvGrpSpPr>
-        <p:cNvPr id="1" name=""/>
-        <p:cNvGrpSpPr/>
-        <p:nvPr/>
-      </p:nvGrpSpPr>
-      <p:grpSpPr>
-        <a:xfrm>
-          <a:off x="0" y="0"/>
-          <a:ext cx="0" cy="0"/>
-          <a:chOff x="0" y="0"/>
-          <a:chExt cx="0" cy="0"/>
-        </a:xfrm>
-      </p:grpSpPr>
-      <p:sp>
-        <p:nvSpPr>
-          <p:cNvPr id="53249" name="AutoShape 2"/>
-          <p:cNvSpPr>
-            <a:spLocks noGrp="1" noChangeArrowheads="1"/>
-          </p:cNvSpPr>
-          <p:nvPr>
-            <p:ph type="title"/>
-          </p:nvPr>
-        </p:nvSpPr>
-        <p:spPr/>
-        <p:txBody>
-          <a:bodyPr/>
-          <a:lstStyle/>
-          <a:p>
-            <a:r>
-              <a:rPr lang="en-US">
-                <a:latin typeface="Calibri" charset="0"/>
-                <a:ea typeface="ＭＳ Ｐゴシック" charset="0"/>
-                <a:cs typeface="ＭＳ Ｐゴシック" charset="0"/>
-              </a:rPr>
-              <a:t>Reification</a:t>
-            </a:r>
-            <a:endParaRPr lang="el-GR">
-              <a:latin typeface="Calibri" charset="0"/>
-              <a:ea typeface="ＭＳ Ｐゴシック" charset="0"/>
-              <a:cs typeface="ＭＳ Ｐゴシック" charset="0"/>
-            </a:endParaRPr>
-          </a:p>
-        </p:txBody>
-      </p:sp>
-      <p:sp>
-        <p:nvSpPr>
-          <p:cNvPr id="53250" name="Rectangle 3"/>
-          <p:cNvSpPr>
-            <a:spLocks noGrp="1" noChangeArrowheads="1"/>
-          </p:cNvSpPr>
-          <p:nvPr>
-            <p:ph type="body" idx="1"/>
-          </p:nvPr>
-        </p:nvSpPr>
-        <p:spPr>
-          <a:xfrm>
-            <a:off x="457200" y="1524000"/>
-            <a:ext cx="8218488" cy="3724275"/>
-          </a:xfrm>
-        </p:spPr>
-        <p:txBody>
-          <a:bodyPr/>
-          <a:lstStyle/>
-          <a:p>
-            <a:pPr marL="533400" indent="-533400"/>
-            <a:r>
-              <a:rPr lang="en-US" sz="3200" b="1">
-                <a:latin typeface="Calibri" charset="0"/>
-                <a:ea typeface="ＭＳ Ｐゴシック" charset="0"/>
-                <a:cs typeface="ＭＳ Ｐゴシック" charset="0"/>
-              </a:rPr>
-              <a:t>rdf:subject, rdf:predicate </a:t>
-            </a:r>
-            <a:r>
-              <a:rPr lang="en-US" sz="3200">
-                <a:latin typeface="Calibri" charset="0"/>
-                <a:ea typeface="ＭＳ Ｐゴシック" charset="0"/>
-                <a:cs typeface="ＭＳ Ｐゴシック" charset="0"/>
-              </a:rPr>
-              <a:t>&amp; </a:t>
-            </a:r>
-            <a:r>
-              <a:rPr lang="en-US" sz="3200" b="1">
-                <a:latin typeface="Calibri" charset="0"/>
-                <a:ea typeface="ＭＳ Ｐゴシック" charset="0"/>
-                <a:cs typeface="ＭＳ Ｐゴシック" charset="0"/>
-              </a:rPr>
-              <a:t>rdf:object </a:t>
-            </a:r>
-            <a:r>
-              <a:rPr lang="en-US" sz="3200">
-                <a:latin typeface="Calibri" charset="0"/>
-                <a:ea typeface="ＭＳ Ｐゴシック" charset="0"/>
-                <a:cs typeface="ＭＳ Ｐゴシック" charset="0"/>
-              </a:rPr>
-              <a:t>allow us to access the parts of a statement</a:t>
-            </a:r>
-          </a:p>
-          <a:p>
-            <a:pPr marL="533400" indent="-533400"/>
-            <a:r>
-              <a:rPr lang="en-US" sz="3200">
-                <a:latin typeface="Calibri" charset="0"/>
-                <a:ea typeface="ＭＳ Ｐゴシック" charset="0"/>
-                <a:cs typeface="ＭＳ Ｐゴシック" charset="0"/>
-              </a:rPr>
-              <a:t>The</a:t>
-            </a:r>
-            <a:r>
-              <a:rPr lang="en-US" sz="3200" b="1">
-                <a:latin typeface="Calibri" charset="0"/>
-                <a:ea typeface="ＭＳ Ｐゴシック" charset="0"/>
-                <a:cs typeface="ＭＳ Ｐゴシック" charset="0"/>
-              </a:rPr>
-              <a:t> ID </a:t>
-            </a:r>
-            <a:r>
-              <a:rPr lang="en-US" sz="3200">
-                <a:latin typeface="Calibri" charset="0"/>
-                <a:ea typeface="ＭＳ Ｐゴシック" charset="0"/>
-                <a:cs typeface="ＭＳ Ｐゴシック" charset="0"/>
-              </a:rPr>
-              <a:t>of the statement can be used to refer to it, as can be done for any description</a:t>
-            </a:r>
-            <a:endParaRPr lang="en-GB" sz="3200" b="1">
-              <a:latin typeface="Calibri" charset="0"/>
-              <a:ea typeface="ＭＳ Ｐゴシック" charset="0"/>
-              <a:cs typeface="ＭＳ Ｐゴシック" charset="0"/>
-            </a:endParaRPr>
-          </a:p>
-          <a:p>
-            <a:pPr marL="533400" indent="-533400"/>
-            <a:r>
-              <a:rPr lang="en-GB" sz="3200">
-                <a:latin typeface="Calibri" charset="0"/>
-                <a:ea typeface="ＭＳ Ｐゴシック" charset="0"/>
-                <a:cs typeface="ＭＳ Ｐゴシック" charset="0"/>
-              </a:rPr>
-              <a:t>We write an</a:t>
-            </a:r>
-            <a:r>
-              <a:rPr lang="en-GB" sz="3200" b="1">
-                <a:latin typeface="Calibri" charset="0"/>
-                <a:ea typeface="ＭＳ Ｐゴシック" charset="0"/>
-                <a:cs typeface="ＭＳ Ｐゴシック" charset="0"/>
-              </a:rPr>
-              <a:t> rdf:Description </a:t>
-            </a:r>
-            <a:r>
-              <a:rPr lang="en-GB" sz="3200">
-                <a:latin typeface="Calibri" charset="0"/>
-                <a:ea typeface="ＭＳ Ｐゴシック" charset="0"/>
-                <a:cs typeface="ＭＳ Ｐゴシック" charset="0"/>
-              </a:rPr>
-              <a:t>if we don’t want to talk about a statement further</a:t>
-            </a:r>
-            <a:endParaRPr lang="el-GR" sz="3200">
-              <a:latin typeface="Calibri" charset="0"/>
-              <a:ea typeface="ＭＳ Ｐゴシック" charset="0"/>
-              <a:cs typeface="ＭＳ Ｐゴシック" charset="0"/>
-            </a:endParaRPr>
-          </a:p>
-          <a:p>
-            <a:pPr marL="533400" indent="-533400"/>
-            <a:r>
-              <a:rPr lang="el-GR" sz="3200">
-                <a:latin typeface="Calibri" charset="0"/>
-                <a:ea typeface="ＭＳ Ｐゴシック" charset="0"/>
-                <a:cs typeface="ＭＳ Ｐゴシック" charset="0"/>
-              </a:rPr>
-              <a:t>We write an</a:t>
-            </a:r>
-            <a:r>
-              <a:rPr lang="el-GR" sz="3200" b="1">
-                <a:latin typeface="Calibri" charset="0"/>
-                <a:ea typeface="ＭＳ Ｐゴシック" charset="0"/>
-                <a:cs typeface="ＭＳ Ｐゴシック" charset="0"/>
-              </a:rPr>
-              <a:t> rdf:Statement </a:t>
-            </a:r>
-            <a:r>
-              <a:rPr lang="el-GR" sz="3200">
-                <a:latin typeface="Calibri" charset="0"/>
-                <a:ea typeface="ＭＳ Ｐゴシック" charset="0"/>
-                <a:cs typeface="ＭＳ Ｐゴシック" charset="0"/>
-              </a:rPr>
-              <a:t>if we wish to refer to a statement</a:t>
-            </a:r>
-          </a:p>
-        </p:txBody>
-      </p:sp>
-    </p:spTree>
-  </p:cSld>
-  <p:clrMapOvr>
-    <a:masterClrMapping/>
-  </p:clrMapOvr>
-</p:sld>
-</file>
-
-<file path=ppt/slides/slide38.xml><?xml version="1.0" encoding="utf-8"?>
 <p:sld xmlns:a="http://schemas.openxmlformats.org/drawingml/2006/main" xmlns:r="http://schemas.openxmlformats.org/officeDocument/2006/relationships" xmlns:p="http://schemas.openxmlformats.org/presentationml/2006/main">
   <p:cSld>
     <p:bg>
@@ -16896,14 +16717,14 @@
           </a:ln>
           <a:extLst>
             <a:ext uri="{909E8E84-426E-40dd-AFC4-6F175D3DCCD1}">
-              <a14:hiddenFill xmlns:a14="http://schemas.microsoft.com/office/drawing/2010/main" xmlns="">
+              <a14:hiddenFill xmlns="" xmlns:a14="http://schemas.microsoft.com/office/drawing/2010/main">
                 <a:solidFill>
                   <a:srgbClr val="FFFFFF"/>
                 </a:solidFill>
               </a14:hiddenFill>
             </a:ext>
             <a:ext uri="{91240B29-F687-4f45-9708-019B960494DF}">
-              <a14:hiddenLine xmlns:a14="http://schemas.microsoft.com/office/drawing/2010/main" xmlns="" w="9525">
+              <a14:hiddenLine xmlns="" xmlns:a14="http://schemas.microsoft.com/office/drawing/2010/main" w="9525">
                 <a:solidFill>
                   <a:srgbClr val="000000"/>
                 </a:solidFill>
@@ -17045,7 +16866,7 @@
 </p:sld>
 </file>
 
-<file path=ppt/slides/slide39.xml><?xml version="1.0" encoding="utf-8"?>
+<file path=ppt/slides/slide38.xml><?xml version="1.0" encoding="utf-8"?>
 <p:sld xmlns:a="http://schemas.openxmlformats.org/drawingml/2006/main" xmlns:r="http://schemas.openxmlformats.org/officeDocument/2006/relationships" xmlns:p="http://schemas.openxmlformats.org/presentationml/2006/main">
   <p:cSld>
     <p:spTree>
@@ -17224,6 +17045,261 @@
               <a:latin typeface="Calibri" charset="0"/>
               <a:ea typeface="ＭＳ Ｐゴシック" charset="0"/>
             </a:endParaRPr>
+          </a:p>
+        </p:txBody>
+      </p:sp>
+    </p:spTree>
+  </p:cSld>
+  <p:clrMapOvr>
+    <a:masterClrMapping/>
+  </p:clrMapOvr>
+</p:sld>
+</file>
+
+<file path=ppt/slides/slide39.xml><?xml version="1.0" encoding="utf-8"?>
+<p:sld xmlns:a="http://schemas.openxmlformats.org/drawingml/2006/main" xmlns:r="http://schemas.openxmlformats.org/officeDocument/2006/relationships" xmlns:p="http://schemas.openxmlformats.org/presentationml/2006/main">
+  <p:cSld>
+    <p:spTree>
+      <p:nvGrpSpPr>
+        <p:cNvPr id="1" name=""/>
+        <p:cNvGrpSpPr/>
+        <p:nvPr/>
+      </p:nvGrpSpPr>
+      <p:grpSpPr>
+        <a:xfrm>
+          <a:off x="0" y="0"/>
+          <a:ext cx="0" cy="0"/>
+          <a:chOff x="0" y="0"/>
+          <a:chExt cx="0" cy="0"/>
+        </a:xfrm>
+      </p:grpSpPr>
+      <p:sp>
+        <p:nvSpPr>
+          <p:cNvPr id="56321" name="AutoShape 2"/>
+          <p:cNvSpPr>
+            <a:spLocks noGrp="1" noChangeArrowheads="1"/>
+          </p:cNvSpPr>
+          <p:nvPr>
+            <p:ph type="title"/>
+          </p:nvPr>
+        </p:nvSpPr>
+        <p:spPr/>
+        <p:txBody>
+          <a:bodyPr/>
+          <a:lstStyle/>
+          <a:p>
+            <a:r>
+              <a:rPr lang="en-US">
+                <a:latin typeface="Calibri" charset="0"/>
+                <a:ea typeface="ＭＳ Ｐゴシック" charset="0"/>
+                <a:cs typeface="ＭＳ Ｐゴシック" charset="0"/>
+              </a:rPr>
+              <a:t>Three Types of Container Elements</a:t>
+            </a:r>
+            <a:endParaRPr lang="el-GR">
+              <a:latin typeface="Calibri" charset="0"/>
+              <a:ea typeface="ＭＳ Ｐゴシック" charset="0"/>
+              <a:cs typeface="ＭＳ Ｐゴシック" charset="0"/>
+            </a:endParaRPr>
+          </a:p>
+        </p:txBody>
+      </p:sp>
+      <p:sp>
+        <p:nvSpPr>
+          <p:cNvPr id="75778" name="Rectangle 3"/>
+          <p:cNvSpPr>
+            <a:spLocks noGrp="1" noChangeArrowheads="1"/>
+          </p:cNvSpPr>
+          <p:nvPr>
+            <p:ph type="body" idx="1"/>
+          </p:nvPr>
+        </p:nvSpPr>
+        <p:spPr>
+          <a:xfrm>
+            <a:off x="395288" y="1412875"/>
+            <a:ext cx="8569325" cy="4967288"/>
+          </a:xfrm>
+        </p:spPr>
+        <p:txBody>
+          <a:bodyPr/>
+          <a:lstStyle/>
+          <a:p>
+            <a:pPr>
+              <a:lnSpc>
+                <a:spcPct val="90000"/>
+              </a:lnSpc>
+              <a:defRPr/>
+            </a:pPr>
+            <a:r>
+              <a:rPr lang="en-GB" sz="3200" b="1" dirty="0" err="1">
+                <a:ea typeface="ＭＳ Ｐゴシック" charset="0"/>
+                <a:cs typeface="ＭＳ Ｐゴシック" charset="0"/>
+              </a:rPr>
+              <a:t>rdf:Bag</a:t>
+            </a:r>
+            <a:r>
+              <a:rPr lang="en-GB" sz="3200" dirty="0">
+                <a:ea typeface="ＭＳ Ｐゴシック" charset="0"/>
+                <a:cs typeface="ＭＳ Ｐゴシック" charset="0"/>
+              </a:rPr>
+              <a:t> an unordered container, allowing multiple occurrences </a:t>
+            </a:r>
+          </a:p>
+          <a:p>
+            <a:pPr marL="223838" lvl="1" indent="0">
+              <a:lnSpc>
+                <a:spcPct val="90000"/>
+              </a:lnSpc>
+              <a:buFontTx/>
+              <a:buNone/>
+              <a:defRPr/>
+            </a:pPr>
+            <a:r>
+              <a:rPr lang="en-GB" sz="2800" dirty="0">
+                <a:ea typeface="ＭＳ Ｐゴシック" charset="0"/>
+              </a:rPr>
+              <a:t>e.g., members of the faculty, documents in a folder</a:t>
+            </a:r>
+            <a:endParaRPr lang="en-GB" sz="2800" b="1" dirty="0">
+              <a:ea typeface="ＭＳ Ｐゴシック" charset="0"/>
+            </a:endParaRPr>
+          </a:p>
+          <a:p>
+            <a:pPr>
+              <a:lnSpc>
+                <a:spcPct val="90000"/>
+              </a:lnSpc>
+              <a:defRPr/>
+            </a:pPr>
+            <a:r>
+              <a:rPr lang="en-GB" sz="3200" b="1" dirty="0" err="1">
+                <a:ea typeface="ＭＳ Ｐゴシック" charset="0"/>
+                <a:cs typeface="ＭＳ Ｐゴシック" charset="0"/>
+              </a:rPr>
+              <a:t>rdf:Seq</a:t>
+            </a:r>
+            <a:r>
+              <a:rPr lang="en-GB" sz="3200" dirty="0">
+                <a:ea typeface="ＭＳ Ｐゴシック" charset="0"/>
+                <a:cs typeface="ＭＳ Ｐゴシック" charset="0"/>
+              </a:rPr>
+              <a:t> an ordered container, which may contain multiple occurrences</a:t>
+            </a:r>
+          </a:p>
+          <a:p>
+            <a:pPr marL="392113" lvl="1" indent="0">
+              <a:lnSpc>
+                <a:spcPct val="90000"/>
+              </a:lnSpc>
+              <a:buFontTx/>
+              <a:buNone/>
+              <a:defRPr/>
+            </a:pPr>
+            <a:r>
+              <a:rPr lang="en-GB" sz="2800" dirty="0">
+                <a:ea typeface="ＭＳ Ｐゴシック" charset="0"/>
+              </a:rPr>
+              <a:t>e.g., modules of a course, items on an agenda, alphabetized list of staff members</a:t>
+            </a:r>
+            <a:endParaRPr lang="en-GB" sz="2800" b="1" dirty="0">
+              <a:ea typeface="ＭＳ Ｐゴシック" charset="0"/>
+            </a:endParaRPr>
+          </a:p>
+          <a:p>
+            <a:pPr>
+              <a:lnSpc>
+                <a:spcPct val="90000"/>
+              </a:lnSpc>
+              <a:defRPr/>
+            </a:pPr>
+            <a:r>
+              <a:rPr lang="en-GB" sz="3200" b="1" dirty="0" err="1">
+                <a:ea typeface="ＭＳ Ｐゴシック" charset="0"/>
+                <a:cs typeface="ＭＳ Ｐゴシック" charset="0"/>
+              </a:rPr>
+              <a:t>rdf:Alt</a:t>
+            </a:r>
+            <a:r>
+              <a:rPr lang="en-GB" sz="3200" dirty="0">
+                <a:ea typeface="ＭＳ Ｐゴシック" charset="0"/>
+                <a:cs typeface="ＭＳ Ｐゴシック" charset="0"/>
+              </a:rPr>
+              <a:t> a set of alternatives</a:t>
+            </a:r>
+            <a:endParaRPr lang="el-GR" sz="3200" dirty="0">
+              <a:ea typeface="ＭＳ Ｐゴシック" charset="0"/>
+              <a:cs typeface="ＭＳ Ｐゴシック" charset="0"/>
+            </a:endParaRPr>
+          </a:p>
+          <a:p>
+            <a:pPr marL="395287" lvl="1" indent="0">
+              <a:lnSpc>
+                <a:spcPct val="90000"/>
+              </a:lnSpc>
+              <a:buFontTx/>
+              <a:buNone/>
+              <a:defRPr/>
+            </a:pPr>
+            <a:r>
+              <a:rPr lang="en-US" sz="2800" dirty="0">
+                <a:ea typeface="ＭＳ Ｐゴシック" charset="0"/>
+              </a:rPr>
+              <a:t>e</a:t>
+            </a:r>
+            <a:r>
+              <a:rPr lang="el-GR" sz="2800" dirty="0">
+                <a:ea typeface="ＭＳ Ｐゴシック" charset="0"/>
+              </a:rPr>
+              <a:t>.g.</a:t>
+            </a:r>
+            <a:r>
+              <a:rPr lang="en-US" sz="2800" dirty="0">
+                <a:ea typeface="ＭＳ Ｐゴシック" charset="0"/>
+              </a:rPr>
+              <a:t>,</a:t>
+            </a:r>
+            <a:r>
+              <a:rPr lang="el-GR" sz="2800" dirty="0">
+                <a:ea typeface="ＭＳ Ｐゴシック" charset="0"/>
+              </a:rPr>
+              <a:t> the document home</a:t>
+            </a:r>
+            <a:r>
+              <a:rPr lang="en-US" sz="2800" dirty="0">
+                <a:ea typeface="ＭＳ Ｐゴシック" charset="0"/>
+              </a:rPr>
+              <a:t> site</a:t>
+            </a:r>
+            <a:r>
+              <a:rPr lang="el-GR" sz="2800" dirty="0">
+                <a:ea typeface="ＭＳ Ｐゴシック" charset="0"/>
+              </a:rPr>
+              <a:t> and </a:t>
+            </a:r>
+            <a:r>
+              <a:rPr lang="en-US" sz="2800" dirty="0">
+                <a:ea typeface="ＭＳ Ｐゴシック" charset="0"/>
+              </a:rPr>
+              <a:t>its </a:t>
+            </a:r>
+            <a:r>
+              <a:rPr lang="el-GR" sz="2800" dirty="0">
+                <a:ea typeface="ＭＳ Ｐゴシック" charset="0"/>
+              </a:rPr>
+              <a:t>mirror</a:t>
+            </a:r>
+            <a:r>
+              <a:rPr lang="en-US" sz="2800" dirty="0">
+                <a:ea typeface="ＭＳ Ｐゴシック" charset="0"/>
+              </a:rPr>
+              <a:t>s</a:t>
+            </a:r>
+            <a:r>
+              <a:rPr lang="el-GR" sz="2800" dirty="0">
+                <a:ea typeface="ＭＳ Ｐゴシック" charset="0"/>
+              </a:rPr>
+              <a:t>, translations of a document in various languages </a:t>
+            </a:r>
           </a:p>
         </p:txBody>
       </p:sp>
@@ -17490,261 +17566,6 @@
       </p:grpSpPr>
       <p:sp>
         <p:nvSpPr>
-          <p:cNvPr id="56321" name="AutoShape 2"/>
-          <p:cNvSpPr>
-            <a:spLocks noGrp="1" noChangeArrowheads="1"/>
-          </p:cNvSpPr>
-          <p:nvPr>
-            <p:ph type="title"/>
-          </p:nvPr>
-        </p:nvSpPr>
-        <p:spPr/>
-        <p:txBody>
-          <a:bodyPr/>
-          <a:lstStyle/>
-          <a:p>
-            <a:r>
-              <a:rPr lang="en-US">
-                <a:latin typeface="Calibri" charset="0"/>
-                <a:ea typeface="ＭＳ Ｐゴシック" charset="0"/>
-                <a:cs typeface="ＭＳ Ｐゴシック" charset="0"/>
-              </a:rPr>
-              <a:t>Three Types of Container Elements</a:t>
-            </a:r>
-            <a:endParaRPr lang="el-GR">
-              <a:latin typeface="Calibri" charset="0"/>
-              <a:ea typeface="ＭＳ Ｐゴシック" charset="0"/>
-              <a:cs typeface="ＭＳ Ｐゴシック" charset="0"/>
-            </a:endParaRPr>
-          </a:p>
-        </p:txBody>
-      </p:sp>
-      <p:sp>
-        <p:nvSpPr>
-          <p:cNvPr id="75778" name="Rectangle 3"/>
-          <p:cNvSpPr>
-            <a:spLocks noGrp="1" noChangeArrowheads="1"/>
-          </p:cNvSpPr>
-          <p:nvPr>
-            <p:ph type="body" idx="1"/>
-          </p:nvPr>
-        </p:nvSpPr>
-        <p:spPr>
-          <a:xfrm>
-            <a:off x="395288" y="1412875"/>
-            <a:ext cx="8569325" cy="4967288"/>
-          </a:xfrm>
-        </p:spPr>
-        <p:txBody>
-          <a:bodyPr/>
-          <a:lstStyle/>
-          <a:p>
-            <a:pPr>
-              <a:lnSpc>
-                <a:spcPct val="90000"/>
-              </a:lnSpc>
-              <a:defRPr/>
-            </a:pPr>
-            <a:r>
-              <a:rPr lang="en-GB" sz="3200" b="1" dirty="0" err="1">
-                <a:ea typeface="ＭＳ Ｐゴシック" charset="0"/>
-                <a:cs typeface="ＭＳ Ｐゴシック" charset="0"/>
-              </a:rPr>
-              <a:t>rdf:Bag</a:t>
-            </a:r>
-            <a:r>
-              <a:rPr lang="en-GB" sz="3200" dirty="0">
-                <a:ea typeface="ＭＳ Ｐゴシック" charset="0"/>
-                <a:cs typeface="ＭＳ Ｐゴシック" charset="0"/>
-              </a:rPr>
-              <a:t> an unordered container, allowing multiple occurrences </a:t>
-            </a:r>
-          </a:p>
-          <a:p>
-            <a:pPr marL="223838" lvl="1" indent="0">
-              <a:lnSpc>
-                <a:spcPct val="90000"/>
-              </a:lnSpc>
-              <a:buFontTx/>
-              <a:buNone/>
-              <a:defRPr/>
-            </a:pPr>
-            <a:r>
-              <a:rPr lang="en-GB" sz="2800" dirty="0">
-                <a:ea typeface="ＭＳ Ｐゴシック" charset="0"/>
-              </a:rPr>
-              <a:t>e.g., members of the faculty, documents in a folder</a:t>
-            </a:r>
-            <a:endParaRPr lang="en-GB" sz="2800" b="1" dirty="0">
-              <a:ea typeface="ＭＳ Ｐゴシック" charset="0"/>
-            </a:endParaRPr>
-          </a:p>
-          <a:p>
-            <a:pPr>
-              <a:lnSpc>
-                <a:spcPct val="90000"/>
-              </a:lnSpc>
-              <a:defRPr/>
-            </a:pPr>
-            <a:r>
-              <a:rPr lang="en-GB" sz="3200" b="1" dirty="0" err="1">
-                <a:ea typeface="ＭＳ Ｐゴシック" charset="0"/>
-                <a:cs typeface="ＭＳ Ｐゴシック" charset="0"/>
-              </a:rPr>
-              <a:t>rdf:Seq</a:t>
-            </a:r>
-            <a:r>
-              <a:rPr lang="en-GB" sz="3200" dirty="0">
-                <a:ea typeface="ＭＳ Ｐゴシック" charset="0"/>
-                <a:cs typeface="ＭＳ Ｐゴシック" charset="0"/>
-              </a:rPr>
-              <a:t> an ordered container, which may contain multiple occurrences</a:t>
-            </a:r>
-          </a:p>
-          <a:p>
-            <a:pPr marL="392113" lvl="1" indent="0">
-              <a:lnSpc>
-                <a:spcPct val="90000"/>
-              </a:lnSpc>
-              <a:buFontTx/>
-              <a:buNone/>
-              <a:defRPr/>
-            </a:pPr>
-            <a:r>
-              <a:rPr lang="en-GB" sz="2800" dirty="0">
-                <a:ea typeface="ＭＳ Ｐゴシック" charset="0"/>
-              </a:rPr>
-              <a:t>e.g., modules of a course, items on an agenda, alphabetized list of staff members</a:t>
-            </a:r>
-            <a:endParaRPr lang="en-GB" sz="2800" b="1" dirty="0">
-              <a:ea typeface="ＭＳ Ｐゴシック" charset="0"/>
-            </a:endParaRPr>
-          </a:p>
-          <a:p>
-            <a:pPr>
-              <a:lnSpc>
-                <a:spcPct val="90000"/>
-              </a:lnSpc>
-              <a:defRPr/>
-            </a:pPr>
-            <a:r>
-              <a:rPr lang="en-GB" sz="3200" b="1" dirty="0" err="1">
-                <a:ea typeface="ＭＳ Ｐゴシック" charset="0"/>
-                <a:cs typeface="ＭＳ Ｐゴシック" charset="0"/>
-              </a:rPr>
-              <a:t>rdf:Alt</a:t>
-            </a:r>
-            <a:r>
-              <a:rPr lang="en-GB" sz="3200" dirty="0">
-                <a:ea typeface="ＭＳ Ｐゴシック" charset="0"/>
-                <a:cs typeface="ＭＳ Ｐゴシック" charset="0"/>
-              </a:rPr>
-              <a:t> a set of alternatives</a:t>
-            </a:r>
-            <a:endParaRPr lang="el-GR" sz="3200" dirty="0">
-              <a:ea typeface="ＭＳ Ｐゴシック" charset="0"/>
-              <a:cs typeface="ＭＳ Ｐゴシック" charset="0"/>
-            </a:endParaRPr>
-          </a:p>
-          <a:p>
-            <a:pPr marL="395287" lvl="1" indent="0">
-              <a:lnSpc>
-                <a:spcPct val="90000"/>
-              </a:lnSpc>
-              <a:buFontTx/>
-              <a:buNone/>
-              <a:defRPr/>
-            </a:pPr>
-            <a:r>
-              <a:rPr lang="en-US" sz="2800" dirty="0">
-                <a:ea typeface="ＭＳ Ｐゴシック" charset="0"/>
-              </a:rPr>
-              <a:t>e</a:t>
-            </a:r>
-            <a:r>
-              <a:rPr lang="el-GR" sz="2800" dirty="0">
-                <a:ea typeface="ＭＳ Ｐゴシック" charset="0"/>
-              </a:rPr>
-              <a:t>.g.</a:t>
-            </a:r>
-            <a:r>
-              <a:rPr lang="en-US" sz="2800" dirty="0">
-                <a:ea typeface="ＭＳ Ｐゴシック" charset="0"/>
-              </a:rPr>
-              <a:t>,</a:t>
-            </a:r>
-            <a:r>
-              <a:rPr lang="el-GR" sz="2800" dirty="0">
-                <a:ea typeface="ＭＳ Ｐゴシック" charset="0"/>
-              </a:rPr>
-              <a:t> the document home</a:t>
-            </a:r>
-            <a:r>
-              <a:rPr lang="en-US" sz="2800" dirty="0">
-                <a:ea typeface="ＭＳ Ｐゴシック" charset="0"/>
-              </a:rPr>
-              <a:t> site</a:t>
-            </a:r>
-            <a:r>
-              <a:rPr lang="el-GR" sz="2800" dirty="0">
-                <a:ea typeface="ＭＳ Ｐゴシック" charset="0"/>
-              </a:rPr>
-              <a:t> and </a:t>
-            </a:r>
-            <a:r>
-              <a:rPr lang="en-US" sz="2800" dirty="0">
-                <a:ea typeface="ＭＳ Ｐゴシック" charset="0"/>
-              </a:rPr>
-              <a:t>its </a:t>
-            </a:r>
-            <a:r>
-              <a:rPr lang="el-GR" sz="2800" dirty="0">
-                <a:ea typeface="ＭＳ Ｐゴシック" charset="0"/>
-              </a:rPr>
-              <a:t>mirror</a:t>
-            </a:r>
-            <a:r>
-              <a:rPr lang="en-US" sz="2800" dirty="0">
-                <a:ea typeface="ＭＳ Ｐゴシック" charset="0"/>
-              </a:rPr>
-              <a:t>s</a:t>
-            </a:r>
-            <a:r>
-              <a:rPr lang="el-GR" sz="2800" dirty="0">
-                <a:ea typeface="ＭＳ Ｐゴシック" charset="0"/>
-              </a:rPr>
-              <a:t>, translations of a document in various languages </a:t>
-            </a:r>
-          </a:p>
-        </p:txBody>
-      </p:sp>
-    </p:spTree>
-  </p:cSld>
-  <p:clrMapOvr>
-    <a:masterClrMapping/>
-  </p:clrMapOvr>
-</p:sld>
-</file>
-
-<file path=ppt/slides/slide41.xml><?xml version="1.0" encoding="utf-8"?>
-<p:sld xmlns:a="http://schemas.openxmlformats.org/drawingml/2006/main" xmlns:r="http://schemas.openxmlformats.org/officeDocument/2006/relationships" xmlns:p="http://schemas.openxmlformats.org/presentationml/2006/main">
-  <p:cSld>
-    <p:spTree>
-      <p:nvGrpSpPr>
-        <p:cNvPr id="1" name=""/>
-        <p:cNvGrpSpPr/>
-        <p:nvPr/>
-      </p:nvGrpSpPr>
-      <p:grpSpPr>
-        <a:xfrm>
-          <a:off x="0" y="0"/>
-          <a:ext cx="0" cy="0"/>
-          <a:chOff x="0" y="0"/>
-          <a:chExt cx="0" cy="0"/>
-        </a:xfrm>
-      </p:grpSpPr>
-      <p:sp>
-        <p:nvSpPr>
           <p:cNvPr id="57345" name="AutoShape 2"/>
           <p:cNvSpPr>
             <a:spLocks noGrp="1" noChangeArrowheads="1"/>
@@ -17847,14 +17668,14 @@
           </a:ln>
           <a:extLst>
             <a:ext uri="{909E8E84-426E-40dd-AFC4-6F175D3DCCD1}">
-              <a14:hiddenFill xmlns:a14="http://schemas.microsoft.com/office/drawing/2010/main" xmlns="">
+              <a14:hiddenFill xmlns="" xmlns:a14="http://schemas.microsoft.com/office/drawing/2010/main">
                 <a:solidFill>
                   <a:srgbClr val="FFFFFF"/>
                 </a:solidFill>
               </a14:hiddenFill>
             </a:ext>
             <a:ext uri="{91240B29-F687-4f45-9708-019B960494DF}">
-              <a14:hiddenLine xmlns:a14="http://schemas.microsoft.com/office/drawing/2010/main" xmlns="" w="9525">
+              <a14:hiddenLine xmlns="" xmlns:a14="http://schemas.microsoft.com/office/drawing/2010/main" w="9525">
                 <a:solidFill>
                   <a:srgbClr val="000000"/>
                 </a:solidFill>
@@ -17874,7 +17695,7 @@
 </p:sld>
 </file>
 
-<file path=ppt/slides/slide42.xml><?xml version="1.0" encoding="utf-8"?>
+<file path=ppt/slides/slide41.xml><?xml version="1.0" encoding="utf-8"?>
 <p:sld xmlns:a="http://schemas.openxmlformats.org/drawingml/2006/main" xmlns:r="http://schemas.openxmlformats.org/officeDocument/2006/relationships" xmlns:p="http://schemas.openxmlformats.org/presentationml/2006/main">
   <p:cSld>
     <p:spTree>
@@ -18113,7 +17934,7 @@
 </p:sld>
 </file>
 
-<file path=ppt/slides/slide43.xml><?xml version="1.0" encoding="utf-8"?>
+<file path=ppt/slides/slide42.xml><?xml version="1.0" encoding="utf-8"?>
 <p:sld xmlns:a="http://schemas.openxmlformats.org/drawingml/2006/main" xmlns:r="http://schemas.openxmlformats.org/officeDocument/2006/relationships" xmlns:p="http://schemas.openxmlformats.org/presentationml/2006/main" show="0">
   <p:cSld>
     <p:spTree>
@@ -18373,7 +18194,7 @@
 </p:sld>
 </file>
 
-<file path=ppt/slides/slide44.xml><?xml version="1.0" encoding="utf-8"?>
+<file path=ppt/slides/slide43.xml><?xml version="1.0" encoding="utf-8"?>
 <p:sld xmlns:a="http://schemas.openxmlformats.org/drawingml/2006/main" xmlns:r="http://schemas.openxmlformats.org/officeDocument/2006/relationships" xmlns:p="http://schemas.openxmlformats.org/presentationml/2006/main" show="0">
   <p:cSld>
     <p:spTree>
@@ -18625,7 +18446,7 @@
 </p:sld>
 </file>
 
-<file path=ppt/slides/slide45.xml><?xml version="1.0" encoding="utf-8"?>
+<file path=ppt/slides/slide44.xml><?xml version="1.0" encoding="utf-8"?>
 <p:sld xmlns:a="http://schemas.openxmlformats.org/drawingml/2006/main" xmlns:r="http://schemas.openxmlformats.org/officeDocument/2006/relationships" xmlns:p="http://schemas.openxmlformats.org/presentationml/2006/main">
   <p:cSld>
     <p:spTree>
@@ -18775,7 +18596,7 @@
 </p:sld>
 </file>
 
-<file path=ppt/slides/slide46.xml><?xml version="1.0" encoding="utf-8"?>
+<file path=ppt/slides/slide45.xml><?xml version="1.0" encoding="utf-8"?>
 <p:sld xmlns:a="http://schemas.openxmlformats.org/drawingml/2006/main" xmlns:r="http://schemas.openxmlformats.org/officeDocument/2006/relationships" xmlns:p="http://schemas.openxmlformats.org/presentationml/2006/main">
   <p:cSld>
     <p:spTree>
@@ -18914,7 +18735,7 @@
 </p:sld>
 </file>
 
-<file path=ppt/slides/slide47.xml><?xml version="1.0" encoding="utf-8"?>
+<file path=ppt/slides/slide46.xml><?xml version="1.0" encoding="utf-8"?>
 <p:sld xmlns:a="http://schemas.openxmlformats.org/drawingml/2006/main" xmlns:r="http://schemas.openxmlformats.org/officeDocument/2006/relationships" xmlns:p="http://schemas.openxmlformats.org/presentationml/2006/main">
   <p:cSld>
     <p:spTree>
@@ -19102,7 +18923,7 @@
 </p:sld>
 </file>
 
-<file path=ppt/slides/slide48.xml><?xml version="1.0" encoding="utf-8"?>
+<file path=ppt/slides/slide47.xml><?xml version="1.0" encoding="utf-8"?>
 <p:sld xmlns:a="http://schemas.openxmlformats.org/drawingml/2006/main" xmlns:r="http://schemas.openxmlformats.org/officeDocument/2006/relationships" xmlns:p="http://schemas.openxmlformats.org/presentationml/2006/main">
   <p:cSld>
     <p:spTree>
@@ -19216,14 +19037,14 @@
           </a:ln>
           <a:extLst>
             <a:ext uri="{909E8E84-426E-40dd-AFC4-6F175D3DCCD1}">
-              <a14:hiddenFill xmlns:a14="http://schemas.microsoft.com/office/drawing/2010/main" xmlns="">
+              <a14:hiddenFill xmlns="" xmlns:a14="http://schemas.microsoft.com/office/drawing/2010/main">
                 <a:solidFill>
                   <a:srgbClr val="FFFFFF"/>
                 </a:solidFill>
               </a14:hiddenFill>
             </a:ext>
             <a:ext uri="{91240B29-F687-4f45-9708-019B960494DF}">
-              <a14:hiddenLine xmlns:a14="http://schemas.microsoft.com/office/drawing/2010/main" xmlns="" w="9525">
+              <a14:hiddenLine xmlns="" xmlns:a14="http://schemas.microsoft.com/office/drawing/2010/main" w="9525">
                 <a:solidFill>
                   <a:srgbClr val="000000"/>
                 </a:solidFill>
@@ -19243,7 +19064,7 @@
 </p:sld>
 </file>
 
-<file path=ppt/slides/slide49.xml><?xml version="1.0" encoding="utf-8"?>
+<file path=ppt/slides/slide48.xml><?xml version="1.0" encoding="utf-8"?>
 <p:sld xmlns:a="http://schemas.openxmlformats.org/drawingml/2006/main" xmlns:r="http://schemas.openxmlformats.org/officeDocument/2006/relationships" xmlns:p="http://schemas.openxmlformats.org/presentationml/2006/main">
   <p:cSld>
     <p:spTree>
@@ -19481,6 +19302,339 @@
               <a:ea typeface="ＭＳ Ｐゴシック" charset="0"/>
               <a:cs typeface="ＭＳ Ｐゴシック" charset="0"/>
             </a:endParaRPr>
+          </a:p>
+        </p:txBody>
+      </p:sp>
+    </p:spTree>
+  </p:cSld>
+  <p:clrMapOvr>
+    <a:masterClrMapping/>
+  </p:clrMapOvr>
+</p:sld>
+</file>
+
+<file path=ppt/slides/slide49.xml><?xml version="1.0" encoding="utf-8"?>
+<p:sld xmlns:a="http://schemas.openxmlformats.org/drawingml/2006/main" xmlns:r="http://schemas.openxmlformats.org/officeDocument/2006/relationships" xmlns:p="http://schemas.openxmlformats.org/presentationml/2006/main">
+  <p:cSld>
+    <p:spTree>
+      <p:nvGrpSpPr>
+        <p:cNvPr id="1" name=""/>
+        <p:cNvGrpSpPr/>
+        <p:nvPr/>
+      </p:nvGrpSpPr>
+      <p:grpSpPr>
+        <a:xfrm>
+          <a:off x="0" y="0"/>
+          <a:ext cx="0" cy="0"/>
+          <a:chOff x="0" y="0"/>
+          <a:chExt cx="0" cy="0"/>
+        </a:xfrm>
+      </p:grpSpPr>
+      <p:sp>
+        <p:nvSpPr>
+          <p:cNvPr id="66561" name="AutoShape 2"/>
+          <p:cNvSpPr>
+            <a:spLocks noGrp="1" noChangeArrowheads="1"/>
+          </p:cNvSpPr>
+          <p:nvPr>
+            <p:ph type="title"/>
+          </p:nvPr>
+        </p:nvSpPr>
+        <p:spPr/>
+        <p:txBody>
+          <a:bodyPr/>
+          <a:lstStyle/>
+          <a:p>
+            <a:pPr eaLnBrk="1" hangingPunct="1"/>
+            <a:r>
+              <a:rPr lang="en-US">
+                <a:latin typeface="Calibri" charset="0"/>
+                <a:ea typeface="ＭＳ Ｐゴシック" charset="0"/>
+                <a:cs typeface="ＭＳ Ｐゴシック" charset="0"/>
+              </a:rPr>
+              <a:t>RDF Lists</a:t>
+            </a:r>
+          </a:p>
+        </p:txBody>
+      </p:sp>
+      <p:sp>
+        <p:nvSpPr>
+          <p:cNvPr id="66562" name="Rectangle 3"/>
+          <p:cNvSpPr>
+            <a:spLocks noGrp="1" noChangeArrowheads="1"/>
+          </p:cNvSpPr>
+          <p:nvPr>
+            <p:ph type="body" idx="1"/>
+          </p:nvPr>
+        </p:nvSpPr>
+        <p:spPr>
+          <a:xfrm>
+            <a:off x="395288" y="1412875"/>
+            <a:ext cx="8497887" cy="5184775"/>
+          </a:xfrm>
+        </p:spPr>
+        <p:txBody>
+          <a:bodyPr/>
+          <a:lstStyle/>
+          <a:p>
+            <a:pPr eaLnBrk="1" hangingPunct="1">
+              <a:buFont typeface="Wingdings" charset="0"/>
+              <a:buNone/>
+            </a:pPr>
+            <a:r>
+              <a:rPr lang="en-US" sz="3200" dirty="0">
+                <a:latin typeface="Calibri" charset="0"/>
+                <a:ea typeface="ＭＳ Ｐゴシック" charset="0"/>
+                <a:cs typeface="ＭＳ Ｐゴシック" charset="0"/>
+              </a:rPr>
+              <a:t>Turtle has special syntax to represent lists:</a:t>
+            </a:r>
+          </a:p>
+          <a:p>
+            <a:pPr eaLnBrk="1" hangingPunct="1">
+              <a:buFont typeface="Wingdings" charset="0"/>
+              <a:buNone/>
+            </a:pPr>
+            <a:endParaRPr lang="en-US" sz="1050" dirty="0">
+              <a:latin typeface="Calibri" charset="0"/>
+              <a:ea typeface="ＭＳ Ｐゴシック" charset="0"/>
+              <a:cs typeface="ＭＳ Ｐゴシック" charset="0"/>
+            </a:endParaRPr>
+          </a:p>
+          <a:p>
+            <a:pPr eaLnBrk="1" hangingPunct="1">
+              <a:buFont typeface="Wingdings" charset="0"/>
+              <a:buNone/>
+            </a:pPr>
+            <a:r>
+              <a:rPr lang="en-US" sz="2400" dirty="0">
+                <a:latin typeface="Calibri" charset="0"/>
+                <a:ea typeface="ＭＳ Ｐゴシック" charset="0"/>
+                <a:cs typeface="ＭＳ Ｐゴシック" charset="0"/>
+              </a:rPr>
+              <a:t>@prefix </a:t>
+            </a:r>
+            <a:r>
+              <a:rPr lang="en-US" sz="2400" dirty="0" err="1">
+                <a:latin typeface="Calibri" charset="0"/>
+                <a:ea typeface="ＭＳ Ｐゴシック" charset="0"/>
+                <a:cs typeface="ＭＳ Ｐゴシック" charset="0"/>
+              </a:rPr>
+              <a:t>rdf</a:t>
+            </a:r>
+            <a:r>
+              <a:rPr lang="en-US" sz="2400" dirty="0">
+                <a:latin typeface="Calibri" charset="0"/>
+                <a:ea typeface="ＭＳ Ｐゴシック" charset="0"/>
+                <a:cs typeface="ＭＳ Ｐゴシック" charset="0"/>
+              </a:rPr>
+              <a:t>: &lt;http://www.w3.org/1999/02/22-rdf-syntax-ns#&gt;.</a:t>
+            </a:r>
+          </a:p>
+          <a:p>
+            <a:pPr eaLnBrk="1" hangingPunct="1">
+              <a:buFont typeface="Wingdings" charset="0"/>
+              <a:buNone/>
+            </a:pPr>
+            <a:r>
+              <a:rPr lang="en-US" sz="2400" dirty="0">
+                <a:latin typeface="Calibri" charset="0"/>
+                <a:ea typeface="ＭＳ Ｐゴシック" charset="0"/>
+                <a:cs typeface="ＭＳ Ｐゴシック" charset="0"/>
+              </a:rPr>
+              <a:t>@prefix s:   &lt;http://</a:t>
+            </a:r>
+            <a:r>
+              <a:rPr lang="en-US" sz="2400" dirty="0" err="1">
+                <a:latin typeface="Calibri" charset="0"/>
+                <a:ea typeface="ＭＳ Ｐゴシック" charset="0"/>
+                <a:cs typeface="ＭＳ Ｐゴシック" charset="0"/>
+              </a:rPr>
+              <a:t>example.org</a:t>
+            </a:r>
+            <a:r>
+              <a:rPr lang="en-US" sz="2400" dirty="0">
+                <a:latin typeface="Calibri" charset="0"/>
+                <a:ea typeface="ＭＳ Ｐゴシック" charset="0"/>
+                <a:cs typeface="ＭＳ Ｐゴシック" charset="0"/>
+              </a:rPr>
+              <a:t>/students/vocab#&gt;.</a:t>
+            </a:r>
+          </a:p>
+          <a:p>
+            <a:pPr eaLnBrk="1" hangingPunct="1">
+              <a:buFont typeface="Wingdings" charset="0"/>
+              <a:buNone/>
+            </a:pPr>
+            <a:endParaRPr lang="en-US" sz="1600" dirty="0">
+              <a:latin typeface="Calibri" charset="0"/>
+              <a:ea typeface="ＭＳ Ｐゴシック" charset="0"/>
+              <a:cs typeface="ＭＳ Ｐゴシック" charset="0"/>
+            </a:endParaRPr>
+          </a:p>
+          <a:p>
+            <a:pPr eaLnBrk="1" hangingPunct="1">
+              <a:buFont typeface="Wingdings" charset="0"/>
+              <a:buNone/>
+            </a:pPr>
+            <a:r>
+              <a:rPr lang="en-US" dirty="0">
+                <a:latin typeface="Calibri" charset="0"/>
+                <a:ea typeface="ＭＳ Ｐゴシック" charset="0"/>
+                <a:cs typeface="ＭＳ Ｐゴシック" charset="0"/>
+              </a:rPr>
+              <a:t>&lt;http://</a:t>
+            </a:r>
+            <a:r>
+              <a:rPr lang="en-US" dirty="0" err="1">
+                <a:latin typeface="Calibri" charset="0"/>
+                <a:ea typeface="ＭＳ Ｐゴシック" charset="0"/>
+                <a:cs typeface="ＭＳ Ｐゴシック" charset="0"/>
+              </a:rPr>
+              <a:t>example.org</a:t>
+            </a:r>
+            <a:r>
+              <a:rPr lang="en-US" dirty="0">
+                <a:latin typeface="Calibri" charset="0"/>
+                <a:ea typeface="ＭＳ Ｐゴシック" charset="0"/>
+                <a:cs typeface="ＭＳ Ｐゴシック" charset="0"/>
+              </a:rPr>
+              <a:t>/courses/6.001&gt;</a:t>
+            </a:r>
+          </a:p>
+          <a:p>
+            <a:pPr eaLnBrk="1" hangingPunct="1">
+              <a:buFont typeface="Wingdings" charset="0"/>
+              <a:buNone/>
+            </a:pPr>
+            <a:r>
+              <a:rPr lang="en-US" dirty="0">
+                <a:latin typeface="Calibri" charset="0"/>
+                <a:ea typeface="ＭＳ Ｐゴシック" charset="0"/>
+                <a:cs typeface="ＭＳ Ｐゴシック" charset="0"/>
+              </a:rPr>
+              <a:t>    </a:t>
+            </a:r>
+            <a:r>
+              <a:rPr lang="en-US" dirty="0" err="1">
+                <a:latin typeface="Calibri" charset="0"/>
+                <a:ea typeface="ＭＳ Ｐゴシック" charset="0"/>
+                <a:cs typeface="ＭＳ Ｐゴシック" charset="0"/>
+              </a:rPr>
+              <a:t>s:students</a:t>
+            </a:r>
+            <a:r>
+              <a:rPr lang="en-US" dirty="0">
+                <a:latin typeface="Calibri" charset="0"/>
+                <a:ea typeface="ＭＳ Ｐゴシック" charset="0"/>
+                <a:cs typeface="ＭＳ Ｐゴシック" charset="0"/>
+              </a:rPr>
+              <a:t> (</a:t>
+            </a:r>
+          </a:p>
+          <a:p>
+            <a:pPr eaLnBrk="1" hangingPunct="1">
+              <a:buFont typeface="Wingdings" charset="0"/>
+              <a:buNone/>
+            </a:pPr>
+            <a:r>
+              <a:rPr lang="en-US" dirty="0">
+                <a:latin typeface="Calibri" charset="0"/>
+                <a:ea typeface="ＭＳ Ｐゴシック" charset="0"/>
+                <a:cs typeface="ＭＳ Ｐゴシック" charset="0"/>
+              </a:rPr>
+              <a:t>        &lt;http://</a:t>
+            </a:r>
+            <a:r>
+              <a:rPr lang="en-US" dirty="0" err="1">
+                <a:latin typeface="Calibri" charset="0"/>
+                <a:ea typeface="ＭＳ Ｐゴシック" charset="0"/>
+                <a:cs typeface="ＭＳ Ｐゴシック" charset="0"/>
+              </a:rPr>
+              <a:t>example.org</a:t>
+            </a:r>
+            <a:r>
+              <a:rPr lang="en-US" dirty="0">
+                <a:latin typeface="Calibri" charset="0"/>
+                <a:ea typeface="ＭＳ Ｐゴシック" charset="0"/>
+                <a:cs typeface="ＭＳ Ｐゴシック" charset="0"/>
+              </a:rPr>
+              <a:t>/students/Amy&gt;</a:t>
+            </a:r>
+          </a:p>
+          <a:p>
+            <a:pPr eaLnBrk="1" hangingPunct="1">
+              <a:buFont typeface="Wingdings" charset="0"/>
+              <a:buNone/>
+            </a:pPr>
+            <a:r>
+              <a:rPr lang="en-US" dirty="0">
+                <a:latin typeface="Calibri" charset="0"/>
+                <a:ea typeface="ＭＳ Ｐゴシック" charset="0"/>
+                <a:cs typeface="ＭＳ Ｐゴシック" charset="0"/>
+              </a:rPr>
+              <a:t>        &lt;http://</a:t>
+            </a:r>
+            <a:r>
+              <a:rPr lang="en-US" dirty="0" err="1">
+                <a:latin typeface="Calibri" charset="0"/>
+                <a:ea typeface="ＭＳ Ｐゴシック" charset="0"/>
+                <a:cs typeface="ＭＳ Ｐゴシック" charset="0"/>
+              </a:rPr>
+              <a:t>example.org</a:t>
+            </a:r>
+            <a:r>
+              <a:rPr lang="en-US" dirty="0">
+                <a:latin typeface="Calibri" charset="0"/>
+                <a:ea typeface="ＭＳ Ｐゴシック" charset="0"/>
+                <a:cs typeface="ＭＳ Ｐゴシック" charset="0"/>
+              </a:rPr>
+              <a:t>/students/Mohamed&gt;</a:t>
+            </a:r>
+          </a:p>
+          <a:p>
+            <a:pPr eaLnBrk="1" hangingPunct="1">
+              <a:buFont typeface="Wingdings" charset="0"/>
+              <a:buNone/>
+            </a:pPr>
+            <a:r>
+              <a:rPr lang="en-US" dirty="0">
+                <a:latin typeface="Calibri" charset="0"/>
+                <a:ea typeface="ＭＳ Ｐゴシック" charset="0"/>
+                <a:cs typeface="ＭＳ Ｐゴシック" charset="0"/>
+              </a:rPr>
+              <a:t>        &lt;http://</a:t>
+            </a:r>
+            <a:r>
+              <a:rPr lang="en-US" dirty="0" err="1">
+                <a:latin typeface="Calibri" charset="0"/>
+                <a:ea typeface="ＭＳ Ｐゴシック" charset="0"/>
+                <a:cs typeface="ＭＳ Ｐゴシック" charset="0"/>
+              </a:rPr>
+              <a:t>example.org</a:t>
+            </a:r>
+            <a:r>
+              <a:rPr lang="en-US" dirty="0">
+                <a:latin typeface="Calibri" charset="0"/>
+                <a:ea typeface="ＭＳ Ｐゴシック" charset="0"/>
+                <a:cs typeface="ＭＳ Ｐゴシック" charset="0"/>
+              </a:rPr>
+              <a:t>/students/Johann&gt;</a:t>
+            </a:r>
+          </a:p>
+          <a:p>
+            <a:pPr eaLnBrk="1" hangingPunct="1">
+              <a:buFont typeface="Wingdings" charset="0"/>
+              <a:buNone/>
+            </a:pPr>
+            <a:r>
+              <a:rPr lang="en-US" dirty="0">
+                <a:latin typeface="Calibri" charset="0"/>
+                <a:ea typeface="ＭＳ Ｐゴシック" charset="0"/>
+                <a:cs typeface="ＭＳ Ｐゴシック" charset="0"/>
+              </a:rPr>
+              <a:t>    ).</a:t>
+            </a:r>
           </a:p>
         </p:txBody>
       </p:sp>
@@ -19541,14 +19695,14 @@
           </a:ln>
           <a:extLst>
             <a:ext uri="{909E8E84-426E-40dd-AFC4-6F175D3DCCD1}">
-              <a14:hiddenFill xmlns:a14="http://schemas.microsoft.com/office/drawing/2010/main" xmlns="">
+              <a14:hiddenFill xmlns="" xmlns:a14="http://schemas.microsoft.com/office/drawing/2010/main">
                 <a:solidFill>
                   <a:srgbClr val="FFFFFF"/>
                 </a:solidFill>
               </a14:hiddenFill>
             </a:ext>
             <a:ext uri="{91240B29-F687-4f45-9708-019B960494DF}">
-              <a14:hiddenLine xmlns:a14="http://schemas.microsoft.com/office/drawing/2010/main" xmlns="" w="9525">
+              <a14:hiddenLine xmlns="" xmlns:a14="http://schemas.microsoft.com/office/drawing/2010/main" w="9525">
                 <a:solidFill>
                   <a:srgbClr val="000000"/>
                 </a:solidFill>
@@ -19691,339 +19845,6 @@
 </file>
 
 <file path=ppt/slides/slide50.xml><?xml version="1.0" encoding="utf-8"?>
-<p:sld xmlns:a="http://schemas.openxmlformats.org/drawingml/2006/main" xmlns:r="http://schemas.openxmlformats.org/officeDocument/2006/relationships" xmlns:p="http://schemas.openxmlformats.org/presentationml/2006/main">
-  <p:cSld>
-    <p:spTree>
-      <p:nvGrpSpPr>
-        <p:cNvPr id="1" name=""/>
-        <p:cNvGrpSpPr/>
-        <p:nvPr/>
-      </p:nvGrpSpPr>
-      <p:grpSpPr>
-        <a:xfrm>
-          <a:off x="0" y="0"/>
-          <a:ext cx="0" cy="0"/>
-          <a:chOff x="0" y="0"/>
-          <a:chExt cx="0" cy="0"/>
-        </a:xfrm>
-      </p:grpSpPr>
-      <p:sp>
-        <p:nvSpPr>
-          <p:cNvPr id="66561" name="AutoShape 2"/>
-          <p:cNvSpPr>
-            <a:spLocks noGrp="1" noChangeArrowheads="1"/>
-          </p:cNvSpPr>
-          <p:nvPr>
-            <p:ph type="title"/>
-          </p:nvPr>
-        </p:nvSpPr>
-        <p:spPr/>
-        <p:txBody>
-          <a:bodyPr/>
-          <a:lstStyle/>
-          <a:p>
-            <a:pPr eaLnBrk="1" hangingPunct="1"/>
-            <a:r>
-              <a:rPr lang="en-US">
-                <a:latin typeface="Calibri" charset="0"/>
-                <a:ea typeface="ＭＳ Ｐゴシック" charset="0"/>
-                <a:cs typeface="ＭＳ Ｐゴシック" charset="0"/>
-              </a:rPr>
-              <a:t>RDF Lists</a:t>
-            </a:r>
-          </a:p>
-        </p:txBody>
-      </p:sp>
-      <p:sp>
-        <p:nvSpPr>
-          <p:cNvPr id="66562" name="Rectangle 3"/>
-          <p:cNvSpPr>
-            <a:spLocks noGrp="1" noChangeArrowheads="1"/>
-          </p:cNvSpPr>
-          <p:nvPr>
-            <p:ph type="body" idx="1"/>
-          </p:nvPr>
-        </p:nvSpPr>
-        <p:spPr>
-          <a:xfrm>
-            <a:off x="395288" y="1412875"/>
-            <a:ext cx="8497887" cy="5184775"/>
-          </a:xfrm>
-        </p:spPr>
-        <p:txBody>
-          <a:bodyPr/>
-          <a:lstStyle/>
-          <a:p>
-            <a:pPr eaLnBrk="1" hangingPunct="1">
-              <a:buFont typeface="Wingdings" charset="0"/>
-              <a:buNone/>
-            </a:pPr>
-            <a:r>
-              <a:rPr lang="en-US" sz="3200" dirty="0">
-                <a:latin typeface="Calibri" charset="0"/>
-                <a:ea typeface="ＭＳ Ｐゴシック" charset="0"/>
-                <a:cs typeface="ＭＳ Ｐゴシック" charset="0"/>
-              </a:rPr>
-              <a:t>Turtle has special syntax to represent lists:</a:t>
-            </a:r>
-          </a:p>
-          <a:p>
-            <a:pPr eaLnBrk="1" hangingPunct="1">
-              <a:buFont typeface="Wingdings" charset="0"/>
-              <a:buNone/>
-            </a:pPr>
-            <a:endParaRPr lang="en-US" sz="1050" dirty="0">
-              <a:latin typeface="Calibri" charset="0"/>
-              <a:ea typeface="ＭＳ Ｐゴシック" charset="0"/>
-              <a:cs typeface="ＭＳ Ｐゴシック" charset="0"/>
-            </a:endParaRPr>
-          </a:p>
-          <a:p>
-            <a:pPr eaLnBrk="1" hangingPunct="1">
-              <a:buFont typeface="Wingdings" charset="0"/>
-              <a:buNone/>
-            </a:pPr>
-            <a:r>
-              <a:rPr lang="en-US" sz="2400" dirty="0">
-                <a:latin typeface="Calibri" charset="0"/>
-                <a:ea typeface="ＭＳ Ｐゴシック" charset="0"/>
-                <a:cs typeface="ＭＳ Ｐゴシック" charset="0"/>
-              </a:rPr>
-              <a:t>@prefix </a:t>
-            </a:r>
-            <a:r>
-              <a:rPr lang="en-US" sz="2400" dirty="0" err="1">
-                <a:latin typeface="Calibri" charset="0"/>
-                <a:ea typeface="ＭＳ Ｐゴシック" charset="0"/>
-                <a:cs typeface="ＭＳ Ｐゴシック" charset="0"/>
-              </a:rPr>
-              <a:t>rdf</a:t>
-            </a:r>
-            <a:r>
-              <a:rPr lang="en-US" sz="2400" dirty="0">
-                <a:latin typeface="Calibri" charset="0"/>
-                <a:ea typeface="ＭＳ Ｐゴシック" charset="0"/>
-                <a:cs typeface="ＭＳ Ｐゴシック" charset="0"/>
-              </a:rPr>
-              <a:t>: &lt;http://www.w3.org/1999/02/22-rdf-syntax-ns#&gt;.</a:t>
-            </a:r>
-          </a:p>
-          <a:p>
-            <a:pPr eaLnBrk="1" hangingPunct="1">
-              <a:buFont typeface="Wingdings" charset="0"/>
-              <a:buNone/>
-            </a:pPr>
-            <a:r>
-              <a:rPr lang="en-US" sz="2400" dirty="0">
-                <a:latin typeface="Calibri" charset="0"/>
-                <a:ea typeface="ＭＳ Ｐゴシック" charset="0"/>
-                <a:cs typeface="ＭＳ Ｐゴシック" charset="0"/>
-              </a:rPr>
-              <a:t>@prefix s:   &lt;http://</a:t>
-            </a:r>
-            <a:r>
-              <a:rPr lang="en-US" sz="2400" dirty="0" err="1">
-                <a:latin typeface="Calibri" charset="0"/>
-                <a:ea typeface="ＭＳ Ｐゴシック" charset="0"/>
-                <a:cs typeface="ＭＳ Ｐゴシック" charset="0"/>
-              </a:rPr>
-              <a:t>example.org</a:t>
-            </a:r>
-            <a:r>
-              <a:rPr lang="en-US" sz="2400" dirty="0">
-                <a:latin typeface="Calibri" charset="0"/>
-                <a:ea typeface="ＭＳ Ｐゴシック" charset="0"/>
-                <a:cs typeface="ＭＳ Ｐゴシック" charset="0"/>
-              </a:rPr>
-              <a:t>/students/vocab#&gt;.</a:t>
-            </a:r>
-          </a:p>
-          <a:p>
-            <a:pPr eaLnBrk="1" hangingPunct="1">
-              <a:buFont typeface="Wingdings" charset="0"/>
-              <a:buNone/>
-            </a:pPr>
-            <a:endParaRPr lang="en-US" sz="1600" dirty="0">
-              <a:latin typeface="Calibri" charset="0"/>
-              <a:ea typeface="ＭＳ Ｐゴシック" charset="0"/>
-              <a:cs typeface="ＭＳ Ｐゴシック" charset="0"/>
-            </a:endParaRPr>
-          </a:p>
-          <a:p>
-            <a:pPr eaLnBrk="1" hangingPunct="1">
-              <a:buFont typeface="Wingdings" charset="0"/>
-              <a:buNone/>
-            </a:pPr>
-            <a:r>
-              <a:rPr lang="en-US" dirty="0">
-                <a:latin typeface="Calibri" charset="0"/>
-                <a:ea typeface="ＭＳ Ｐゴシック" charset="0"/>
-                <a:cs typeface="ＭＳ Ｐゴシック" charset="0"/>
-              </a:rPr>
-              <a:t>&lt;http://</a:t>
-            </a:r>
-            <a:r>
-              <a:rPr lang="en-US" dirty="0" err="1">
-                <a:latin typeface="Calibri" charset="0"/>
-                <a:ea typeface="ＭＳ Ｐゴシック" charset="0"/>
-                <a:cs typeface="ＭＳ Ｐゴシック" charset="0"/>
-              </a:rPr>
-              <a:t>example.org</a:t>
-            </a:r>
-            <a:r>
-              <a:rPr lang="en-US" dirty="0">
-                <a:latin typeface="Calibri" charset="0"/>
-                <a:ea typeface="ＭＳ Ｐゴシック" charset="0"/>
-                <a:cs typeface="ＭＳ Ｐゴシック" charset="0"/>
-              </a:rPr>
-              <a:t>/courses/6.001&gt;</a:t>
-            </a:r>
-          </a:p>
-          <a:p>
-            <a:pPr eaLnBrk="1" hangingPunct="1">
-              <a:buFont typeface="Wingdings" charset="0"/>
-              <a:buNone/>
-            </a:pPr>
-            <a:r>
-              <a:rPr lang="en-US" dirty="0">
-                <a:latin typeface="Calibri" charset="0"/>
-                <a:ea typeface="ＭＳ Ｐゴシック" charset="0"/>
-                <a:cs typeface="ＭＳ Ｐゴシック" charset="0"/>
-              </a:rPr>
-              <a:t>    </a:t>
-            </a:r>
-            <a:r>
-              <a:rPr lang="en-US" dirty="0" err="1">
-                <a:latin typeface="Calibri" charset="0"/>
-                <a:ea typeface="ＭＳ Ｐゴシック" charset="0"/>
-                <a:cs typeface="ＭＳ Ｐゴシック" charset="0"/>
-              </a:rPr>
-              <a:t>s:students</a:t>
-            </a:r>
-            <a:r>
-              <a:rPr lang="en-US" dirty="0">
-                <a:latin typeface="Calibri" charset="0"/>
-                <a:ea typeface="ＭＳ Ｐゴシック" charset="0"/>
-                <a:cs typeface="ＭＳ Ｐゴシック" charset="0"/>
-              </a:rPr>
-              <a:t> (</a:t>
-            </a:r>
-          </a:p>
-          <a:p>
-            <a:pPr eaLnBrk="1" hangingPunct="1">
-              <a:buFont typeface="Wingdings" charset="0"/>
-              <a:buNone/>
-            </a:pPr>
-            <a:r>
-              <a:rPr lang="en-US" dirty="0">
-                <a:latin typeface="Calibri" charset="0"/>
-                <a:ea typeface="ＭＳ Ｐゴシック" charset="0"/>
-                <a:cs typeface="ＭＳ Ｐゴシック" charset="0"/>
-              </a:rPr>
-              <a:t>        &lt;http://</a:t>
-            </a:r>
-            <a:r>
-              <a:rPr lang="en-US" dirty="0" err="1">
-                <a:latin typeface="Calibri" charset="0"/>
-                <a:ea typeface="ＭＳ Ｐゴシック" charset="0"/>
-                <a:cs typeface="ＭＳ Ｐゴシック" charset="0"/>
-              </a:rPr>
-              <a:t>example.org</a:t>
-            </a:r>
-            <a:r>
-              <a:rPr lang="en-US" dirty="0">
-                <a:latin typeface="Calibri" charset="0"/>
-                <a:ea typeface="ＭＳ Ｐゴシック" charset="0"/>
-                <a:cs typeface="ＭＳ Ｐゴシック" charset="0"/>
-              </a:rPr>
-              <a:t>/students/Amy&gt;</a:t>
-            </a:r>
-          </a:p>
-          <a:p>
-            <a:pPr eaLnBrk="1" hangingPunct="1">
-              <a:buFont typeface="Wingdings" charset="0"/>
-              <a:buNone/>
-            </a:pPr>
-            <a:r>
-              <a:rPr lang="en-US" dirty="0">
-                <a:latin typeface="Calibri" charset="0"/>
-                <a:ea typeface="ＭＳ Ｐゴシック" charset="0"/>
-                <a:cs typeface="ＭＳ Ｐゴシック" charset="0"/>
-              </a:rPr>
-              <a:t>        &lt;http://</a:t>
-            </a:r>
-            <a:r>
-              <a:rPr lang="en-US" dirty="0" err="1">
-                <a:latin typeface="Calibri" charset="0"/>
-                <a:ea typeface="ＭＳ Ｐゴシック" charset="0"/>
-                <a:cs typeface="ＭＳ Ｐゴシック" charset="0"/>
-              </a:rPr>
-              <a:t>example.org</a:t>
-            </a:r>
-            <a:r>
-              <a:rPr lang="en-US" dirty="0">
-                <a:latin typeface="Calibri" charset="0"/>
-                <a:ea typeface="ＭＳ Ｐゴシック" charset="0"/>
-                <a:cs typeface="ＭＳ Ｐゴシック" charset="0"/>
-              </a:rPr>
-              <a:t>/students/Mohamed&gt;</a:t>
-            </a:r>
-          </a:p>
-          <a:p>
-            <a:pPr eaLnBrk="1" hangingPunct="1">
-              <a:buFont typeface="Wingdings" charset="0"/>
-              <a:buNone/>
-            </a:pPr>
-            <a:r>
-              <a:rPr lang="en-US" dirty="0">
-                <a:latin typeface="Calibri" charset="0"/>
-                <a:ea typeface="ＭＳ Ｐゴシック" charset="0"/>
-                <a:cs typeface="ＭＳ Ｐゴシック" charset="0"/>
-              </a:rPr>
-              <a:t>        &lt;http://</a:t>
-            </a:r>
-            <a:r>
-              <a:rPr lang="en-US" dirty="0" err="1">
-                <a:latin typeface="Calibri" charset="0"/>
-                <a:ea typeface="ＭＳ Ｐゴシック" charset="0"/>
-                <a:cs typeface="ＭＳ Ｐゴシック" charset="0"/>
-              </a:rPr>
-              <a:t>example.org</a:t>
-            </a:r>
-            <a:r>
-              <a:rPr lang="en-US" dirty="0">
-                <a:latin typeface="Calibri" charset="0"/>
-                <a:ea typeface="ＭＳ Ｐゴシック" charset="0"/>
-                <a:cs typeface="ＭＳ Ｐゴシック" charset="0"/>
-              </a:rPr>
-              <a:t>/students/Johann&gt;</a:t>
-            </a:r>
-          </a:p>
-          <a:p>
-            <a:pPr eaLnBrk="1" hangingPunct="1">
-              <a:buFont typeface="Wingdings" charset="0"/>
-              <a:buNone/>
-            </a:pPr>
-            <a:r>
-              <a:rPr lang="en-US" dirty="0">
-                <a:latin typeface="Calibri" charset="0"/>
-                <a:ea typeface="ＭＳ Ｐゴシック" charset="0"/>
-                <a:cs typeface="ＭＳ Ｐゴシック" charset="0"/>
-              </a:rPr>
-              <a:t>    ).</a:t>
-            </a:r>
-          </a:p>
-        </p:txBody>
-      </p:sp>
-    </p:spTree>
-  </p:cSld>
-  <p:clrMapOvr>
-    <a:masterClrMapping/>
-  </p:clrMapOvr>
-</p:sld>
-</file>
-
-<file path=ppt/slides/slide51.xml><?xml version="1.0" encoding="utf-8"?>
 <p:sld xmlns:a="http://schemas.openxmlformats.org/drawingml/2006/main" xmlns:r="http://schemas.openxmlformats.org/officeDocument/2006/relationships" xmlns:p="http://schemas.openxmlformats.org/presentationml/2006/main">
   <p:cSld>
     <p:bg>
@@ -20072,14 +19893,14 @@
           </a:ln>
           <a:extLst>
             <a:ext uri="{909E8E84-426E-40dd-AFC4-6F175D3DCCD1}">
-              <a14:hiddenFill xmlns:a14="http://schemas.microsoft.com/office/drawing/2010/main" xmlns="">
+              <a14:hiddenFill xmlns="" xmlns:a14="http://schemas.microsoft.com/office/drawing/2010/main">
                 <a:solidFill>
                   <a:srgbClr val="FFFFFF"/>
                 </a:solidFill>
               </a14:hiddenFill>
             </a:ext>
             <a:ext uri="{91240B29-F687-4f45-9708-019B960494DF}">
-              <a14:hiddenLine xmlns:a14="http://schemas.microsoft.com/office/drawing/2010/main" xmlns="" w="9525">
+              <a14:hiddenLine xmlns="" xmlns:a14="http://schemas.microsoft.com/office/drawing/2010/main" w="9525">
                 <a:solidFill>
                   <a:srgbClr val="000000"/>
                 </a:solidFill>
@@ -20221,7 +20042,7 @@
 </p:sld>
 </file>
 
-<file path=ppt/slides/slide52.xml><?xml version="1.0" encoding="utf-8"?>
+<file path=ppt/slides/slide51.xml><?xml version="1.0" encoding="utf-8"?>
 <p:sld xmlns:a="http://schemas.openxmlformats.org/drawingml/2006/main" xmlns:r="http://schemas.openxmlformats.org/officeDocument/2006/relationships" xmlns:p="http://schemas.openxmlformats.org/presentationml/2006/main">
   <p:cSld>
     <p:spTree>
@@ -20413,7 +20234,7 @@
 </p:sld>
 </file>
 
-<file path=ppt/slides/slide53.xml><?xml version="1.0" encoding="utf-8"?>
+<file path=ppt/slides/slide52.xml><?xml version="1.0" encoding="utf-8"?>
 <p:sld xmlns:a="http://schemas.openxmlformats.org/drawingml/2006/main" xmlns:r="http://schemas.openxmlformats.org/officeDocument/2006/relationships" xmlns:p="http://schemas.openxmlformats.org/presentationml/2006/main">
   <p:cSld>
     <p:spTree>
@@ -20596,6 +20417,42 @@
               </a:rPr>
               <a:t>Z</a:t>
             </a:r>
+          </a:p>
+          <a:p>
+            <a:r>
+              <a:rPr lang="en-GB" sz="3200" dirty="0">
+                <a:latin typeface="Calibri" charset="0"/>
+                <a:ea typeface="ＭＳ Ｐゴシック" charset="0"/>
+                <a:cs typeface="ＭＳ Ｐゴシック" charset="0"/>
+              </a:rPr>
+              <a:t>Example: </a:t>
+            </a:r>
+            <a:r>
+              <a:rPr lang="en-GB" sz="3200" b="1" dirty="0">
+                <a:latin typeface="Calibri" charset="0"/>
+                <a:ea typeface="ＭＳ Ｐゴシック" charset="0"/>
+                <a:cs typeface="ＭＳ Ｐゴシック" charset="0"/>
+              </a:rPr>
+              <a:t>between(NYC, Newark, Philadelphia)</a:t>
+            </a:r>
+            <a:r>
+              <a:rPr lang="en-GB" sz="3200" dirty="0">
+                <a:latin typeface="Calibri" charset="0"/>
+                <a:ea typeface="ＭＳ Ｐゴシック" charset="0"/>
+                <a:cs typeface="ＭＳ Ｐゴシック" charset="0"/>
+              </a:rPr>
+              <a:t> </a:t>
+            </a:r>
+            <a:endParaRPr lang="en-GB" sz="3200" b="1" dirty="0">
+              <a:latin typeface="Calibri" charset="0"/>
+              <a:ea typeface="ＭＳ Ｐゴシック" charset="0"/>
+              <a:cs typeface="ＭＳ Ｐゴシック" charset="0"/>
+            </a:endParaRPr>
+          </a:p>
+          <a:p>
+            <a:pPr marL="225425" lvl="1" indent="0">
+              <a:buNone/>
+            </a:pPr>
             <a:endParaRPr lang="el-GR" sz="2800" dirty="0">
               <a:latin typeface="Calibri" charset="0"/>
               <a:ea typeface="ＭＳ Ｐゴシック" charset="0"/>
@@ -20611,7 +20468,7 @@
 </p:sld>
 </file>
 
-<file path=ppt/slides/slide54.xml><?xml version="1.0" encoding="utf-8"?>
+<file path=ppt/slides/slide53.xml><?xml version="1.0" encoding="utf-8"?>
 <p:sld xmlns:a="http://schemas.openxmlformats.org/drawingml/2006/main" xmlns:r="http://schemas.openxmlformats.org/officeDocument/2006/relationships" xmlns:p="http://schemas.openxmlformats.org/presentationml/2006/main">
   <p:cSld>
     <p:spTree>
@@ -20845,14 +20702,14 @@
           </a:ln>
           <a:extLst>
             <a:ext uri="{909E8E84-426E-40dd-AFC4-6F175D3DCCD1}">
-              <a14:hiddenFill xmlns:a14="http://schemas.microsoft.com/office/drawing/2010/main" xmlns="">
+              <a14:hiddenFill xmlns="" xmlns:a14="http://schemas.microsoft.com/office/drawing/2010/main">
                 <a:solidFill>
                   <a:srgbClr val="FFFFFF"/>
                 </a:solidFill>
               </a14:hiddenFill>
             </a:ext>
             <a:ext uri="{91240B29-F687-4f45-9708-019B960494DF}">
-              <a14:hiddenLine xmlns:a14="http://schemas.microsoft.com/office/drawing/2010/main" xmlns="" w="9525">
+              <a14:hiddenLine xmlns="" xmlns:a14="http://schemas.microsoft.com/office/drawing/2010/main" w="9525">
                 <a:solidFill>
                   <a:srgbClr val="000000"/>
                 </a:solidFill>
@@ -20872,7 +20729,7 @@
 </p:sld>
 </file>
 
-<file path=ppt/slides/slide55.xml><?xml version="1.0" encoding="utf-8"?>
+<file path=ppt/slides/slide54.xml><?xml version="1.0" encoding="utf-8"?>
 <p:sld xmlns:a="http://schemas.openxmlformats.org/drawingml/2006/main" xmlns:r="http://schemas.openxmlformats.org/officeDocument/2006/relationships" xmlns:p="http://schemas.openxmlformats.org/presentationml/2006/main">
   <p:cSld>
     <p:spTree>
@@ -21012,7 +20869,7 @@
 </p:sld>
 </file>
 
-<file path=ppt/slides/slide56.xml><?xml version="1.0" encoding="utf-8"?>
+<file path=ppt/slides/slide55.xml><?xml version="1.0" encoding="utf-8"?>
 <p:sld xmlns:a="http://schemas.openxmlformats.org/drawingml/2006/main" xmlns:r="http://schemas.openxmlformats.org/officeDocument/2006/relationships" xmlns:p="http://schemas.openxmlformats.org/presentationml/2006/main">
   <p:cSld>
     <p:spTree>
@@ -21168,7 +21025,7 @@
 </p:sld>
 </file>
 
-<file path=ppt/slides/slide57.xml><?xml version="1.0" encoding="utf-8"?>
+<file path=ppt/slides/slide56.xml><?xml version="1.0" encoding="utf-8"?>
 <p:sld xmlns:a="http://schemas.openxmlformats.org/drawingml/2006/main" xmlns:r="http://schemas.openxmlformats.org/officeDocument/2006/relationships" xmlns:p="http://schemas.openxmlformats.org/presentationml/2006/main">
   <p:cSld>
     <p:spTree>
@@ -21307,14 +21164,14 @@
           </a:effectLst>
           <a:extLst>
             <a:ext uri="{909E8E84-426E-40dd-AFC4-6F175D3DCCD1}">
-              <a14:hiddenFill xmlns:a14="http://schemas.microsoft.com/office/drawing/2010/main" xmlns="">
+              <a14:hiddenFill xmlns="" xmlns:a14="http://schemas.microsoft.com/office/drawing/2010/main">
                 <a:solidFill>
                   <a:srgbClr val="FFFFFF"/>
                 </a:solidFill>
               </a14:hiddenFill>
             </a:ext>
             <a:ext uri="{91240B29-F687-4f45-9708-019B960494DF}">
-              <a14:hiddenLine xmlns:a14="http://schemas.microsoft.com/office/drawing/2010/main" xmlns="" w="9525">
+              <a14:hiddenLine xmlns="" xmlns:a14="http://schemas.microsoft.com/office/drawing/2010/main" w="9525">
                 <a:solidFill>
                   <a:srgbClr val="000000"/>
                 </a:solidFill>
@@ -21334,7 +21191,7 @@
 </p:sld>
 </file>
 
-<file path=ppt/slides/slide58.xml><?xml version="1.0" encoding="utf-8"?>
+<file path=ppt/slides/slide57.xml><?xml version="1.0" encoding="utf-8"?>
 <p:sld xmlns:a="http://schemas.openxmlformats.org/drawingml/2006/main" xmlns:r="http://schemas.openxmlformats.org/officeDocument/2006/relationships" xmlns:p="http://schemas.openxmlformats.org/presentationml/2006/main">
   <p:cSld>
     <p:spTree>
@@ -21493,7 +21350,7 @@
 </p:sld>
 </file>
 
-<file path=ppt/slides/slide59.xml><?xml version="1.0" encoding="utf-8"?>
+<file path=ppt/slides/slide58.xml><?xml version="1.0" encoding="utf-8"?>
 <p:sld xmlns:a="http://schemas.openxmlformats.org/drawingml/2006/main" xmlns:r="http://schemas.openxmlformats.org/officeDocument/2006/relationships" xmlns:p="http://schemas.openxmlformats.org/presentationml/2006/main">
   <p:cSld>
     <p:bg>
@@ -21542,14 +21399,14 @@
           </a:ln>
           <a:extLst>
             <a:ext uri="{909E8E84-426E-40dd-AFC4-6F175D3DCCD1}">
-              <a14:hiddenFill xmlns:a14="http://schemas.microsoft.com/office/drawing/2010/main" xmlns="">
+              <a14:hiddenFill xmlns="" xmlns:a14="http://schemas.microsoft.com/office/drawing/2010/main">
                 <a:solidFill>
                   <a:srgbClr val="FFFFFF"/>
                 </a:solidFill>
               </a14:hiddenFill>
             </a:ext>
             <a:ext uri="{91240B29-F687-4f45-9708-019B960494DF}">
-              <a14:hiddenLine xmlns:a14="http://schemas.microsoft.com/office/drawing/2010/main" xmlns="" w="9525">
+              <a14:hiddenLine xmlns="" xmlns:a14="http://schemas.microsoft.com/office/drawing/2010/main" w="9525">
                 <a:solidFill>
                   <a:srgbClr val="000000"/>
                 </a:solidFill>
@@ -21679,6 +21536,324 @@
                 <a:latin typeface="Calibri" charset="0"/>
               </a:rPr>
               <a:t>Conclusion</a:t>
+            </a:r>
+          </a:p>
+        </p:txBody>
+      </p:sp>
+    </p:spTree>
+  </p:cSld>
+  <p:clrMapOvr>
+    <a:masterClrMapping/>
+  </p:clrMapOvr>
+</p:sld>
+</file>
+
+<file path=ppt/slides/slide59.xml><?xml version="1.0" encoding="utf-8"?>
+<p:sld xmlns:a="http://schemas.openxmlformats.org/drawingml/2006/main" xmlns:r="http://schemas.openxmlformats.org/officeDocument/2006/relationships" xmlns:p="http://schemas.openxmlformats.org/presentationml/2006/main">
+  <p:cSld>
+    <p:spTree>
+      <p:nvGrpSpPr>
+        <p:cNvPr id="1" name=""/>
+        <p:cNvGrpSpPr/>
+        <p:nvPr/>
+      </p:nvGrpSpPr>
+      <p:grpSpPr>
+        <a:xfrm>
+          <a:off x="0" y="0"/>
+          <a:ext cx="0" cy="0"/>
+          <a:chOff x="0" y="0"/>
+          <a:chExt cx="0" cy="0"/>
+        </a:xfrm>
+      </p:grpSpPr>
+      <p:sp>
+        <p:nvSpPr>
+          <p:cNvPr id="75777" name="Rectangle 2"/>
+          <p:cNvSpPr>
+            <a:spLocks noGrp="1" noChangeArrowheads="1"/>
+          </p:cNvSpPr>
+          <p:nvPr>
+            <p:ph type="title"/>
+          </p:nvPr>
+        </p:nvSpPr>
+        <p:spPr/>
+        <p:txBody>
+          <a:bodyPr/>
+          <a:lstStyle/>
+          <a:p>
+            <a:pPr eaLnBrk="1" hangingPunct="1"/>
+            <a:r>
+              <a:rPr lang="en-US" sz="4400">
+                <a:latin typeface="Calibri" charset="0"/>
+                <a:ea typeface="ＭＳ Ｐゴシック" charset="0"/>
+                <a:cs typeface="ＭＳ Ｐゴシック" charset="0"/>
+              </a:rPr>
+              <a:t>Topics</a:t>
+            </a:r>
+            <a:endParaRPr lang="el-GR" sz="4400">
+              <a:latin typeface="Calibri" charset="0"/>
+              <a:ea typeface="ＭＳ Ｐゴシック" charset="0"/>
+              <a:cs typeface="ＭＳ Ｐゴシック" charset="0"/>
+            </a:endParaRPr>
+          </a:p>
+        </p:txBody>
+      </p:sp>
+      <p:sp>
+        <p:nvSpPr>
+          <p:cNvPr id="16386" name="Rectangle 3"/>
+          <p:cNvSpPr>
+            <a:spLocks noGrp="1" noChangeArrowheads="1"/>
+          </p:cNvSpPr>
+          <p:nvPr>
+            <p:ph type="body" idx="1"/>
+          </p:nvPr>
+        </p:nvSpPr>
+        <p:spPr>
+          <a:xfrm>
+            <a:off x="395288" y="1196975"/>
+            <a:ext cx="8424862" cy="5329238"/>
+          </a:xfrm>
+        </p:spPr>
+        <p:txBody>
+          <a:bodyPr/>
+          <a:lstStyle/>
+          <a:p>
+            <a:pPr eaLnBrk="1" hangingPunct="1">
+              <a:buFont typeface="Arial" charset="0"/>
+              <a:buChar char="•"/>
+              <a:defRPr/>
+            </a:pPr>
+            <a:r>
+              <a:rPr lang="en-US" dirty="0">
+                <a:solidFill>
+                  <a:schemeClr val="bg1">
+                    <a:lumMod val="50000"/>
+                  </a:schemeClr>
+                </a:solidFill>
+                <a:latin typeface="Calibri" charset="0"/>
+                <a:ea typeface="ＭＳ Ｐゴシック" charset="0"/>
+                <a:cs typeface="ＭＳ Ｐゴシック" charset="0"/>
+              </a:rPr>
+              <a:t>Basic concepts of RDF</a:t>
+            </a:r>
+          </a:p>
+          <a:p>
+            <a:pPr lvl="1" eaLnBrk="1" hangingPunct="1">
+              <a:buFont typeface="Arial" charset="0"/>
+              <a:buChar char="•"/>
+              <a:defRPr/>
+            </a:pPr>
+            <a:r>
+              <a:rPr lang="en-US" dirty="0">
+                <a:solidFill>
+                  <a:schemeClr val="bg1">
+                    <a:lumMod val="50000"/>
+                  </a:schemeClr>
+                </a:solidFill>
+                <a:latin typeface="Calibri" charset="0"/>
+                <a:ea typeface="ＭＳ Ｐゴシック" charset="0"/>
+              </a:rPr>
+              <a:t>Resources, properties, values, statements, triples</a:t>
+            </a:r>
+          </a:p>
+          <a:p>
+            <a:pPr lvl="1" eaLnBrk="1" hangingPunct="1">
+              <a:buFont typeface="Arial" charset="0"/>
+              <a:buChar char="•"/>
+              <a:defRPr/>
+            </a:pPr>
+            <a:r>
+              <a:rPr lang="en-US" dirty="0">
+                <a:solidFill>
+                  <a:schemeClr val="bg1">
+                    <a:lumMod val="50000"/>
+                  </a:schemeClr>
+                </a:solidFill>
+                <a:latin typeface="Calibri" charset="0"/>
+                <a:ea typeface="ＭＳ Ｐゴシック" charset="0"/>
+              </a:rPr>
+              <a:t>URIs and </a:t>
+            </a:r>
+            <a:r>
+              <a:rPr lang="en-US" dirty="0" err="1">
+                <a:solidFill>
+                  <a:schemeClr val="bg1">
+                    <a:lumMod val="50000"/>
+                  </a:schemeClr>
+                </a:solidFill>
+                <a:latin typeface="Calibri" charset="0"/>
+                <a:ea typeface="ＭＳ Ｐゴシック" charset="0"/>
+              </a:rPr>
+              <a:t>URIrefs</a:t>
+            </a:r>
+            <a:endParaRPr lang="en-US" dirty="0">
+              <a:solidFill>
+                <a:schemeClr val="bg1">
+                  <a:lumMod val="50000"/>
+                </a:schemeClr>
+              </a:solidFill>
+              <a:latin typeface="Calibri" charset="0"/>
+              <a:ea typeface="ＭＳ Ｐゴシック" charset="0"/>
+            </a:endParaRPr>
+          </a:p>
+          <a:p>
+            <a:pPr lvl="1" eaLnBrk="1" hangingPunct="1">
+              <a:buFont typeface="Arial" charset="0"/>
+              <a:buChar char="•"/>
+              <a:defRPr/>
+            </a:pPr>
+            <a:r>
+              <a:rPr lang="en-US" dirty="0">
+                <a:solidFill>
+                  <a:schemeClr val="bg1">
+                    <a:lumMod val="50000"/>
+                  </a:schemeClr>
+                </a:solidFill>
+                <a:latin typeface="Calibri" charset="0"/>
+                <a:ea typeface="ＭＳ Ｐゴシック" charset="0"/>
+              </a:rPr>
+              <a:t>RDF graphs</a:t>
+            </a:r>
+          </a:p>
+          <a:p>
+            <a:pPr lvl="1" eaLnBrk="1" hangingPunct="1">
+              <a:buFont typeface="Arial" charset="0"/>
+              <a:buChar char="•"/>
+              <a:defRPr/>
+            </a:pPr>
+            <a:r>
+              <a:rPr lang="en-US" dirty="0">
+                <a:solidFill>
+                  <a:schemeClr val="bg1">
+                    <a:lumMod val="50000"/>
+                  </a:schemeClr>
+                </a:solidFill>
+                <a:latin typeface="Calibri" charset="0"/>
+                <a:ea typeface="ＭＳ Ｐゴシック" charset="0"/>
+              </a:rPr>
+              <a:t>Literals, </a:t>
+            </a:r>
+            <a:r>
+              <a:rPr lang="en-US" dirty="0" err="1">
+                <a:solidFill>
+                  <a:schemeClr val="bg1">
+                    <a:lumMod val="50000"/>
+                  </a:schemeClr>
+                </a:solidFill>
+                <a:latin typeface="Calibri" charset="0"/>
+                <a:ea typeface="ＭＳ Ｐゴシック" charset="0"/>
+              </a:rPr>
+              <a:t>qnames</a:t>
+            </a:r>
+            <a:endParaRPr lang="en-US" dirty="0">
+              <a:solidFill>
+                <a:schemeClr val="bg1">
+                  <a:lumMod val="50000"/>
+                </a:schemeClr>
+              </a:solidFill>
+              <a:latin typeface="Calibri" charset="0"/>
+              <a:ea typeface="ＭＳ Ｐゴシック" charset="0"/>
+            </a:endParaRPr>
+          </a:p>
+          <a:p>
+            <a:pPr eaLnBrk="1" hangingPunct="1">
+              <a:buFont typeface="Arial" charset="0"/>
+              <a:buChar char="•"/>
+              <a:defRPr/>
+            </a:pPr>
+            <a:r>
+              <a:rPr lang="en-US" dirty="0">
+                <a:latin typeface="Calibri" charset="0"/>
+                <a:ea typeface="ＭＳ Ｐゴシック" charset="0"/>
+                <a:cs typeface="ＭＳ Ｐゴシック" charset="0"/>
+              </a:rPr>
+              <a:t>Vocabularies and modeling</a:t>
+            </a:r>
+          </a:p>
+          <a:p>
+            <a:pPr lvl="1" eaLnBrk="1" hangingPunct="1">
+              <a:buFont typeface="Arial" charset="0"/>
+              <a:buChar char="•"/>
+              <a:defRPr/>
+            </a:pPr>
+            <a:r>
+              <a:rPr lang="en-US" dirty="0">
+                <a:latin typeface="Calibri" charset="0"/>
+                <a:ea typeface="ＭＳ Ｐゴシック" charset="0"/>
+              </a:rPr>
+              <a:t>Vocabularies</a:t>
+            </a:r>
+          </a:p>
+          <a:p>
+            <a:pPr lvl="1" eaLnBrk="1" hangingPunct="1">
+              <a:buFont typeface="Arial" charset="0"/>
+              <a:buChar char="•"/>
+              <a:defRPr/>
+            </a:pPr>
+            <a:r>
+              <a:rPr lang="en-US" dirty="0">
+                <a:latin typeface="Calibri" charset="0"/>
+                <a:ea typeface="ＭＳ Ｐゴシック" charset="0"/>
+              </a:rPr>
+              <a:t>Blank nodes, data modeling, types, reification</a:t>
+            </a:r>
+          </a:p>
+          <a:p>
+            <a:pPr lvl="1" eaLnBrk="1" hangingPunct="1">
+              <a:buFont typeface="Arial" charset="0"/>
+              <a:buChar char="•"/>
+              <a:defRPr/>
+            </a:pPr>
+            <a:r>
+              <a:rPr lang="en-US" dirty="0">
+                <a:latin typeface="Calibri" charset="0"/>
+                <a:ea typeface="ＭＳ Ｐゴシック" charset="0"/>
+              </a:rPr>
+              <a:t>Lists, bags, collections</a:t>
+            </a:r>
+          </a:p>
+          <a:p>
+            <a:pPr eaLnBrk="1" hangingPunct="1">
+              <a:buFont typeface="Arial" charset="0"/>
+              <a:buChar char="•"/>
+              <a:defRPr/>
+            </a:pPr>
+            <a:r>
+              <a:rPr lang="en-US" dirty="0">
+                <a:latin typeface="Calibri" charset="0"/>
+                <a:ea typeface="ＭＳ Ｐゴシック" charset="0"/>
+                <a:cs typeface="ＭＳ Ｐゴシック" charset="0"/>
+              </a:rPr>
+              <a:t>Serialization of RDF graphs</a:t>
+            </a:r>
+          </a:p>
+          <a:p>
+            <a:pPr lvl="1" eaLnBrk="1" hangingPunct="1">
+              <a:buFont typeface="Arial" charset="0"/>
+              <a:buChar char="•"/>
+              <a:defRPr/>
+            </a:pPr>
+            <a:r>
+              <a:rPr lang="en-US" sz="2000" dirty="0">
+                <a:latin typeface="Calibri" charset="0"/>
+                <a:ea typeface="ＭＳ Ｐゴシック" charset="0"/>
+                <a:cs typeface="ＭＳ Ｐゴシック" charset="0"/>
+              </a:rPr>
+              <a:t>XML, Turtle, Ntriples</a:t>
+            </a:r>
+          </a:p>
+          <a:p>
+            <a:pPr eaLnBrk="1" hangingPunct="1">
+              <a:buFont typeface="Arial" charset="0"/>
+              <a:buChar char="•"/>
+              <a:defRPr/>
+            </a:pPr>
+            <a:r>
+              <a:rPr lang="en-US" dirty="0">
+                <a:latin typeface="Calibri" charset="0"/>
+                <a:ea typeface="ＭＳ Ｐゴシック" charset="0"/>
+                <a:cs typeface="ＭＳ Ｐゴシック" charset="0"/>
+              </a:rPr>
+              <a:t>Critique of RDF</a:t>
             </a:r>
           </a:p>
         </p:txBody>
@@ -21974,7 +22149,7 @@
                 <a:ea typeface="ＭＳ Ｐゴシック" charset="0"/>
                 <a:cs typeface="Calibri"/>
               </a:rPr>
-              <a:t>Create an address resource to attach the four predicates to and link that to </a:t>
+              <a:t>Create an address resource to attach four predicates to and link it to </a:t>
             </a:r>
             <a:r>
               <a:rPr lang="el-GR" sz="2800" dirty="0">
@@ -22027,324 +22202,6 @@
               <a:ea typeface="ＭＳ Ｐゴシック" charset="0"/>
               <a:cs typeface="Calibri"/>
             </a:endParaRPr>
-          </a:p>
-        </p:txBody>
-      </p:sp>
-    </p:spTree>
-  </p:cSld>
-  <p:clrMapOvr>
-    <a:masterClrMapping/>
-  </p:clrMapOvr>
-</p:sld>
-</file>
-
-<file path=ppt/slides/slide60.xml><?xml version="1.0" encoding="utf-8"?>
-<p:sld xmlns:a="http://schemas.openxmlformats.org/drawingml/2006/main" xmlns:r="http://schemas.openxmlformats.org/officeDocument/2006/relationships" xmlns:p="http://schemas.openxmlformats.org/presentationml/2006/main">
-  <p:cSld>
-    <p:spTree>
-      <p:nvGrpSpPr>
-        <p:cNvPr id="1" name=""/>
-        <p:cNvGrpSpPr/>
-        <p:nvPr/>
-      </p:nvGrpSpPr>
-      <p:grpSpPr>
-        <a:xfrm>
-          <a:off x="0" y="0"/>
-          <a:ext cx="0" cy="0"/>
-          <a:chOff x="0" y="0"/>
-          <a:chExt cx="0" cy="0"/>
-        </a:xfrm>
-      </p:grpSpPr>
-      <p:sp>
-        <p:nvSpPr>
-          <p:cNvPr id="75777" name="Rectangle 2"/>
-          <p:cNvSpPr>
-            <a:spLocks noGrp="1" noChangeArrowheads="1"/>
-          </p:cNvSpPr>
-          <p:nvPr>
-            <p:ph type="title"/>
-          </p:nvPr>
-        </p:nvSpPr>
-        <p:spPr/>
-        <p:txBody>
-          <a:bodyPr/>
-          <a:lstStyle/>
-          <a:p>
-            <a:pPr eaLnBrk="1" hangingPunct="1"/>
-            <a:r>
-              <a:rPr lang="en-US" sz="4400">
-                <a:latin typeface="Calibri" charset="0"/>
-                <a:ea typeface="ＭＳ Ｐゴシック" charset="0"/>
-                <a:cs typeface="ＭＳ Ｐゴシック" charset="0"/>
-              </a:rPr>
-              <a:t>Topics</a:t>
-            </a:r>
-            <a:endParaRPr lang="el-GR" sz="4400">
-              <a:latin typeface="Calibri" charset="0"/>
-              <a:ea typeface="ＭＳ Ｐゴシック" charset="0"/>
-              <a:cs typeface="ＭＳ Ｐゴシック" charset="0"/>
-            </a:endParaRPr>
-          </a:p>
-        </p:txBody>
-      </p:sp>
-      <p:sp>
-        <p:nvSpPr>
-          <p:cNvPr id="16386" name="Rectangle 3"/>
-          <p:cNvSpPr>
-            <a:spLocks noGrp="1" noChangeArrowheads="1"/>
-          </p:cNvSpPr>
-          <p:nvPr>
-            <p:ph type="body" idx="1"/>
-          </p:nvPr>
-        </p:nvSpPr>
-        <p:spPr>
-          <a:xfrm>
-            <a:off x="395288" y="1196975"/>
-            <a:ext cx="8424862" cy="5329238"/>
-          </a:xfrm>
-        </p:spPr>
-        <p:txBody>
-          <a:bodyPr/>
-          <a:lstStyle/>
-          <a:p>
-            <a:pPr eaLnBrk="1" hangingPunct="1">
-              <a:buFont typeface="Arial" charset="0"/>
-              <a:buChar char="•"/>
-              <a:defRPr/>
-            </a:pPr>
-            <a:r>
-              <a:rPr lang="en-US" dirty="0">
-                <a:solidFill>
-                  <a:schemeClr val="bg1">
-                    <a:lumMod val="50000"/>
-                  </a:schemeClr>
-                </a:solidFill>
-                <a:latin typeface="Calibri" charset="0"/>
-                <a:ea typeface="ＭＳ Ｐゴシック" charset="0"/>
-                <a:cs typeface="ＭＳ Ｐゴシック" charset="0"/>
-              </a:rPr>
-              <a:t>Basic concepts of RDF</a:t>
-            </a:r>
-          </a:p>
-          <a:p>
-            <a:pPr lvl="1" eaLnBrk="1" hangingPunct="1">
-              <a:buFont typeface="Arial" charset="0"/>
-              <a:buChar char="•"/>
-              <a:defRPr/>
-            </a:pPr>
-            <a:r>
-              <a:rPr lang="en-US" dirty="0">
-                <a:solidFill>
-                  <a:schemeClr val="bg1">
-                    <a:lumMod val="50000"/>
-                  </a:schemeClr>
-                </a:solidFill>
-                <a:latin typeface="Calibri" charset="0"/>
-                <a:ea typeface="ＭＳ Ｐゴシック" charset="0"/>
-              </a:rPr>
-              <a:t>Resources, properties, values, statements, triples</a:t>
-            </a:r>
-          </a:p>
-          <a:p>
-            <a:pPr lvl="1" eaLnBrk="1" hangingPunct="1">
-              <a:buFont typeface="Arial" charset="0"/>
-              <a:buChar char="•"/>
-              <a:defRPr/>
-            </a:pPr>
-            <a:r>
-              <a:rPr lang="en-US" dirty="0">
-                <a:solidFill>
-                  <a:schemeClr val="bg1">
-                    <a:lumMod val="50000"/>
-                  </a:schemeClr>
-                </a:solidFill>
-                <a:latin typeface="Calibri" charset="0"/>
-                <a:ea typeface="ＭＳ Ｐゴシック" charset="0"/>
-              </a:rPr>
-              <a:t>URIs and </a:t>
-            </a:r>
-            <a:r>
-              <a:rPr lang="en-US" dirty="0" err="1">
-                <a:solidFill>
-                  <a:schemeClr val="bg1">
-                    <a:lumMod val="50000"/>
-                  </a:schemeClr>
-                </a:solidFill>
-                <a:latin typeface="Calibri" charset="0"/>
-                <a:ea typeface="ＭＳ Ｐゴシック" charset="0"/>
-              </a:rPr>
-              <a:t>URIrefs</a:t>
-            </a:r>
-            <a:endParaRPr lang="en-US" dirty="0">
-              <a:solidFill>
-                <a:schemeClr val="bg1">
-                  <a:lumMod val="50000"/>
-                </a:schemeClr>
-              </a:solidFill>
-              <a:latin typeface="Calibri" charset="0"/>
-              <a:ea typeface="ＭＳ Ｐゴシック" charset="0"/>
-            </a:endParaRPr>
-          </a:p>
-          <a:p>
-            <a:pPr lvl="1" eaLnBrk="1" hangingPunct="1">
-              <a:buFont typeface="Arial" charset="0"/>
-              <a:buChar char="•"/>
-              <a:defRPr/>
-            </a:pPr>
-            <a:r>
-              <a:rPr lang="en-US" dirty="0">
-                <a:solidFill>
-                  <a:schemeClr val="bg1">
-                    <a:lumMod val="50000"/>
-                  </a:schemeClr>
-                </a:solidFill>
-                <a:latin typeface="Calibri" charset="0"/>
-                <a:ea typeface="ＭＳ Ｐゴシック" charset="0"/>
-              </a:rPr>
-              <a:t>RDF graphs</a:t>
-            </a:r>
-          </a:p>
-          <a:p>
-            <a:pPr lvl="1" eaLnBrk="1" hangingPunct="1">
-              <a:buFont typeface="Arial" charset="0"/>
-              <a:buChar char="•"/>
-              <a:defRPr/>
-            </a:pPr>
-            <a:r>
-              <a:rPr lang="en-US" dirty="0">
-                <a:solidFill>
-                  <a:schemeClr val="bg1">
-                    <a:lumMod val="50000"/>
-                  </a:schemeClr>
-                </a:solidFill>
-                <a:latin typeface="Calibri" charset="0"/>
-                <a:ea typeface="ＭＳ Ｐゴシック" charset="0"/>
-              </a:rPr>
-              <a:t>Literals, </a:t>
-            </a:r>
-            <a:r>
-              <a:rPr lang="en-US" dirty="0" err="1">
-                <a:solidFill>
-                  <a:schemeClr val="bg1">
-                    <a:lumMod val="50000"/>
-                  </a:schemeClr>
-                </a:solidFill>
-                <a:latin typeface="Calibri" charset="0"/>
-                <a:ea typeface="ＭＳ Ｐゴシック" charset="0"/>
-              </a:rPr>
-              <a:t>qnames</a:t>
-            </a:r>
-            <a:endParaRPr lang="en-US" dirty="0">
-              <a:solidFill>
-                <a:schemeClr val="bg1">
-                  <a:lumMod val="50000"/>
-                </a:schemeClr>
-              </a:solidFill>
-              <a:latin typeface="Calibri" charset="0"/>
-              <a:ea typeface="ＭＳ Ｐゴシック" charset="0"/>
-            </a:endParaRPr>
-          </a:p>
-          <a:p>
-            <a:pPr eaLnBrk="1" hangingPunct="1">
-              <a:buFont typeface="Arial" charset="0"/>
-              <a:buChar char="•"/>
-              <a:defRPr/>
-            </a:pPr>
-            <a:r>
-              <a:rPr lang="en-US" dirty="0">
-                <a:latin typeface="Calibri" charset="0"/>
-                <a:ea typeface="ＭＳ Ｐゴシック" charset="0"/>
-                <a:cs typeface="ＭＳ Ｐゴシック" charset="0"/>
-              </a:rPr>
-              <a:t>Vocabularies and modeling</a:t>
-            </a:r>
-          </a:p>
-          <a:p>
-            <a:pPr lvl="1" eaLnBrk="1" hangingPunct="1">
-              <a:buFont typeface="Arial" charset="0"/>
-              <a:buChar char="•"/>
-              <a:defRPr/>
-            </a:pPr>
-            <a:r>
-              <a:rPr lang="en-US" dirty="0">
-                <a:latin typeface="Calibri" charset="0"/>
-                <a:ea typeface="ＭＳ Ｐゴシック" charset="0"/>
-              </a:rPr>
-              <a:t>Vocabularies</a:t>
-            </a:r>
-          </a:p>
-          <a:p>
-            <a:pPr lvl="1" eaLnBrk="1" hangingPunct="1">
-              <a:buFont typeface="Arial" charset="0"/>
-              <a:buChar char="•"/>
-              <a:defRPr/>
-            </a:pPr>
-            <a:r>
-              <a:rPr lang="en-US" dirty="0">
-                <a:latin typeface="Calibri" charset="0"/>
-                <a:ea typeface="ＭＳ Ｐゴシック" charset="0"/>
-              </a:rPr>
-              <a:t>Blank nodes, data modeling, types, reification</a:t>
-            </a:r>
-          </a:p>
-          <a:p>
-            <a:pPr lvl="1" eaLnBrk="1" hangingPunct="1">
-              <a:buFont typeface="Arial" charset="0"/>
-              <a:buChar char="•"/>
-              <a:defRPr/>
-            </a:pPr>
-            <a:r>
-              <a:rPr lang="en-US" dirty="0">
-                <a:latin typeface="Calibri" charset="0"/>
-                <a:ea typeface="ＭＳ Ｐゴシック" charset="0"/>
-              </a:rPr>
-              <a:t>Lists, bags, collections</a:t>
-            </a:r>
-          </a:p>
-          <a:p>
-            <a:pPr eaLnBrk="1" hangingPunct="1">
-              <a:buFont typeface="Arial" charset="0"/>
-              <a:buChar char="•"/>
-              <a:defRPr/>
-            </a:pPr>
-            <a:r>
-              <a:rPr lang="en-US" dirty="0">
-                <a:latin typeface="Calibri" charset="0"/>
-                <a:ea typeface="ＭＳ Ｐゴシック" charset="0"/>
-                <a:cs typeface="ＭＳ Ｐゴシック" charset="0"/>
-              </a:rPr>
-              <a:t>Serialization of RDF graphs</a:t>
-            </a:r>
-          </a:p>
-          <a:p>
-            <a:pPr lvl="1" eaLnBrk="1" hangingPunct="1">
-              <a:buFont typeface="Arial" charset="0"/>
-              <a:buChar char="•"/>
-              <a:defRPr/>
-            </a:pPr>
-            <a:r>
-              <a:rPr lang="en-US" sz="2000" dirty="0">
-                <a:latin typeface="Calibri" charset="0"/>
-                <a:ea typeface="ＭＳ Ｐゴシック" charset="0"/>
-                <a:cs typeface="ＭＳ Ｐゴシック" charset="0"/>
-              </a:rPr>
-              <a:t>XML, Turtle, Ntriples</a:t>
-            </a:r>
-          </a:p>
-          <a:p>
-            <a:pPr eaLnBrk="1" hangingPunct="1">
-              <a:buFont typeface="Arial" charset="0"/>
-              <a:buChar char="•"/>
-              <a:defRPr/>
-            </a:pPr>
-            <a:r>
-              <a:rPr lang="en-US" dirty="0">
-                <a:latin typeface="Calibri" charset="0"/>
-                <a:ea typeface="ＭＳ Ｐゴシック" charset="0"/>
-                <a:cs typeface="ＭＳ Ｐゴシック" charset="0"/>
-              </a:rPr>
-              <a:t>Critique of RDF</a:t>
-            </a:r>
           </a:p>
         </p:txBody>
       </p:sp>

--- a/notes/04_rdf/04rdfSyntax2.pptx
+++ b/notes/04_rdf/04rdfSyntax2.pptx
@@ -616,10 +616,10 @@
           </a:ln>
           <a:extLst>
             <a:ext uri="{FAA26D3D-D897-4be2-8F04-BA451C77F1D7}">
-              <ma14:placeholderFlag xmlns="" xmlns:ma14="http://schemas.microsoft.com/office/mac/drawingml/2011/main" val="1"/>
+              <ma14:placeholderFlag xmlns:ma14="http://schemas.microsoft.com/office/mac/drawingml/2011/main" xmlns="" val="1"/>
             </a:ext>
             <a:ext uri="{909E8E84-426E-40dd-AFC4-6F175D3DCCD1}">
-              <a14:hiddenFill xmlns="" xmlns:a14="http://schemas.microsoft.com/office/drawing/2010/main">
+              <a14:hiddenFill xmlns:a14="http://schemas.microsoft.com/office/drawing/2010/main" xmlns="">
                 <a:solidFill>
                   <a:srgbClr val="FFFFFF"/>
                 </a:solidFill>
@@ -967,14 +967,14 @@
           <a:ln/>
           <a:extLst>
             <a:ext uri="{909E8E84-426E-40dd-AFC4-6F175D3DCCD1}">
-              <a14:hiddenFill xmlns="" xmlns:a14="http://schemas.microsoft.com/office/drawing/2010/main">
+              <a14:hiddenFill xmlns:a14="http://schemas.microsoft.com/office/drawing/2010/main" xmlns="">
                 <a:solidFill>
                   <a:srgbClr val="FFFFFF"/>
                 </a:solidFill>
               </a14:hiddenFill>
             </a:ext>
             <a:ext uri="{91240B29-F687-4f45-9708-019B960494DF}">
-              <a14:hiddenLine xmlns="" xmlns:a14="http://schemas.microsoft.com/office/drawing/2010/main" w="9525">
+              <a14:hiddenLine xmlns:a14="http://schemas.microsoft.com/office/drawing/2010/main" xmlns="" w="9525">
                 <a:solidFill>
                   <a:srgbClr val="000000"/>
                 </a:solidFill>
@@ -1139,17 +1139,17 @@
           <a:ln/>
           <a:extLst>
             <a:ext uri="{FAA26D3D-D897-4be2-8F04-BA451C77F1D7}">
-              <ma14:placeholderFlag xmlns="" xmlns:ma14="http://schemas.microsoft.com/office/mac/drawingml/2011/main" val="1"/>
+              <ma14:placeholderFlag xmlns:ma14="http://schemas.microsoft.com/office/mac/drawingml/2011/main" xmlns="" val="1"/>
             </a:ext>
             <a:ext uri="{909E8E84-426E-40dd-AFC4-6F175D3DCCD1}">
-              <a14:hiddenFill xmlns="" xmlns:a14="http://schemas.microsoft.com/office/drawing/2010/main">
+              <a14:hiddenFill xmlns:a14="http://schemas.microsoft.com/office/drawing/2010/main" xmlns="">
                 <a:solidFill>
                   <a:srgbClr val="FFFFFF"/>
                 </a:solidFill>
               </a14:hiddenFill>
             </a:ext>
             <a:ext uri="{91240B29-F687-4f45-9708-019B960494DF}">
-              <a14:hiddenLine xmlns="" xmlns:a14="http://schemas.microsoft.com/office/drawing/2010/main" w="9525">
+              <a14:hiddenLine xmlns:a14="http://schemas.microsoft.com/office/drawing/2010/main" xmlns="" w="9525">
                 <a:solidFill>
                   <a:srgbClr val="000000"/>
                 </a:solidFill>
@@ -1213,14 +1213,14 @@
           <a:ln/>
           <a:extLst>
             <a:ext uri="{909E8E84-426E-40dd-AFC4-6F175D3DCCD1}">
-              <a14:hiddenFill xmlns="" xmlns:a14="http://schemas.microsoft.com/office/drawing/2010/main">
+              <a14:hiddenFill xmlns:a14="http://schemas.microsoft.com/office/drawing/2010/main" xmlns="">
                 <a:solidFill>
                   <a:srgbClr val="FFFFFF"/>
                 </a:solidFill>
               </a14:hiddenFill>
             </a:ext>
             <a:ext uri="{91240B29-F687-4f45-9708-019B960494DF}">
-              <a14:hiddenLine xmlns="" xmlns:a14="http://schemas.microsoft.com/office/drawing/2010/main" w="9525">
+              <a14:hiddenLine xmlns:a14="http://schemas.microsoft.com/office/drawing/2010/main" xmlns="" w="9525">
                 <a:solidFill>
                   <a:srgbClr val="000000"/>
                 </a:solidFill>
@@ -1385,17 +1385,17 @@
           <a:ln/>
           <a:extLst>
             <a:ext uri="{FAA26D3D-D897-4be2-8F04-BA451C77F1D7}">
-              <ma14:placeholderFlag xmlns="" xmlns:ma14="http://schemas.microsoft.com/office/mac/drawingml/2011/main" val="1"/>
+              <ma14:placeholderFlag xmlns:ma14="http://schemas.microsoft.com/office/mac/drawingml/2011/main" xmlns="" val="1"/>
             </a:ext>
             <a:ext uri="{909E8E84-426E-40dd-AFC4-6F175D3DCCD1}">
-              <a14:hiddenFill xmlns="" xmlns:a14="http://schemas.microsoft.com/office/drawing/2010/main">
+              <a14:hiddenFill xmlns:a14="http://schemas.microsoft.com/office/drawing/2010/main" xmlns="">
                 <a:solidFill>
                   <a:srgbClr val="FFFFFF"/>
                 </a:solidFill>
               </a14:hiddenFill>
             </a:ext>
             <a:ext uri="{91240B29-F687-4f45-9708-019B960494DF}">
-              <a14:hiddenLine xmlns="" xmlns:a14="http://schemas.microsoft.com/office/drawing/2010/main" w="9525">
+              <a14:hiddenLine xmlns:a14="http://schemas.microsoft.com/office/drawing/2010/main" xmlns="" w="9525">
                 <a:solidFill>
                   <a:srgbClr val="000000"/>
                 </a:solidFill>
@@ -1459,14 +1459,14 @@
           <a:ln/>
           <a:extLst>
             <a:ext uri="{909E8E84-426E-40dd-AFC4-6F175D3DCCD1}">
-              <a14:hiddenFill xmlns="" xmlns:a14="http://schemas.microsoft.com/office/drawing/2010/main">
+              <a14:hiddenFill xmlns:a14="http://schemas.microsoft.com/office/drawing/2010/main" xmlns="">
                 <a:solidFill>
                   <a:srgbClr val="FFFFFF"/>
                 </a:solidFill>
               </a14:hiddenFill>
             </a:ext>
             <a:ext uri="{91240B29-F687-4f45-9708-019B960494DF}">
-              <a14:hiddenLine xmlns="" xmlns:a14="http://schemas.microsoft.com/office/drawing/2010/main" w="9525">
+              <a14:hiddenLine xmlns:a14="http://schemas.microsoft.com/office/drawing/2010/main" xmlns="" w="9525">
                 <a:solidFill>
                   <a:srgbClr val="000000"/>
                 </a:solidFill>
@@ -1631,17 +1631,17 @@
           <a:ln/>
           <a:extLst>
             <a:ext uri="{FAA26D3D-D897-4be2-8F04-BA451C77F1D7}">
-              <ma14:placeholderFlag xmlns="" xmlns:ma14="http://schemas.microsoft.com/office/mac/drawingml/2011/main" val="1"/>
+              <ma14:placeholderFlag xmlns:ma14="http://schemas.microsoft.com/office/mac/drawingml/2011/main" xmlns="" val="1"/>
             </a:ext>
             <a:ext uri="{909E8E84-426E-40dd-AFC4-6F175D3DCCD1}">
-              <a14:hiddenFill xmlns="" xmlns:a14="http://schemas.microsoft.com/office/drawing/2010/main">
+              <a14:hiddenFill xmlns:a14="http://schemas.microsoft.com/office/drawing/2010/main" xmlns="">
                 <a:solidFill>
                   <a:srgbClr val="FFFFFF"/>
                 </a:solidFill>
               </a14:hiddenFill>
             </a:ext>
             <a:ext uri="{91240B29-F687-4f45-9708-019B960494DF}">
-              <a14:hiddenLine xmlns="" xmlns:a14="http://schemas.microsoft.com/office/drawing/2010/main" w="9525">
+              <a14:hiddenLine xmlns:a14="http://schemas.microsoft.com/office/drawing/2010/main" xmlns="" w="9525">
                 <a:solidFill>
                   <a:srgbClr val="000000"/>
                 </a:solidFill>
@@ -1705,14 +1705,14 @@
           <a:ln/>
           <a:extLst>
             <a:ext uri="{909E8E84-426E-40dd-AFC4-6F175D3DCCD1}">
-              <a14:hiddenFill xmlns="" xmlns:a14="http://schemas.microsoft.com/office/drawing/2010/main">
+              <a14:hiddenFill xmlns:a14="http://schemas.microsoft.com/office/drawing/2010/main" xmlns="">
                 <a:solidFill>
                   <a:srgbClr val="FFFFFF"/>
                 </a:solidFill>
               </a14:hiddenFill>
             </a:ext>
             <a:ext uri="{91240B29-F687-4f45-9708-019B960494DF}">
-              <a14:hiddenLine xmlns="" xmlns:a14="http://schemas.microsoft.com/office/drawing/2010/main" w="9525">
+              <a14:hiddenLine xmlns:a14="http://schemas.microsoft.com/office/drawing/2010/main" xmlns="" w="9525">
                 <a:solidFill>
                   <a:srgbClr val="000000"/>
                 </a:solidFill>
@@ -1877,17 +1877,17 @@
           <a:ln/>
           <a:extLst>
             <a:ext uri="{FAA26D3D-D897-4be2-8F04-BA451C77F1D7}">
-              <ma14:placeholderFlag xmlns="" xmlns:ma14="http://schemas.microsoft.com/office/mac/drawingml/2011/main" val="1"/>
+              <ma14:placeholderFlag xmlns:ma14="http://schemas.microsoft.com/office/mac/drawingml/2011/main" xmlns="" val="1"/>
             </a:ext>
             <a:ext uri="{909E8E84-426E-40dd-AFC4-6F175D3DCCD1}">
-              <a14:hiddenFill xmlns="" xmlns:a14="http://schemas.microsoft.com/office/drawing/2010/main">
+              <a14:hiddenFill xmlns:a14="http://schemas.microsoft.com/office/drawing/2010/main" xmlns="">
                 <a:solidFill>
                   <a:srgbClr val="FFFFFF"/>
                 </a:solidFill>
               </a14:hiddenFill>
             </a:ext>
             <a:ext uri="{91240B29-F687-4f45-9708-019B960494DF}">
-              <a14:hiddenLine xmlns="" xmlns:a14="http://schemas.microsoft.com/office/drawing/2010/main" w="9525">
+              <a14:hiddenLine xmlns:a14="http://schemas.microsoft.com/office/drawing/2010/main" xmlns="" w="9525">
                 <a:solidFill>
                   <a:srgbClr val="000000"/>
                 </a:solidFill>
@@ -1951,14 +1951,14 @@
           <a:ln/>
           <a:extLst>
             <a:ext uri="{909E8E84-426E-40dd-AFC4-6F175D3DCCD1}">
-              <a14:hiddenFill xmlns="" xmlns:a14="http://schemas.microsoft.com/office/drawing/2010/main">
+              <a14:hiddenFill xmlns:a14="http://schemas.microsoft.com/office/drawing/2010/main" xmlns="">
                 <a:solidFill>
                   <a:srgbClr val="FFFFFF"/>
                 </a:solidFill>
               </a14:hiddenFill>
             </a:ext>
             <a:ext uri="{91240B29-F687-4f45-9708-019B960494DF}">
-              <a14:hiddenLine xmlns="" xmlns:a14="http://schemas.microsoft.com/office/drawing/2010/main" w="9525">
+              <a14:hiddenLine xmlns:a14="http://schemas.microsoft.com/office/drawing/2010/main" xmlns="" w="9525">
                 <a:solidFill>
                   <a:srgbClr val="000000"/>
                 </a:solidFill>
@@ -2123,17 +2123,17 @@
           <a:ln/>
           <a:extLst>
             <a:ext uri="{FAA26D3D-D897-4be2-8F04-BA451C77F1D7}">
-              <ma14:placeholderFlag xmlns="" xmlns:ma14="http://schemas.microsoft.com/office/mac/drawingml/2011/main" val="1"/>
+              <ma14:placeholderFlag xmlns:ma14="http://schemas.microsoft.com/office/mac/drawingml/2011/main" xmlns="" val="1"/>
             </a:ext>
             <a:ext uri="{909E8E84-426E-40dd-AFC4-6F175D3DCCD1}">
-              <a14:hiddenFill xmlns="" xmlns:a14="http://schemas.microsoft.com/office/drawing/2010/main">
+              <a14:hiddenFill xmlns:a14="http://schemas.microsoft.com/office/drawing/2010/main" xmlns="">
                 <a:solidFill>
                   <a:srgbClr val="FFFFFF"/>
                 </a:solidFill>
               </a14:hiddenFill>
             </a:ext>
             <a:ext uri="{91240B29-F687-4f45-9708-019B960494DF}">
-              <a14:hiddenLine xmlns="" xmlns:a14="http://schemas.microsoft.com/office/drawing/2010/main" w="9525">
+              <a14:hiddenLine xmlns:a14="http://schemas.microsoft.com/office/drawing/2010/main" xmlns="" w="9525">
                 <a:solidFill>
                   <a:srgbClr val="000000"/>
                 </a:solidFill>
@@ -2197,14 +2197,14 @@
           <a:ln/>
           <a:extLst>
             <a:ext uri="{909E8E84-426E-40dd-AFC4-6F175D3DCCD1}">
-              <a14:hiddenFill xmlns="" xmlns:a14="http://schemas.microsoft.com/office/drawing/2010/main">
+              <a14:hiddenFill xmlns:a14="http://schemas.microsoft.com/office/drawing/2010/main" xmlns="">
                 <a:solidFill>
                   <a:srgbClr val="FFFFFF"/>
                 </a:solidFill>
               </a14:hiddenFill>
             </a:ext>
             <a:ext uri="{91240B29-F687-4f45-9708-019B960494DF}">
-              <a14:hiddenLine xmlns="" xmlns:a14="http://schemas.microsoft.com/office/drawing/2010/main" w="9525">
+              <a14:hiddenLine xmlns:a14="http://schemas.microsoft.com/office/drawing/2010/main" xmlns="" w="9525">
                 <a:solidFill>
                   <a:srgbClr val="000000"/>
                 </a:solidFill>
@@ -2369,17 +2369,17 @@
           <a:ln/>
           <a:extLst>
             <a:ext uri="{FAA26D3D-D897-4be2-8F04-BA451C77F1D7}">
-              <ma14:placeholderFlag xmlns="" xmlns:ma14="http://schemas.microsoft.com/office/mac/drawingml/2011/main" val="1"/>
+              <ma14:placeholderFlag xmlns:ma14="http://schemas.microsoft.com/office/mac/drawingml/2011/main" xmlns="" val="1"/>
             </a:ext>
             <a:ext uri="{909E8E84-426E-40dd-AFC4-6F175D3DCCD1}">
-              <a14:hiddenFill xmlns="" xmlns:a14="http://schemas.microsoft.com/office/drawing/2010/main">
+              <a14:hiddenFill xmlns:a14="http://schemas.microsoft.com/office/drawing/2010/main" xmlns="">
                 <a:solidFill>
                   <a:srgbClr val="FFFFFF"/>
                 </a:solidFill>
               </a14:hiddenFill>
             </a:ext>
             <a:ext uri="{91240B29-F687-4f45-9708-019B960494DF}">
-              <a14:hiddenLine xmlns="" xmlns:a14="http://schemas.microsoft.com/office/drawing/2010/main" w="9525">
+              <a14:hiddenLine xmlns:a14="http://schemas.microsoft.com/office/drawing/2010/main" xmlns="" w="9525">
                 <a:solidFill>
                   <a:srgbClr val="000000"/>
                 </a:solidFill>
@@ -2443,14 +2443,14 @@
           <a:ln/>
           <a:extLst>
             <a:ext uri="{909E8E84-426E-40dd-AFC4-6F175D3DCCD1}">
-              <a14:hiddenFill xmlns="" xmlns:a14="http://schemas.microsoft.com/office/drawing/2010/main">
+              <a14:hiddenFill xmlns:a14="http://schemas.microsoft.com/office/drawing/2010/main" xmlns="">
                 <a:solidFill>
                   <a:srgbClr val="FFFFFF"/>
                 </a:solidFill>
               </a14:hiddenFill>
             </a:ext>
             <a:ext uri="{91240B29-F687-4f45-9708-019B960494DF}">
-              <a14:hiddenLine xmlns="" xmlns:a14="http://schemas.microsoft.com/office/drawing/2010/main" w="9525">
+              <a14:hiddenLine xmlns:a14="http://schemas.microsoft.com/office/drawing/2010/main" xmlns="" w="9525">
                 <a:solidFill>
                   <a:srgbClr val="000000"/>
                 </a:solidFill>
@@ -2615,17 +2615,17 @@
           <a:ln/>
           <a:extLst>
             <a:ext uri="{FAA26D3D-D897-4be2-8F04-BA451C77F1D7}">
-              <ma14:placeholderFlag xmlns="" xmlns:ma14="http://schemas.microsoft.com/office/mac/drawingml/2011/main" val="1"/>
+              <ma14:placeholderFlag xmlns:ma14="http://schemas.microsoft.com/office/mac/drawingml/2011/main" xmlns="" val="1"/>
             </a:ext>
             <a:ext uri="{909E8E84-426E-40dd-AFC4-6F175D3DCCD1}">
-              <a14:hiddenFill xmlns="" xmlns:a14="http://schemas.microsoft.com/office/drawing/2010/main">
+              <a14:hiddenFill xmlns:a14="http://schemas.microsoft.com/office/drawing/2010/main" xmlns="">
                 <a:solidFill>
                   <a:srgbClr val="FFFFFF"/>
                 </a:solidFill>
               </a14:hiddenFill>
             </a:ext>
             <a:ext uri="{91240B29-F687-4f45-9708-019B960494DF}">
-              <a14:hiddenLine xmlns="" xmlns:a14="http://schemas.microsoft.com/office/drawing/2010/main" w="9525">
+              <a14:hiddenLine xmlns:a14="http://schemas.microsoft.com/office/drawing/2010/main" xmlns="" w="9525">
                 <a:solidFill>
                   <a:srgbClr val="000000"/>
                 </a:solidFill>
@@ -2689,14 +2689,14 @@
           <a:ln/>
           <a:extLst>
             <a:ext uri="{909E8E84-426E-40dd-AFC4-6F175D3DCCD1}">
-              <a14:hiddenFill xmlns="" xmlns:a14="http://schemas.microsoft.com/office/drawing/2010/main">
+              <a14:hiddenFill xmlns:a14="http://schemas.microsoft.com/office/drawing/2010/main" xmlns="">
                 <a:solidFill>
                   <a:srgbClr val="FFFFFF"/>
                 </a:solidFill>
               </a14:hiddenFill>
             </a:ext>
             <a:ext uri="{91240B29-F687-4f45-9708-019B960494DF}">
-              <a14:hiddenLine xmlns="" xmlns:a14="http://schemas.microsoft.com/office/drawing/2010/main" w="9525">
+              <a14:hiddenLine xmlns:a14="http://schemas.microsoft.com/office/drawing/2010/main" xmlns="" w="9525">
                 <a:solidFill>
                   <a:srgbClr val="000000"/>
                 </a:solidFill>
@@ -2861,17 +2861,17 @@
           <a:ln/>
           <a:extLst>
             <a:ext uri="{FAA26D3D-D897-4be2-8F04-BA451C77F1D7}">
-              <ma14:placeholderFlag xmlns="" xmlns:ma14="http://schemas.microsoft.com/office/mac/drawingml/2011/main" val="1"/>
+              <ma14:placeholderFlag xmlns:ma14="http://schemas.microsoft.com/office/mac/drawingml/2011/main" xmlns="" val="1"/>
             </a:ext>
             <a:ext uri="{909E8E84-426E-40dd-AFC4-6F175D3DCCD1}">
-              <a14:hiddenFill xmlns="" xmlns:a14="http://schemas.microsoft.com/office/drawing/2010/main">
+              <a14:hiddenFill xmlns:a14="http://schemas.microsoft.com/office/drawing/2010/main" xmlns="">
                 <a:solidFill>
                   <a:srgbClr val="FFFFFF"/>
                 </a:solidFill>
               </a14:hiddenFill>
             </a:ext>
             <a:ext uri="{91240B29-F687-4f45-9708-019B960494DF}">
-              <a14:hiddenLine xmlns="" xmlns:a14="http://schemas.microsoft.com/office/drawing/2010/main" w="9525">
+              <a14:hiddenLine xmlns:a14="http://schemas.microsoft.com/office/drawing/2010/main" xmlns="" w="9525">
                 <a:solidFill>
                   <a:srgbClr val="000000"/>
                 </a:solidFill>
@@ -2949,17 +2949,17 @@
           <a:ln/>
           <a:extLst>
             <a:ext uri="{FAA26D3D-D897-4be2-8F04-BA451C77F1D7}">
-              <ma14:placeholderFlag xmlns="" xmlns:ma14="http://schemas.microsoft.com/office/mac/drawingml/2011/main" val="1"/>
+              <ma14:placeholderFlag xmlns:ma14="http://schemas.microsoft.com/office/mac/drawingml/2011/main" xmlns="" val="1"/>
             </a:ext>
             <a:ext uri="{909E8E84-426E-40dd-AFC4-6F175D3DCCD1}">
-              <a14:hiddenFill xmlns="" xmlns:a14="http://schemas.microsoft.com/office/drawing/2010/main">
+              <a14:hiddenFill xmlns:a14="http://schemas.microsoft.com/office/drawing/2010/main" xmlns="">
                 <a:solidFill>
                   <a:srgbClr val="FFFFFF"/>
                 </a:solidFill>
               </a14:hiddenFill>
             </a:ext>
             <a:ext uri="{91240B29-F687-4f45-9708-019B960494DF}">
-              <a14:hiddenLine xmlns="" xmlns:a14="http://schemas.microsoft.com/office/drawing/2010/main" w="9525">
+              <a14:hiddenLine xmlns:a14="http://schemas.microsoft.com/office/drawing/2010/main" xmlns="" w="9525">
                 <a:solidFill>
                   <a:srgbClr val="000000"/>
                 </a:solidFill>
@@ -2997,14 +2997,14 @@
           <a:ln/>
           <a:extLst>
             <a:ext uri="{909E8E84-426E-40dd-AFC4-6F175D3DCCD1}">
-              <a14:hiddenFill xmlns="" xmlns:a14="http://schemas.microsoft.com/office/drawing/2010/main">
+              <a14:hiddenFill xmlns:a14="http://schemas.microsoft.com/office/drawing/2010/main" xmlns="">
                 <a:solidFill>
                   <a:srgbClr val="FFFFFF"/>
                 </a:solidFill>
               </a14:hiddenFill>
             </a:ext>
             <a:ext uri="{91240B29-F687-4f45-9708-019B960494DF}">
-              <a14:hiddenLine xmlns="" xmlns:a14="http://schemas.microsoft.com/office/drawing/2010/main" w="9525">
+              <a14:hiddenLine xmlns:a14="http://schemas.microsoft.com/office/drawing/2010/main" xmlns="" w="9525">
                 <a:solidFill>
                   <a:srgbClr val="000000"/>
                 </a:solidFill>
@@ -3180,14 +3180,14 @@
           <a:ln/>
           <a:extLst>
             <a:ext uri="{909E8E84-426E-40dd-AFC4-6F175D3DCCD1}">
-              <a14:hiddenFill xmlns="" xmlns:a14="http://schemas.microsoft.com/office/drawing/2010/main">
+              <a14:hiddenFill xmlns:a14="http://schemas.microsoft.com/office/drawing/2010/main" xmlns="">
                 <a:solidFill>
                   <a:srgbClr val="FFFFFF"/>
                 </a:solidFill>
               </a14:hiddenFill>
             </a:ext>
             <a:ext uri="{91240B29-F687-4f45-9708-019B960494DF}">
-              <a14:hiddenLine xmlns="" xmlns:a14="http://schemas.microsoft.com/office/drawing/2010/main" w="9525">
+              <a14:hiddenLine xmlns:a14="http://schemas.microsoft.com/office/drawing/2010/main" xmlns="" w="9525">
                 <a:solidFill>
                   <a:srgbClr val="000000"/>
                 </a:solidFill>
@@ -3352,17 +3352,17 @@
           <a:ln/>
           <a:extLst>
             <a:ext uri="{FAA26D3D-D897-4be2-8F04-BA451C77F1D7}">
-              <ma14:placeholderFlag xmlns="" xmlns:ma14="http://schemas.microsoft.com/office/mac/drawingml/2011/main" val="1"/>
+              <ma14:placeholderFlag xmlns:ma14="http://schemas.microsoft.com/office/mac/drawingml/2011/main" xmlns="" val="1"/>
             </a:ext>
             <a:ext uri="{909E8E84-426E-40dd-AFC4-6F175D3DCCD1}">
-              <a14:hiddenFill xmlns="" xmlns:a14="http://schemas.microsoft.com/office/drawing/2010/main">
+              <a14:hiddenFill xmlns:a14="http://schemas.microsoft.com/office/drawing/2010/main" xmlns="">
                 <a:solidFill>
                   <a:srgbClr val="FFFFFF"/>
                 </a:solidFill>
               </a14:hiddenFill>
             </a:ext>
             <a:ext uri="{91240B29-F687-4f45-9708-019B960494DF}">
-              <a14:hiddenLine xmlns="" xmlns:a14="http://schemas.microsoft.com/office/drawing/2010/main" w="9525">
+              <a14:hiddenLine xmlns:a14="http://schemas.microsoft.com/office/drawing/2010/main" xmlns="" w="9525">
                 <a:solidFill>
                   <a:srgbClr val="000000"/>
                 </a:solidFill>
@@ -3426,14 +3426,14 @@
           <a:ln/>
           <a:extLst>
             <a:ext uri="{909E8E84-426E-40dd-AFC4-6F175D3DCCD1}">
-              <a14:hiddenFill xmlns="" xmlns:a14="http://schemas.microsoft.com/office/drawing/2010/main">
+              <a14:hiddenFill xmlns:a14="http://schemas.microsoft.com/office/drawing/2010/main" xmlns="">
                 <a:solidFill>
                   <a:srgbClr val="FFFFFF"/>
                 </a:solidFill>
               </a14:hiddenFill>
             </a:ext>
             <a:ext uri="{91240B29-F687-4f45-9708-019B960494DF}">
-              <a14:hiddenLine xmlns="" xmlns:a14="http://schemas.microsoft.com/office/drawing/2010/main" w="9525">
+              <a14:hiddenLine xmlns:a14="http://schemas.microsoft.com/office/drawing/2010/main" xmlns="" w="9525">
                 <a:solidFill>
                   <a:srgbClr val="000000"/>
                 </a:solidFill>
@@ -3598,17 +3598,17 @@
           <a:ln/>
           <a:extLst>
             <a:ext uri="{FAA26D3D-D897-4be2-8F04-BA451C77F1D7}">
-              <ma14:placeholderFlag xmlns="" xmlns:ma14="http://schemas.microsoft.com/office/mac/drawingml/2011/main" val="1"/>
+              <ma14:placeholderFlag xmlns:ma14="http://schemas.microsoft.com/office/mac/drawingml/2011/main" xmlns="" val="1"/>
             </a:ext>
             <a:ext uri="{909E8E84-426E-40dd-AFC4-6F175D3DCCD1}">
-              <a14:hiddenFill xmlns="" xmlns:a14="http://schemas.microsoft.com/office/drawing/2010/main">
+              <a14:hiddenFill xmlns:a14="http://schemas.microsoft.com/office/drawing/2010/main" xmlns="">
                 <a:solidFill>
                   <a:srgbClr val="FFFFFF"/>
                 </a:solidFill>
               </a14:hiddenFill>
             </a:ext>
             <a:ext uri="{91240B29-F687-4f45-9708-019B960494DF}">
-              <a14:hiddenLine xmlns="" xmlns:a14="http://schemas.microsoft.com/office/drawing/2010/main" w="9525">
+              <a14:hiddenLine xmlns:a14="http://schemas.microsoft.com/office/drawing/2010/main" xmlns="" w="9525">
                 <a:solidFill>
                   <a:srgbClr val="000000"/>
                 </a:solidFill>
@@ -3672,14 +3672,14 @@
           <a:ln/>
           <a:extLst>
             <a:ext uri="{909E8E84-426E-40dd-AFC4-6F175D3DCCD1}">
-              <a14:hiddenFill xmlns="" xmlns:a14="http://schemas.microsoft.com/office/drawing/2010/main">
+              <a14:hiddenFill xmlns:a14="http://schemas.microsoft.com/office/drawing/2010/main" xmlns="">
                 <a:solidFill>
                   <a:srgbClr val="FFFFFF"/>
                 </a:solidFill>
               </a14:hiddenFill>
             </a:ext>
             <a:ext uri="{91240B29-F687-4f45-9708-019B960494DF}">
-              <a14:hiddenLine xmlns="" xmlns:a14="http://schemas.microsoft.com/office/drawing/2010/main" w="9525">
+              <a14:hiddenLine xmlns:a14="http://schemas.microsoft.com/office/drawing/2010/main" xmlns="" w="9525">
                 <a:solidFill>
                   <a:srgbClr val="000000"/>
                 </a:solidFill>
@@ -3844,17 +3844,17 @@
           <a:ln/>
           <a:extLst>
             <a:ext uri="{FAA26D3D-D897-4be2-8F04-BA451C77F1D7}">
-              <ma14:placeholderFlag xmlns="" xmlns:ma14="http://schemas.microsoft.com/office/mac/drawingml/2011/main" val="1"/>
+              <ma14:placeholderFlag xmlns:ma14="http://schemas.microsoft.com/office/mac/drawingml/2011/main" xmlns="" val="1"/>
             </a:ext>
             <a:ext uri="{909E8E84-426E-40dd-AFC4-6F175D3DCCD1}">
-              <a14:hiddenFill xmlns="" xmlns:a14="http://schemas.microsoft.com/office/drawing/2010/main">
+              <a14:hiddenFill xmlns:a14="http://schemas.microsoft.com/office/drawing/2010/main" xmlns="">
                 <a:solidFill>
                   <a:srgbClr val="FFFFFF"/>
                 </a:solidFill>
               </a14:hiddenFill>
             </a:ext>
             <a:ext uri="{91240B29-F687-4f45-9708-019B960494DF}">
-              <a14:hiddenLine xmlns="" xmlns:a14="http://schemas.microsoft.com/office/drawing/2010/main" w="9525">
+              <a14:hiddenLine xmlns:a14="http://schemas.microsoft.com/office/drawing/2010/main" xmlns="" w="9525">
                 <a:solidFill>
                   <a:srgbClr val="000000"/>
                 </a:solidFill>
@@ -3918,14 +3918,14 @@
           <a:ln/>
           <a:extLst>
             <a:ext uri="{909E8E84-426E-40dd-AFC4-6F175D3DCCD1}">
-              <a14:hiddenFill xmlns="" xmlns:a14="http://schemas.microsoft.com/office/drawing/2010/main">
+              <a14:hiddenFill xmlns:a14="http://schemas.microsoft.com/office/drawing/2010/main" xmlns="">
                 <a:solidFill>
                   <a:srgbClr val="FFFFFF"/>
                 </a:solidFill>
               </a14:hiddenFill>
             </a:ext>
             <a:ext uri="{91240B29-F687-4f45-9708-019B960494DF}">
-              <a14:hiddenLine xmlns="" xmlns:a14="http://schemas.microsoft.com/office/drawing/2010/main" w="9525">
+              <a14:hiddenLine xmlns:a14="http://schemas.microsoft.com/office/drawing/2010/main" xmlns="" w="9525">
                 <a:solidFill>
                   <a:srgbClr val="000000"/>
                 </a:solidFill>
@@ -4090,17 +4090,17 @@
           <a:ln/>
           <a:extLst>
             <a:ext uri="{FAA26D3D-D897-4be2-8F04-BA451C77F1D7}">
-              <ma14:placeholderFlag xmlns="" xmlns:ma14="http://schemas.microsoft.com/office/mac/drawingml/2011/main" val="1"/>
+              <ma14:placeholderFlag xmlns:ma14="http://schemas.microsoft.com/office/mac/drawingml/2011/main" xmlns="" val="1"/>
             </a:ext>
             <a:ext uri="{909E8E84-426E-40dd-AFC4-6F175D3DCCD1}">
-              <a14:hiddenFill xmlns="" xmlns:a14="http://schemas.microsoft.com/office/drawing/2010/main">
+              <a14:hiddenFill xmlns:a14="http://schemas.microsoft.com/office/drawing/2010/main" xmlns="">
                 <a:solidFill>
                   <a:srgbClr val="FFFFFF"/>
                 </a:solidFill>
               </a14:hiddenFill>
             </a:ext>
             <a:ext uri="{91240B29-F687-4f45-9708-019B960494DF}">
-              <a14:hiddenLine xmlns="" xmlns:a14="http://schemas.microsoft.com/office/drawing/2010/main" w="9525">
+              <a14:hiddenLine xmlns:a14="http://schemas.microsoft.com/office/drawing/2010/main" xmlns="" w="9525">
                 <a:solidFill>
                   <a:srgbClr val="000000"/>
                 </a:solidFill>
@@ -4164,14 +4164,14 @@
           <a:ln/>
           <a:extLst>
             <a:ext uri="{909E8E84-426E-40dd-AFC4-6F175D3DCCD1}">
-              <a14:hiddenFill xmlns="" xmlns:a14="http://schemas.microsoft.com/office/drawing/2010/main">
+              <a14:hiddenFill xmlns:a14="http://schemas.microsoft.com/office/drawing/2010/main" xmlns="">
                 <a:solidFill>
                   <a:srgbClr val="FFFFFF"/>
                 </a:solidFill>
               </a14:hiddenFill>
             </a:ext>
             <a:ext uri="{91240B29-F687-4f45-9708-019B960494DF}">
-              <a14:hiddenLine xmlns="" xmlns:a14="http://schemas.microsoft.com/office/drawing/2010/main" w="9525">
+              <a14:hiddenLine xmlns:a14="http://schemas.microsoft.com/office/drawing/2010/main" xmlns="" w="9525">
                 <a:solidFill>
                   <a:srgbClr val="000000"/>
                 </a:solidFill>
@@ -4336,17 +4336,17 @@
           <a:ln/>
           <a:extLst>
             <a:ext uri="{FAA26D3D-D897-4be2-8F04-BA451C77F1D7}">
-              <ma14:placeholderFlag xmlns="" xmlns:ma14="http://schemas.microsoft.com/office/mac/drawingml/2011/main" val="1"/>
+              <ma14:placeholderFlag xmlns:ma14="http://schemas.microsoft.com/office/mac/drawingml/2011/main" xmlns="" val="1"/>
             </a:ext>
             <a:ext uri="{909E8E84-426E-40dd-AFC4-6F175D3DCCD1}">
-              <a14:hiddenFill xmlns="" xmlns:a14="http://schemas.microsoft.com/office/drawing/2010/main">
+              <a14:hiddenFill xmlns:a14="http://schemas.microsoft.com/office/drawing/2010/main" xmlns="">
                 <a:solidFill>
                   <a:srgbClr val="FFFFFF"/>
                 </a:solidFill>
               </a14:hiddenFill>
             </a:ext>
             <a:ext uri="{91240B29-F687-4f45-9708-019B960494DF}">
-              <a14:hiddenLine xmlns="" xmlns:a14="http://schemas.microsoft.com/office/drawing/2010/main" w="9525">
+              <a14:hiddenLine xmlns:a14="http://schemas.microsoft.com/office/drawing/2010/main" xmlns="" w="9525">
                 <a:solidFill>
                   <a:srgbClr val="000000"/>
                 </a:solidFill>
@@ -4410,14 +4410,14 @@
           <a:ln/>
           <a:extLst>
             <a:ext uri="{909E8E84-426E-40dd-AFC4-6F175D3DCCD1}">
-              <a14:hiddenFill xmlns="" xmlns:a14="http://schemas.microsoft.com/office/drawing/2010/main">
+              <a14:hiddenFill xmlns:a14="http://schemas.microsoft.com/office/drawing/2010/main" xmlns="">
                 <a:solidFill>
                   <a:srgbClr val="FFFFFF"/>
                 </a:solidFill>
               </a14:hiddenFill>
             </a:ext>
             <a:ext uri="{91240B29-F687-4f45-9708-019B960494DF}">
-              <a14:hiddenLine xmlns="" xmlns:a14="http://schemas.microsoft.com/office/drawing/2010/main" w="9525">
+              <a14:hiddenLine xmlns:a14="http://schemas.microsoft.com/office/drawing/2010/main" xmlns="" w="9525">
                 <a:solidFill>
                   <a:srgbClr val="000000"/>
                 </a:solidFill>
@@ -4582,17 +4582,17 @@
           <a:ln/>
           <a:extLst>
             <a:ext uri="{FAA26D3D-D897-4be2-8F04-BA451C77F1D7}">
-              <ma14:placeholderFlag xmlns="" xmlns:ma14="http://schemas.microsoft.com/office/mac/drawingml/2011/main" val="1"/>
+              <ma14:placeholderFlag xmlns:ma14="http://schemas.microsoft.com/office/mac/drawingml/2011/main" xmlns="" val="1"/>
             </a:ext>
             <a:ext uri="{909E8E84-426E-40dd-AFC4-6F175D3DCCD1}">
-              <a14:hiddenFill xmlns="" xmlns:a14="http://schemas.microsoft.com/office/drawing/2010/main">
+              <a14:hiddenFill xmlns:a14="http://schemas.microsoft.com/office/drawing/2010/main" xmlns="">
                 <a:solidFill>
                   <a:srgbClr val="FFFFFF"/>
                 </a:solidFill>
               </a14:hiddenFill>
             </a:ext>
             <a:ext uri="{91240B29-F687-4f45-9708-019B960494DF}">
-              <a14:hiddenLine xmlns="" xmlns:a14="http://schemas.microsoft.com/office/drawing/2010/main" w="9525">
+              <a14:hiddenLine xmlns:a14="http://schemas.microsoft.com/office/drawing/2010/main" xmlns="" w="9525">
                 <a:solidFill>
                   <a:srgbClr val="000000"/>
                 </a:solidFill>
@@ -4656,14 +4656,14 @@
           <a:ln/>
           <a:extLst>
             <a:ext uri="{909E8E84-426E-40dd-AFC4-6F175D3DCCD1}">
-              <a14:hiddenFill xmlns="" xmlns:a14="http://schemas.microsoft.com/office/drawing/2010/main">
+              <a14:hiddenFill xmlns:a14="http://schemas.microsoft.com/office/drawing/2010/main" xmlns="">
                 <a:solidFill>
                   <a:srgbClr val="FFFFFF"/>
                 </a:solidFill>
               </a14:hiddenFill>
             </a:ext>
             <a:ext uri="{91240B29-F687-4f45-9708-019B960494DF}">
-              <a14:hiddenLine xmlns="" xmlns:a14="http://schemas.microsoft.com/office/drawing/2010/main" w="9525">
+              <a14:hiddenLine xmlns:a14="http://schemas.microsoft.com/office/drawing/2010/main" xmlns="" w="9525">
                 <a:solidFill>
                   <a:srgbClr val="000000"/>
                 </a:solidFill>
@@ -4828,17 +4828,17 @@
           <a:ln/>
           <a:extLst>
             <a:ext uri="{FAA26D3D-D897-4be2-8F04-BA451C77F1D7}">
-              <ma14:placeholderFlag xmlns="" xmlns:ma14="http://schemas.microsoft.com/office/mac/drawingml/2011/main" val="1"/>
+              <ma14:placeholderFlag xmlns:ma14="http://schemas.microsoft.com/office/mac/drawingml/2011/main" xmlns="" val="1"/>
             </a:ext>
             <a:ext uri="{909E8E84-426E-40dd-AFC4-6F175D3DCCD1}">
-              <a14:hiddenFill xmlns="" xmlns:a14="http://schemas.microsoft.com/office/drawing/2010/main">
+              <a14:hiddenFill xmlns:a14="http://schemas.microsoft.com/office/drawing/2010/main" xmlns="">
                 <a:solidFill>
                   <a:srgbClr val="FFFFFF"/>
                 </a:solidFill>
               </a14:hiddenFill>
             </a:ext>
             <a:ext uri="{91240B29-F687-4f45-9708-019B960494DF}">
-              <a14:hiddenLine xmlns="" xmlns:a14="http://schemas.microsoft.com/office/drawing/2010/main" w="9525">
+              <a14:hiddenLine xmlns:a14="http://schemas.microsoft.com/office/drawing/2010/main" xmlns="" w="9525">
                 <a:solidFill>
                   <a:srgbClr val="000000"/>
                 </a:solidFill>
@@ -4902,14 +4902,14 @@
           <a:ln/>
           <a:extLst>
             <a:ext uri="{909E8E84-426E-40dd-AFC4-6F175D3DCCD1}">
-              <a14:hiddenFill xmlns="" xmlns:a14="http://schemas.microsoft.com/office/drawing/2010/main">
+              <a14:hiddenFill xmlns:a14="http://schemas.microsoft.com/office/drawing/2010/main" xmlns="">
                 <a:solidFill>
                   <a:srgbClr val="FFFFFF"/>
                 </a:solidFill>
               </a14:hiddenFill>
             </a:ext>
             <a:ext uri="{91240B29-F687-4f45-9708-019B960494DF}">
-              <a14:hiddenLine xmlns="" xmlns:a14="http://schemas.microsoft.com/office/drawing/2010/main" w="9525">
+              <a14:hiddenLine xmlns:a14="http://schemas.microsoft.com/office/drawing/2010/main" xmlns="" w="9525">
                 <a:solidFill>
                   <a:srgbClr val="000000"/>
                 </a:solidFill>
@@ -5074,17 +5074,17 @@
           <a:ln/>
           <a:extLst>
             <a:ext uri="{FAA26D3D-D897-4be2-8F04-BA451C77F1D7}">
-              <ma14:placeholderFlag xmlns="" xmlns:ma14="http://schemas.microsoft.com/office/mac/drawingml/2011/main" val="1"/>
+              <ma14:placeholderFlag xmlns:ma14="http://schemas.microsoft.com/office/mac/drawingml/2011/main" xmlns="" val="1"/>
             </a:ext>
             <a:ext uri="{909E8E84-426E-40dd-AFC4-6F175D3DCCD1}">
-              <a14:hiddenFill xmlns="" xmlns:a14="http://schemas.microsoft.com/office/drawing/2010/main">
+              <a14:hiddenFill xmlns:a14="http://schemas.microsoft.com/office/drawing/2010/main" xmlns="">
                 <a:solidFill>
                   <a:srgbClr val="FFFFFF"/>
                 </a:solidFill>
               </a14:hiddenFill>
             </a:ext>
             <a:ext uri="{91240B29-F687-4f45-9708-019B960494DF}">
-              <a14:hiddenLine xmlns="" xmlns:a14="http://schemas.microsoft.com/office/drawing/2010/main" w="9525">
+              <a14:hiddenLine xmlns:a14="http://schemas.microsoft.com/office/drawing/2010/main" xmlns="" w="9525">
                 <a:solidFill>
                   <a:srgbClr val="000000"/>
                 </a:solidFill>
@@ -5148,14 +5148,14 @@
           <a:ln/>
           <a:extLst>
             <a:ext uri="{909E8E84-426E-40dd-AFC4-6F175D3DCCD1}">
-              <a14:hiddenFill xmlns="" xmlns:a14="http://schemas.microsoft.com/office/drawing/2010/main">
+              <a14:hiddenFill xmlns:a14="http://schemas.microsoft.com/office/drawing/2010/main" xmlns="">
                 <a:solidFill>
                   <a:srgbClr val="FFFFFF"/>
                 </a:solidFill>
               </a14:hiddenFill>
             </a:ext>
             <a:ext uri="{91240B29-F687-4f45-9708-019B960494DF}">
-              <a14:hiddenLine xmlns="" xmlns:a14="http://schemas.microsoft.com/office/drawing/2010/main" w="9525">
+              <a14:hiddenLine xmlns:a14="http://schemas.microsoft.com/office/drawing/2010/main" xmlns="" w="9525">
                 <a:solidFill>
                   <a:srgbClr val="000000"/>
                 </a:solidFill>
@@ -5320,17 +5320,17 @@
           <a:ln/>
           <a:extLst>
             <a:ext uri="{FAA26D3D-D897-4be2-8F04-BA451C77F1D7}">
-              <ma14:placeholderFlag xmlns="" xmlns:ma14="http://schemas.microsoft.com/office/mac/drawingml/2011/main" val="1"/>
+              <ma14:placeholderFlag xmlns:ma14="http://schemas.microsoft.com/office/mac/drawingml/2011/main" xmlns="" val="1"/>
             </a:ext>
             <a:ext uri="{909E8E84-426E-40dd-AFC4-6F175D3DCCD1}">
-              <a14:hiddenFill xmlns="" xmlns:a14="http://schemas.microsoft.com/office/drawing/2010/main">
+              <a14:hiddenFill xmlns:a14="http://schemas.microsoft.com/office/drawing/2010/main" xmlns="">
                 <a:solidFill>
                   <a:srgbClr val="FFFFFF"/>
                 </a:solidFill>
               </a14:hiddenFill>
             </a:ext>
             <a:ext uri="{91240B29-F687-4f45-9708-019B960494DF}">
-              <a14:hiddenLine xmlns="" xmlns:a14="http://schemas.microsoft.com/office/drawing/2010/main" w="9525">
+              <a14:hiddenLine xmlns:a14="http://schemas.microsoft.com/office/drawing/2010/main" xmlns="" w="9525">
                 <a:solidFill>
                   <a:srgbClr val="000000"/>
                 </a:solidFill>
@@ -7019,10 +7019,10 @@
           </a:ln>
           <a:extLst>
             <a:ext uri="{FAA26D3D-D897-4be2-8F04-BA451C77F1D7}">
-              <ma14:placeholderFlag xmlns="" xmlns:ma14="http://schemas.microsoft.com/office/mac/drawingml/2011/main" val="1"/>
+              <ma14:placeholderFlag xmlns:ma14="http://schemas.microsoft.com/office/mac/drawingml/2011/main" xmlns="" val="1"/>
             </a:ext>
             <a:ext uri="{91240B29-F687-4f45-9708-019B960494DF}">
-              <a14:hiddenLine xmlns="" xmlns:a14="http://schemas.microsoft.com/office/drawing/2010/main" w="9525">
+              <a14:hiddenLine xmlns:a14="http://schemas.microsoft.com/office/drawing/2010/main" xmlns="" w="9525">
                 <a:solidFill>
                   <a:srgbClr val="000000"/>
                 </a:solidFill>
@@ -7073,17 +7073,17 @@
           </a:ln>
           <a:extLst>
             <a:ext uri="{FAA26D3D-D897-4be2-8F04-BA451C77F1D7}">
-              <ma14:placeholderFlag xmlns="" xmlns:ma14="http://schemas.microsoft.com/office/mac/drawingml/2011/main" val="1"/>
+              <ma14:placeholderFlag xmlns:ma14="http://schemas.microsoft.com/office/mac/drawingml/2011/main" xmlns="" val="1"/>
             </a:ext>
             <a:ext uri="{909E8E84-426E-40dd-AFC4-6F175D3DCCD1}">
-              <a14:hiddenFill xmlns="" xmlns:a14="http://schemas.microsoft.com/office/drawing/2010/main">
+              <a14:hiddenFill xmlns:a14="http://schemas.microsoft.com/office/drawing/2010/main" xmlns="">
                 <a:solidFill>
                   <a:srgbClr val="FFFFFF"/>
                 </a:solidFill>
               </a14:hiddenFill>
             </a:ext>
             <a:ext uri="{91240B29-F687-4f45-9708-019B960494DF}">
-              <a14:hiddenLine xmlns="" xmlns:a14="http://schemas.microsoft.com/office/drawing/2010/main" w="9525">
+              <a14:hiddenLine xmlns:a14="http://schemas.microsoft.com/office/drawing/2010/main" xmlns="" w="9525">
                 <a:solidFill>
                   <a:srgbClr val="000000"/>
                 </a:solidFill>
@@ -7644,7 +7644,7 @@
           <a:noFill/>
           <a:extLst>
             <a:ext uri="{909E8E84-426E-40dd-AFC4-6F175D3DCCD1}">
-              <a14:hiddenFill xmlns="" xmlns:a14="http://schemas.microsoft.com/office/drawing/2010/main">
+              <a14:hiddenFill xmlns:a14="http://schemas.microsoft.com/office/drawing/2010/main" xmlns="">
                 <a:solidFill>
                   <a:srgbClr val="E1F4FF"/>
                 </a:solidFill>
@@ -7737,14 +7737,14 @@
           </a:ln>
           <a:extLst>
             <a:ext uri="{909E8E84-426E-40dd-AFC4-6F175D3DCCD1}">
-              <a14:hiddenFill xmlns="" xmlns:a14="http://schemas.microsoft.com/office/drawing/2010/main">
+              <a14:hiddenFill xmlns:a14="http://schemas.microsoft.com/office/drawing/2010/main" xmlns="">
                 <a:solidFill>
                   <a:srgbClr val="FFFFFF"/>
                 </a:solidFill>
               </a14:hiddenFill>
             </a:ext>
             <a:ext uri="{91240B29-F687-4f45-9708-019B960494DF}">
-              <a14:hiddenLine xmlns="" xmlns:a14="http://schemas.microsoft.com/office/drawing/2010/main" w="9525">
+              <a14:hiddenLine xmlns:a14="http://schemas.microsoft.com/office/drawing/2010/main" xmlns="" w="9525">
                 <a:solidFill>
                   <a:srgbClr val="000000"/>
                 </a:solidFill>
@@ -7802,14 +7802,14 @@
           <a:noFill/>
           <a:extLst>
             <a:ext uri="{909E8E84-426E-40dd-AFC4-6F175D3DCCD1}">
-              <a14:hiddenFill xmlns="" xmlns:a14="http://schemas.microsoft.com/office/drawing/2010/main">
+              <a14:hiddenFill xmlns:a14="http://schemas.microsoft.com/office/drawing/2010/main" xmlns="">
                 <a:solidFill>
                   <a:srgbClr val="FFFFFF"/>
                 </a:solidFill>
               </a14:hiddenFill>
             </a:ext>
             <a:ext uri="{91240B29-F687-4f45-9708-019B960494DF}">
-              <a14:hiddenLine xmlns="" xmlns:a14="http://schemas.microsoft.com/office/drawing/2010/main" w="9525">
+              <a14:hiddenLine xmlns:a14="http://schemas.microsoft.com/office/drawing/2010/main" xmlns="" w="9525">
                 <a:solidFill>
                   <a:srgbClr val="000000"/>
                 </a:solidFill>
@@ -9151,14 +9151,14 @@
           </a:ln>
           <a:extLst>
             <a:ext uri="{909E8E84-426E-40dd-AFC4-6F175D3DCCD1}">
-              <a14:hiddenFill xmlns="" xmlns:a14="http://schemas.microsoft.com/office/drawing/2010/main">
+              <a14:hiddenFill xmlns:a14="http://schemas.microsoft.com/office/drawing/2010/main" xmlns="">
                 <a:solidFill>
                   <a:srgbClr val="FFFFFF"/>
                 </a:solidFill>
               </a14:hiddenFill>
             </a:ext>
             <a:ext uri="{91240B29-F687-4f45-9708-019B960494DF}">
-              <a14:hiddenLine xmlns="" xmlns:a14="http://schemas.microsoft.com/office/drawing/2010/main" w="9525">
+              <a14:hiddenLine xmlns:a14="http://schemas.microsoft.com/office/drawing/2010/main" xmlns="" w="9525">
                 <a:solidFill>
                   <a:srgbClr val="000000"/>
                 </a:solidFill>
@@ -9314,14 +9314,14 @@
           </a:ln>
           <a:extLst>
             <a:ext uri="{909E8E84-426E-40dd-AFC4-6F175D3DCCD1}">
-              <a14:hiddenFill xmlns="" xmlns:a14="http://schemas.microsoft.com/office/drawing/2010/main">
+              <a14:hiddenFill xmlns:a14="http://schemas.microsoft.com/office/drawing/2010/main" xmlns="">
                 <a:solidFill>
                   <a:srgbClr val="FFFFFF"/>
                 </a:solidFill>
               </a14:hiddenFill>
             </a:ext>
             <a:ext uri="{91240B29-F687-4f45-9708-019B960494DF}">
-              <a14:hiddenLine xmlns="" xmlns:a14="http://schemas.microsoft.com/office/drawing/2010/main" w="9525">
+              <a14:hiddenLine xmlns:a14="http://schemas.microsoft.com/office/drawing/2010/main" xmlns="" w="9525">
                 <a:solidFill>
                   <a:srgbClr val="000000"/>
                 </a:solidFill>
@@ -12008,14 +12008,14 @@
           </a:ln>
           <a:extLst>
             <a:ext uri="{909E8E84-426E-40dd-AFC4-6F175D3DCCD1}">
-              <a14:hiddenFill xmlns="" xmlns:a14="http://schemas.microsoft.com/office/drawing/2010/main">
+              <a14:hiddenFill xmlns:a14="http://schemas.microsoft.com/office/drawing/2010/main" xmlns="">
                 <a:solidFill>
                   <a:srgbClr val="FFFFFF"/>
                 </a:solidFill>
               </a14:hiddenFill>
             </a:ext>
             <a:ext uri="{91240B29-F687-4f45-9708-019B960494DF}">
-              <a14:hiddenLine xmlns="" xmlns:a14="http://schemas.microsoft.com/office/drawing/2010/main" w="9525">
+              <a14:hiddenLine xmlns:a14="http://schemas.microsoft.com/office/drawing/2010/main" xmlns="" w="9525">
                 <a:solidFill>
                   <a:srgbClr val="000000"/>
                 </a:solidFill>
@@ -12523,14 +12523,14 @@
           </a:ln>
           <a:extLst>
             <a:ext uri="{909E8E84-426E-40dd-AFC4-6F175D3DCCD1}">
-              <a14:hiddenFill xmlns="" xmlns:a14="http://schemas.microsoft.com/office/drawing/2010/main">
+              <a14:hiddenFill xmlns:a14="http://schemas.microsoft.com/office/drawing/2010/main" xmlns="">
                 <a:solidFill>
                   <a:srgbClr val="FFFFFF"/>
                 </a:solidFill>
               </a14:hiddenFill>
             </a:ext>
             <a:ext uri="{91240B29-F687-4f45-9708-019B960494DF}">
-              <a14:hiddenLine xmlns="" xmlns:a14="http://schemas.microsoft.com/office/drawing/2010/main" w="9525">
+              <a14:hiddenLine xmlns:a14="http://schemas.microsoft.com/office/drawing/2010/main" xmlns="" w="9525">
                 <a:solidFill>
                   <a:srgbClr val="000000"/>
                 </a:solidFill>
@@ -13158,14 +13158,14 @@
           </a:ln>
           <a:extLst>
             <a:ext uri="{909E8E84-426E-40dd-AFC4-6F175D3DCCD1}">
-              <a14:hiddenFill xmlns="" xmlns:a14="http://schemas.microsoft.com/office/drawing/2010/main">
+              <a14:hiddenFill xmlns:a14="http://schemas.microsoft.com/office/drawing/2010/main" xmlns="">
                 <a:solidFill>
                   <a:srgbClr val="FFFFFF"/>
                 </a:solidFill>
               </a14:hiddenFill>
             </a:ext>
             <a:ext uri="{91240B29-F687-4f45-9708-019B960494DF}">
-              <a14:hiddenLine xmlns="" xmlns:a14="http://schemas.microsoft.com/office/drawing/2010/main" w="9525">
+              <a14:hiddenLine xmlns:a14="http://schemas.microsoft.com/office/drawing/2010/main" xmlns="" w="9525">
                 <a:solidFill>
                   <a:srgbClr val="000000"/>
                 </a:solidFill>
@@ -13698,14 +13698,14 @@
           </a:ln>
           <a:extLst>
             <a:ext uri="{909E8E84-426E-40dd-AFC4-6F175D3DCCD1}">
-              <a14:hiddenFill xmlns="" xmlns:a14="http://schemas.microsoft.com/office/drawing/2010/main">
+              <a14:hiddenFill xmlns:a14="http://schemas.microsoft.com/office/drawing/2010/main" xmlns="">
                 <a:solidFill>
                   <a:srgbClr val="FFFFFF"/>
                 </a:solidFill>
               </a14:hiddenFill>
             </a:ext>
             <a:ext uri="{91240B29-F687-4f45-9708-019B960494DF}">
-              <a14:hiddenLine xmlns="" xmlns:a14="http://schemas.microsoft.com/office/drawing/2010/main" w="9525">
+              <a14:hiddenLine xmlns:a14="http://schemas.microsoft.com/office/drawing/2010/main" xmlns="" w="9525">
                 <a:solidFill>
                   <a:srgbClr val="000000"/>
                 </a:solidFill>
@@ -14405,7 +14405,12 @@
             <p:ph idx="1"/>
           </p:nvPr>
         </p:nvSpPr>
-        <p:spPr/>
+        <p:spPr>
+          <a:xfrm>
+            <a:off x="395287" y="1268760"/>
+            <a:ext cx="8353425" cy="5328890"/>
+          </a:xfrm>
+        </p:spPr>
         <p:txBody>
           <a:bodyPr/>
           <a:lstStyle/>
@@ -14838,7 +14843,7 @@
             <a:pPr lvl="1"/>
             <a:r>
               <a:rPr lang="en-US" sz="2800" dirty="0"/>
-              <a:t>E.g., Protégé, Jena, Sesame, </a:t>
+              <a:t>E.g., Protégé, Jena, Sesame, Amazon Neptune, and more</a:t>
             </a:r>
             <a:endParaRPr lang="is-IS" sz="2800" dirty="0"/>
           </a:p>
@@ -14934,14 +14939,14 @@
           </a:ln>
           <a:extLst>
             <a:ext uri="{909E8E84-426E-40dd-AFC4-6F175D3DCCD1}">
-              <a14:hiddenFill xmlns="" xmlns:a14="http://schemas.microsoft.com/office/drawing/2010/main">
+              <a14:hiddenFill xmlns:a14="http://schemas.microsoft.com/office/drawing/2010/main" xmlns="">
                 <a:solidFill>
                   <a:srgbClr val="FFFFFF"/>
                 </a:solidFill>
               </a14:hiddenFill>
             </a:ext>
             <a:ext uri="{91240B29-F687-4f45-9708-019B960494DF}">
-              <a14:hiddenLine xmlns="" xmlns:a14="http://schemas.microsoft.com/office/drawing/2010/main" w="9525">
+              <a14:hiddenLine xmlns:a14="http://schemas.microsoft.com/office/drawing/2010/main" xmlns="" w="9525">
                 <a:solidFill>
                   <a:srgbClr val="000000"/>
                 </a:solidFill>
@@ -15132,14 +15137,14 @@
           </a:ln>
           <a:extLst>
             <a:ext uri="{909E8E84-426E-40dd-AFC4-6F175D3DCCD1}">
-              <a14:hiddenFill xmlns="" xmlns:a14="http://schemas.microsoft.com/office/drawing/2010/main">
+              <a14:hiddenFill xmlns:a14="http://schemas.microsoft.com/office/drawing/2010/main" xmlns="">
                 <a:solidFill>
                   <a:srgbClr val="FFFFFF"/>
                 </a:solidFill>
               </a14:hiddenFill>
             </a:ext>
             <a:ext uri="{91240B29-F687-4f45-9708-019B960494DF}">
-              <a14:hiddenLine xmlns="" xmlns:a14="http://schemas.microsoft.com/office/drawing/2010/main" w="9525">
+              <a14:hiddenLine xmlns:a14="http://schemas.microsoft.com/office/drawing/2010/main" xmlns="" w="9525">
                 <a:solidFill>
                   <a:srgbClr val="000000"/>
                 </a:solidFill>
@@ -15948,7 +15953,7 @@
           <a:p>
             <a:pPr marL="223838" indent="0">
               <a:lnSpc>
-                <a:spcPct val="90000"/>
+                <a:spcPct val="140000"/>
               </a:lnSpc>
               <a:spcBef>
                 <a:spcPct val="70000"/>
@@ -16471,7 +16476,7 @@
               <a:buNone/>
             </a:pPr>
             <a:r>
-              <a:rPr lang="en-US" sz="2400">
+              <a:rPr lang="en-US" sz="2400" dirty="0">
                 <a:latin typeface="Calibri" charset="0"/>
                 <a:ea typeface="ＭＳ Ｐゴシック" charset="0"/>
                 <a:cs typeface="ＭＳ Ｐゴシック" charset="0"/>
@@ -16485,7 +16490,7 @@
               <a:buNone/>
             </a:pPr>
             <a:r>
-              <a:rPr lang="en-US" sz="2400">
+              <a:rPr lang="en-US" sz="2400" dirty="0">
                 <a:latin typeface="Calibri" charset="0"/>
                 <a:ea typeface="ＭＳ Ｐゴシック" charset="0"/>
                 <a:cs typeface="ＭＳ Ｐゴシック" charset="0"/>
@@ -16493,7 +16498,7 @@
               <a:t>@prefix ep: &lt;</a:t>
             </a:r>
             <a:r>
-              <a:rPr lang="en-US" sz="2400">
+              <a:rPr lang="en-US" sz="2400" dirty="0">
                 <a:latin typeface="Calibri" charset="0"/>
                 <a:ea typeface="ＭＳ Ｐゴシック" charset="0"/>
                 <a:cs typeface="ＭＳ Ｐゴシック" charset="0"/>
@@ -16502,7 +16507,7 @@
               <a:t>http://example.com/epistimology</a:t>
             </a:r>
             <a:r>
-              <a:rPr lang="en-US" sz="2400">
+              <a:rPr lang="en-US" sz="2400" dirty="0">
                 <a:latin typeface="Calibri" charset="0"/>
                 <a:ea typeface="ＭＳ Ｐゴシック" charset="0"/>
                 <a:cs typeface="ＭＳ Ｐゴシック" charset="0"/>
@@ -16516,15 +16521,31 @@
               <a:buNone/>
             </a:pPr>
             <a:r>
-              <a:rPr lang="en-US" sz="2400">
-                <a:latin typeface="Calibri" charset="0"/>
-                <a:ea typeface="ＭＳ Ｐゴシック" charset="0"/>
-                <a:cs typeface="ＭＳ Ｐゴシック" charset="0"/>
-              </a:rPr>
-              <a:t>@prefix rdf: </a:t>
-            </a:r>
-            <a:r>
-              <a:rPr lang="pl-PL" sz="2400">
+              <a:rPr lang="en-US" sz="2400" dirty="0">
+                <a:latin typeface="Calibri" charset="0"/>
+                <a:ea typeface="ＭＳ Ｐゴシック" charset="0"/>
+                <a:cs typeface="ＭＳ Ｐゴシック" charset="0"/>
+              </a:rPr>
+              <a:t>@prefix </a:t>
+            </a:r>
+            <a:r>
+              <a:rPr lang="en-US" sz="2400" dirty="0" err="1">
+                <a:latin typeface="Calibri" charset="0"/>
+                <a:ea typeface="ＭＳ Ｐゴシック" charset="0"/>
+                <a:cs typeface="ＭＳ Ｐゴシック" charset="0"/>
+              </a:rPr>
+              <a:t>rdf</a:t>
+            </a:r>
+            <a:r>
+              <a:rPr lang="en-US" sz="2400" dirty="0">
+                <a:latin typeface="Calibri" charset="0"/>
+                <a:ea typeface="ＭＳ Ｐゴシック" charset="0"/>
+                <a:cs typeface="ＭＳ Ｐゴシック" charset="0"/>
+              </a:rPr>
+              <a:t>: </a:t>
+            </a:r>
+            <a:r>
+              <a:rPr lang="pl-PL" sz="2400" dirty="0">
                 <a:latin typeface="Calibri" charset="0"/>
                 <a:ea typeface="ＭＳ Ｐゴシック" charset="0"/>
                 <a:cs typeface="ＭＳ Ｐゴシック" charset="0"/>
@@ -16538,15 +16559,47 @@
               <a:buNone/>
             </a:pPr>
             <a:r>
-              <a:rPr lang="pl-PL" sz="2400">
-                <a:latin typeface="Calibri" charset="0"/>
-                <a:ea typeface="ＭＳ Ｐゴシック" charset="0"/>
-                <a:cs typeface="ＭＳ Ｐゴシック" charset="0"/>
-              </a:rPr>
-              <a:t>@prefix xsd: </a:t>
-            </a:r>
-            <a:r>
-              <a:rPr lang="pl-PL" sz="2400">
+              <a:rPr lang="pl-PL" sz="2400" dirty="0">
+                <a:latin typeface="Calibri" charset="0"/>
+                <a:ea typeface="ＭＳ Ｐゴシック" charset="0"/>
+                <a:cs typeface="ＭＳ Ｐゴシック" charset="0"/>
+              </a:rPr>
+              <a:t>@</a:t>
+            </a:r>
+            <a:r>
+              <a:rPr lang="pl-PL" sz="2400" dirty="0" err="1">
+                <a:latin typeface="Calibri" charset="0"/>
+                <a:ea typeface="ＭＳ Ｐゴシック" charset="0"/>
+                <a:cs typeface="ＭＳ Ｐゴシック" charset="0"/>
+              </a:rPr>
+              <a:t>prefix</a:t>
+            </a:r>
+            <a:r>
+              <a:rPr lang="pl-PL" sz="2400" dirty="0">
+                <a:latin typeface="Calibri" charset="0"/>
+                <a:ea typeface="ＭＳ Ｐゴシック" charset="0"/>
+                <a:cs typeface="ＭＳ Ｐゴシック" charset="0"/>
+              </a:rPr>
+              <a:t> </a:t>
+            </a:r>
+            <a:r>
+              <a:rPr lang="pl-PL" sz="2400" dirty="0" err="1">
+                <a:latin typeface="Calibri" charset="0"/>
+                <a:ea typeface="ＭＳ Ｐゴシック" charset="0"/>
+                <a:cs typeface="ＭＳ Ｐゴシック" charset="0"/>
+              </a:rPr>
+              <a:t>xsd</a:t>
+            </a:r>
+            <a:r>
+              <a:rPr lang="pl-PL" sz="2400" dirty="0">
+                <a:latin typeface="Calibri" charset="0"/>
+                <a:ea typeface="ＭＳ Ｐゴシック" charset="0"/>
+                <a:cs typeface="ＭＳ Ｐゴシック" charset="0"/>
+              </a:rPr>
+              <a:t>: </a:t>
+            </a:r>
+            <a:r>
+              <a:rPr lang="pl-PL" sz="2400" dirty="0">
                 <a:latin typeface="Calibri" charset="0"/>
                 <a:ea typeface="ＭＳ Ｐゴシック" charset="0"/>
                 <a:cs typeface="ＭＳ Ｐゴシック" charset="0"/>
@@ -16554,7 +16607,90 @@
               </a:rPr>
               <a:t>http://www.w3.org/2001/XMLSchema</a:t>
             </a:r>
-            <a:endParaRPr lang="pl-PL" sz="2400">
+            <a:br>
+              <a:rPr lang="pl-PL" sz="2400" dirty="0">
+                <a:latin typeface="Calibri" charset="0"/>
+                <a:ea typeface="ＭＳ Ｐゴシック" charset="0"/>
+                <a:cs typeface="ＭＳ Ｐゴシック" charset="0"/>
+              </a:rPr>
+            </a:br>
+            <a:r>
+              <a:rPr lang="pl-PL" sz="2400" dirty="0">
+                <a:latin typeface="Calibri" charset="0"/>
+                <a:ea typeface="ＭＳ Ｐゴシック" charset="0"/>
+                <a:cs typeface="ＭＳ Ｐゴシック" charset="0"/>
+              </a:rPr>
+              <a:t>@</a:t>
+            </a:r>
+            <a:r>
+              <a:rPr lang="pl-PL" sz="2400" dirty="0" err="1">
+                <a:latin typeface="Calibri" charset="0"/>
+                <a:ea typeface="ＭＳ Ｐゴシック" charset="0"/>
+                <a:cs typeface="ＭＳ Ｐゴシック" charset="0"/>
+              </a:rPr>
+              <a:t>prefix</a:t>
+            </a:r>
+            <a:r>
+              <a:rPr lang="pl-PL" sz="2400" dirty="0">
+                <a:latin typeface="Calibri" charset="0"/>
+                <a:ea typeface="ＭＳ Ｐゴシック" charset="0"/>
+                <a:cs typeface="ＭＳ Ｐゴシック" charset="0"/>
+              </a:rPr>
+              <a:t> : &lt;#&gt;.</a:t>
+            </a:r>
+          </a:p>
+          <a:p>
+            <a:pPr marL="0" indent="0">
+              <a:buFont typeface="Wingdings" charset="0"/>
+              <a:buNone/>
+            </a:pPr>
+            <a:r>
+              <a:rPr lang="en-US" sz="2400" dirty="0">
+                <a:latin typeface="Calibri" charset="0"/>
+                <a:ea typeface="ＭＳ Ｐゴシック" charset="0"/>
+                <a:cs typeface="ＭＳ Ｐゴシック" charset="0"/>
+              </a:rPr>
+              <a:t>:bob :loves :carol .</a:t>
+            </a:r>
+          </a:p>
+          <a:p>
+            <a:pPr marL="0" indent="0">
+              <a:buFont typeface="Wingdings" charset="0"/>
+              <a:buNone/>
+            </a:pPr>
+            <a:r>
+              <a:rPr lang="en-US" sz="2400" dirty="0">
+                <a:latin typeface="Calibri" charset="0"/>
+                <a:ea typeface="ＭＳ Ｐゴシック" charset="0"/>
+                <a:cs typeface="ＭＳ Ｐゴシック" charset="0"/>
+              </a:rPr>
+              <a:t>[:</a:t>
+            </a:r>
+            <a:r>
+              <a:rPr lang="en-US" sz="2400" dirty="0" err="1">
+                <a:latin typeface="Calibri" charset="0"/>
+                <a:ea typeface="ＭＳ Ｐゴシック" charset="0"/>
+                <a:cs typeface="ＭＳ Ｐゴシック" charset="0"/>
+              </a:rPr>
+              <a:t>alice</a:t>
+            </a:r>
+            <a:r>
+              <a:rPr lang="en-US" sz="2400" dirty="0">
+                <a:latin typeface="Calibri" charset="0"/>
+                <a:ea typeface="ＭＳ Ｐゴシック" charset="0"/>
+                <a:cs typeface="ＭＳ Ｐゴシック" charset="0"/>
+              </a:rPr>
+              <a:t> </a:t>
+            </a:r>
+            <a:r>
+              <a:rPr lang="en-US" sz="2400" dirty="0" err="1">
+                <a:latin typeface="Calibri" charset="0"/>
+                <a:ea typeface="ＭＳ Ｐゴシック" charset="0"/>
+                <a:cs typeface="ＭＳ Ｐゴシック" charset="0"/>
+              </a:rPr>
+              <a:t>ep:believes</a:t>
+            </a:r>
+            <a:endParaRPr lang="en-US" sz="2400" dirty="0">
               <a:latin typeface="Calibri" charset="0"/>
               <a:ea typeface="ＭＳ Ｐゴシック" charset="0"/>
               <a:cs typeface="ＭＳ Ｐゴシック" charset="0"/>
@@ -16566,12 +16702,28 @@
               <a:buNone/>
             </a:pPr>
             <a:r>
-              <a:rPr lang="en-US" sz="2400">
-                <a:latin typeface="Calibri" charset="0"/>
-                <a:ea typeface="ＭＳ Ｐゴシック" charset="0"/>
-                <a:cs typeface="ＭＳ Ｐゴシック" charset="0"/>
-              </a:rPr>
-              <a:t>:bob :loves :carol .</a:t>
+              <a:rPr lang="en-US" sz="2400" dirty="0">
+                <a:latin typeface="Calibri" charset="0"/>
+                <a:ea typeface="ＭＳ Ｐゴシック" charset="0"/>
+                <a:cs typeface="ＭＳ Ｐゴシック" charset="0"/>
+              </a:rPr>
+              <a:t>   [a </a:t>
+            </a:r>
+            <a:r>
+              <a:rPr lang="en-US" sz="2400" dirty="0" err="1">
+                <a:latin typeface="Calibri" charset="0"/>
+                <a:ea typeface="ＭＳ Ｐゴシック" charset="0"/>
+                <a:cs typeface="ＭＳ Ｐゴシック" charset="0"/>
+              </a:rPr>
+              <a:t>rdf:Statement</a:t>
+            </a:r>
+            <a:r>
+              <a:rPr lang="en-US" sz="2400" dirty="0">
+                <a:latin typeface="Calibri" charset="0"/>
+                <a:ea typeface="ＭＳ Ｐゴシック" charset="0"/>
+                <a:cs typeface="ＭＳ Ｐゴシック" charset="0"/>
+              </a:rPr>
+              <a:t>;</a:t>
             </a:r>
           </a:p>
           <a:p>
@@ -16580,12 +16732,28 @@
               <a:buNone/>
             </a:pPr>
             <a:r>
-              <a:rPr lang="en-US" sz="2400">
-                <a:latin typeface="Calibri" charset="0"/>
-                <a:ea typeface="ＭＳ Ｐゴシック" charset="0"/>
-                <a:cs typeface="ＭＳ Ｐゴシック" charset="0"/>
-              </a:rPr>
-              <a:t>[:alice ep:believes</a:t>
+              <a:rPr lang="en-US" sz="2400" dirty="0">
+                <a:latin typeface="Calibri" charset="0"/>
+                <a:ea typeface="ＭＳ Ｐゴシック" charset="0"/>
+                <a:cs typeface="ＭＳ Ｐゴシック" charset="0"/>
+              </a:rPr>
+              <a:t>     </a:t>
+            </a:r>
+            <a:r>
+              <a:rPr lang="en-US" sz="2400" dirty="0" err="1">
+                <a:latin typeface="Calibri" charset="0"/>
+                <a:ea typeface="ＭＳ Ｐゴシック" charset="0"/>
+                <a:cs typeface="ＭＳ Ｐゴシック" charset="0"/>
+              </a:rPr>
+              <a:t>rdf:subject</a:t>
+            </a:r>
+            <a:r>
+              <a:rPr lang="en-US" sz="2400" dirty="0">
+                <a:latin typeface="Calibri" charset="0"/>
+                <a:ea typeface="ＭＳ Ｐゴシック" charset="0"/>
+                <a:cs typeface="ＭＳ Ｐゴシック" charset="0"/>
+              </a:rPr>
+              <a:t> :bob;</a:t>
             </a:r>
           </a:p>
           <a:p>
@@ -16594,12 +16762,28 @@
               <a:buNone/>
             </a:pPr>
             <a:r>
-              <a:rPr lang="en-US" sz="2400">
-                <a:latin typeface="Calibri" charset="0"/>
-                <a:ea typeface="ＭＳ Ｐゴシック" charset="0"/>
-                <a:cs typeface="ＭＳ Ｐゴシック" charset="0"/>
-              </a:rPr>
-              <a:t>   [a rdf:Statement;</a:t>
+              <a:rPr lang="en-US" sz="2400" dirty="0">
+                <a:latin typeface="Calibri" charset="0"/>
+                <a:ea typeface="ＭＳ Ｐゴシック" charset="0"/>
+                <a:cs typeface="ＭＳ Ｐゴシック" charset="0"/>
+              </a:rPr>
+              <a:t>     </a:t>
+            </a:r>
+            <a:r>
+              <a:rPr lang="en-US" sz="2400" dirty="0" err="1">
+                <a:latin typeface="Calibri" charset="0"/>
+                <a:ea typeface="ＭＳ Ｐゴシック" charset="0"/>
+                <a:cs typeface="ＭＳ Ｐゴシック" charset="0"/>
+              </a:rPr>
+              <a:t>rdf:predicate</a:t>
+            </a:r>
+            <a:r>
+              <a:rPr lang="en-US" sz="2400" dirty="0">
+                <a:latin typeface="Calibri" charset="0"/>
+                <a:ea typeface="ＭＳ Ｐゴシック" charset="0"/>
+                <a:cs typeface="ＭＳ Ｐゴシック" charset="0"/>
+              </a:rPr>
+              <a:t> :loves;</a:t>
             </a:r>
           </a:p>
           <a:p>
@@ -16608,12 +16792,28 @@
               <a:buNone/>
             </a:pPr>
             <a:r>
-              <a:rPr lang="en-US" sz="2400">
-                <a:latin typeface="Calibri" charset="0"/>
-                <a:ea typeface="ＭＳ Ｐゴシック" charset="0"/>
-                <a:cs typeface="ＭＳ Ｐゴシック" charset="0"/>
-              </a:rPr>
-              <a:t>     rdf:subject :bob;</a:t>
+              <a:rPr lang="en-US" sz="2400" dirty="0">
+                <a:latin typeface="Calibri" charset="0"/>
+                <a:ea typeface="ＭＳ Ｐゴシック" charset="0"/>
+                <a:cs typeface="ＭＳ Ｐゴシック" charset="0"/>
+              </a:rPr>
+              <a:t>     </a:t>
+            </a:r>
+            <a:r>
+              <a:rPr lang="en-US" sz="2400" dirty="0" err="1">
+                <a:latin typeface="Calibri" charset="0"/>
+                <a:ea typeface="ＭＳ Ｐゴシック" charset="0"/>
+                <a:cs typeface="ＭＳ Ｐゴシック" charset="0"/>
+              </a:rPr>
+              <a:t>rdf:object</a:t>
+            </a:r>
+            <a:r>
+              <a:rPr lang="en-US" sz="2400" dirty="0">
+                <a:latin typeface="Calibri" charset="0"/>
+                <a:ea typeface="ＭＳ Ｐゴシック" charset="0"/>
+                <a:cs typeface="ＭＳ Ｐゴシック" charset="0"/>
+              </a:rPr>
+              <a:t> :carol;</a:t>
             </a:r>
           </a:p>
           <a:p>
@@ -16622,40 +16822,44 @@
               <a:buNone/>
             </a:pPr>
             <a:r>
-              <a:rPr lang="en-US" sz="2400">
-                <a:latin typeface="Calibri" charset="0"/>
-                <a:ea typeface="ＭＳ Ｐゴシック" charset="0"/>
-                <a:cs typeface="ＭＳ Ｐゴシック" charset="0"/>
-              </a:rPr>
-              <a:t>     rdf:predicate :loves;</a:t>
-            </a:r>
-          </a:p>
-          <a:p>
-            <a:pPr marL="0" indent="0">
-              <a:buFont typeface="Wingdings" charset="0"/>
-              <a:buNone/>
-            </a:pPr>
-            <a:r>
-              <a:rPr lang="en-US" sz="2400">
-                <a:latin typeface="Calibri" charset="0"/>
-                <a:ea typeface="ＭＳ Ｐゴシック" charset="0"/>
-                <a:cs typeface="ＭＳ Ｐゴシック" charset="0"/>
-              </a:rPr>
-              <a:t>     rdf:object :carol;</a:t>
-            </a:r>
-          </a:p>
-          <a:p>
-            <a:pPr marL="0" indent="0">
-              <a:buFont typeface="Wingdings" charset="0"/>
-              <a:buNone/>
-            </a:pPr>
-            <a:r>
-              <a:rPr lang="en-US" sz="2400">
-                <a:latin typeface="Calibri" charset="0"/>
-                <a:ea typeface="ＭＳ Ｐゴシック" charset="0"/>
-                <a:cs typeface="ＭＳ Ｐゴシック" charset="0"/>
-              </a:rPr>
-              <a:t>     ex:certainty “0.50”^^xsd:integer]</a:t>
+              <a:rPr lang="en-US" sz="2400" dirty="0">
+                <a:latin typeface="Calibri" charset="0"/>
+                <a:ea typeface="ＭＳ Ｐゴシック" charset="0"/>
+                <a:cs typeface="ＭＳ Ｐゴシック" charset="0"/>
+              </a:rPr>
+              <a:t>     </a:t>
+            </a:r>
+            <a:r>
+              <a:rPr lang="en-US" sz="2400" dirty="0" err="1">
+                <a:latin typeface="Calibri" charset="0"/>
+                <a:ea typeface="ＭＳ Ｐゴシック" charset="0"/>
+                <a:cs typeface="ＭＳ Ｐゴシック" charset="0"/>
+              </a:rPr>
+              <a:t>ex:certainty</a:t>
+            </a:r>
+            <a:r>
+              <a:rPr lang="en-US" sz="2400" dirty="0">
+                <a:latin typeface="Calibri" charset="0"/>
+                <a:ea typeface="ＭＳ Ｐゴシック" charset="0"/>
+                <a:cs typeface="ＭＳ Ｐゴシック" charset="0"/>
+              </a:rPr>
+              <a:t> “0.50”^^</a:t>
+            </a:r>
+            <a:r>
+              <a:rPr lang="en-US" sz="2400" dirty="0" err="1">
+                <a:latin typeface="Calibri" charset="0"/>
+                <a:ea typeface="ＭＳ Ｐゴシック" charset="0"/>
+                <a:cs typeface="ＭＳ Ｐゴシック" charset="0"/>
+              </a:rPr>
+              <a:t>xsd:integer</a:t>
+            </a:r>
+            <a:r>
+              <a:rPr lang="en-US" sz="2400" dirty="0">
+                <a:latin typeface="Calibri" charset="0"/>
+                <a:ea typeface="ＭＳ Ｐゴシック" charset="0"/>
+                <a:cs typeface="ＭＳ Ｐゴシック" charset="0"/>
+              </a:rPr>
+              <a:t>]</a:t>
             </a:r>
           </a:p>
         </p:txBody>
@@ -16717,14 +16921,14 @@
           </a:ln>
           <a:extLst>
             <a:ext uri="{909E8E84-426E-40dd-AFC4-6F175D3DCCD1}">
-              <a14:hiddenFill xmlns="" xmlns:a14="http://schemas.microsoft.com/office/drawing/2010/main">
+              <a14:hiddenFill xmlns:a14="http://schemas.microsoft.com/office/drawing/2010/main" xmlns="">
                 <a:solidFill>
                   <a:srgbClr val="FFFFFF"/>
                 </a:solidFill>
               </a14:hiddenFill>
             </a:ext>
             <a:ext uri="{91240B29-F687-4f45-9708-019B960494DF}">
-              <a14:hiddenLine xmlns="" xmlns:a14="http://schemas.microsoft.com/office/drawing/2010/main" w="9525">
+              <a14:hiddenLine xmlns:a14="http://schemas.microsoft.com/office/drawing/2010/main" xmlns="" w="9525">
                 <a:solidFill>
                   <a:srgbClr val="000000"/>
                 </a:solidFill>
@@ -17668,14 +17872,14 @@
           </a:ln>
           <a:extLst>
             <a:ext uri="{909E8E84-426E-40dd-AFC4-6F175D3DCCD1}">
-              <a14:hiddenFill xmlns="" xmlns:a14="http://schemas.microsoft.com/office/drawing/2010/main">
+              <a14:hiddenFill xmlns:a14="http://schemas.microsoft.com/office/drawing/2010/main" xmlns="">
                 <a:solidFill>
                   <a:srgbClr val="FFFFFF"/>
                 </a:solidFill>
               </a14:hiddenFill>
             </a:ext>
             <a:ext uri="{91240B29-F687-4f45-9708-019B960494DF}">
-              <a14:hiddenLine xmlns="" xmlns:a14="http://schemas.microsoft.com/office/drawing/2010/main" w="9525">
+              <a14:hiddenLine xmlns:a14="http://schemas.microsoft.com/office/drawing/2010/main" xmlns="" w="9525">
                 <a:solidFill>
                   <a:srgbClr val="000000"/>
                 </a:solidFill>
@@ -19037,14 +19241,14 @@
           </a:ln>
           <a:extLst>
             <a:ext uri="{909E8E84-426E-40dd-AFC4-6F175D3DCCD1}">
-              <a14:hiddenFill xmlns="" xmlns:a14="http://schemas.microsoft.com/office/drawing/2010/main">
+              <a14:hiddenFill xmlns:a14="http://schemas.microsoft.com/office/drawing/2010/main" xmlns="">
                 <a:solidFill>
                   <a:srgbClr val="FFFFFF"/>
                 </a:solidFill>
               </a14:hiddenFill>
             </a:ext>
             <a:ext uri="{91240B29-F687-4f45-9708-019B960494DF}">
-              <a14:hiddenLine xmlns="" xmlns:a14="http://schemas.microsoft.com/office/drawing/2010/main" w="9525">
+              <a14:hiddenLine xmlns:a14="http://schemas.microsoft.com/office/drawing/2010/main" xmlns="" w="9525">
                 <a:solidFill>
                   <a:srgbClr val="000000"/>
                 </a:solidFill>
@@ -19695,14 +19899,14 @@
           </a:ln>
           <a:extLst>
             <a:ext uri="{909E8E84-426E-40dd-AFC4-6F175D3DCCD1}">
-              <a14:hiddenFill xmlns="" xmlns:a14="http://schemas.microsoft.com/office/drawing/2010/main">
+              <a14:hiddenFill xmlns:a14="http://schemas.microsoft.com/office/drawing/2010/main" xmlns="">
                 <a:solidFill>
                   <a:srgbClr val="FFFFFF"/>
                 </a:solidFill>
               </a14:hiddenFill>
             </a:ext>
             <a:ext uri="{91240B29-F687-4f45-9708-019B960494DF}">
-              <a14:hiddenLine xmlns="" xmlns:a14="http://schemas.microsoft.com/office/drawing/2010/main" w="9525">
+              <a14:hiddenLine xmlns:a14="http://schemas.microsoft.com/office/drawing/2010/main" xmlns="" w="9525">
                 <a:solidFill>
                   <a:srgbClr val="000000"/>
                 </a:solidFill>
@@ -19893,14 +20097,14 @@
           </a:ln>
           <a:extLst>
             <a:ext uri="{909E8E84-426E-40dd-AFC4-6F175D3DCCD1}">
-              <a14:hiddenFill xmlns="" xmlns:a14="http://schemas.microsoft.com/office/drawing/2010/main">
+              <a14:hiddenFill xmlns:a14="http://schemas.microsoft.com/office/drawing/2010/main" xmlns="">
                 <a:solidFill>
                   <a:srgbClr val="FFFFFF"/>
                 </a:solidFill>
               </a14:hiddenFill>
             </a:ext>
             <a:ext uri="{91240B29-F687-4f45-9708-019B960494DF}">
-              <a14:hiddenLine xmlns="" xmlns:a14="http://schemas.microsoft.com/office/drawing/2010/main" w="9525">
+              <a14:hiddenLine xmlns:a14="http://schemas.microsoft.com/office/drawing/2010/main" xmlns="" w="9525">
                 <a:solidFill>
                   <a:srgbClr val="000000"/>
                 </a:solidFill>
@@ -20702,14 +20906,14 @@
           </a:ln>
           <a:extLst>
             <a:ext uri="{909E8E84-426E-40dd-AFC4-6F175D3DCCD1}">
-              <a14:hiddenFill xmlns="" xmlns:a14="http://schemas.microsoft.com/office/drawing/2010/main">
+              <a14:hiddenFill xmlns:a14="http://schemas.microsoft.com/office/drawing/2010/main" xmlns="">
                 <a:solidFill>
                   <a:srgbClr val="FFFFFF"/>
                 </a:solidFill>
               </a14:hiddenFill>
             </a:ext>
             <a:ext uri="{91240B29-F687-4f45-9708-019B960494DF}">
-              <a14:hiddenLine xmlns="" xmlns:a14="http://schemas.microsoft.com/office/drawing/2010/main" w="9525">
+              <a14:hiddenLine xmlns:a14="http://schemas.microsoft.com/office/drawing/2010/main" xmlns="" w="9525">
                 <a:solidFill>
                   <a:srgbClr val="000000"/>
                 </a:solidFill>
@@ -21164,14 +21368,14 @@
           </a:effectLst>
           <a:extLst>
             <a:ext uri="{909E8E84-426E-40dd-AFC4-6F175D3DCCD1}">
-              <a14:hiddenFill xmlns="" xmlns:a14="http://schemas.microsoft.com/office/drawing/2010/main">
+              <a14:hiddenFill xmlns:a14="http://schemas.microsoft.com/office/drawing/2010/main" xmlns="">
                 <a:solidFill>
                   <a:srgbClr val="FFFFFF"/>
                 </a:solidFill>
               </a14:hiddenFill>
             </a:ext>
             <a:ext uri="{91240B29-F687-4f45-9708-019B960494DF}">
-              <a14:hiddenLine xmlns="" xmlns:a14="http://schemas.microsoft.com/office/drawing/2010/main" w="9525">
+              <a14:hiddenLine xmlns:a14="http://schemas.microsoft.com/office/drawing/2010/main" xmlns="" w="9525">
                 <a:solidFill>
                   <a:srgbClr val="000000"/>
                 </a:solidFill>
@@ -21399,14 +21603,14 @@
           </a:ln>
           <a:extLst>
             <a:ext uri="{909E8E84-426E-40dd-AFC4-6F175D3DCCD1}">
-              <a14:hiddenFill xmlns="" xmlns:a14="http://schemas.microsoft.com/office/drawing/2010/main">
+              <a14:hiddenFill xmlns:a14="http://schemas.microsoft.com/office/drawing/2010/main" xmlns="">
                 <a:solidFill>
                   <a:srgbClr val="FFFFFF"/>
                 </a:solidFill>
               </a14:hiddenFill>
             </a:ext>
             <a:ext uri="{91240B29-F687-4f45-9708-019B960494DF}">
-              <a14:hiddenLine xmlns="" xmlns:a14="http://schemas.microsoft.com/office/drawing/2010/main" w="9525">
+              <a14:hiddenLine xmlns:a14="http://schemas.microsoft.com/office/drawing/2010/main" xmlns="" w="9525">
                 <a:solidFill>
                   <a:srgbClr val="000000"/>
                 </a:solidFill>
